--- a/파워포인트/환경 분석.pptx
+++ b/파워포인트/환경 분석.pptx
@@ -6,6 +6,7 @@
   </p:sldMasterIdLst>
   <p:sldIdLst>
     <p:sldId id="256" r:id="rId2"/>
+    <p:sldId id="257" r:id="rId3"/>
   </p:sldIdLst>
   <p:sldSz cx="9144000" cy="6858000" type="screen4x3"/>
   <p:notesSz cx="6858000" cy="9144000"/>
@@ -3035,62 +3036,6 @@
           <a:chExt cx="0" cy="0"/>
         </a:xfrm>
       </p:grpSpPr>
-      <p:sp>
-        <p:nvSpPr>
-          <p:cNvPr id="9" name="직사각형 8"/>
-          <p:cNvSpPr/>
-          <p:nvPr/>
-        </p:nvSpPr>
-        <p:spPr>
-          <a:xfrm>
-            <a:off x="0" y="0"/>
-            <a:ext cx="6264696" cy="720080"/>
-          </a:xfrm>
-          <a:prstGeom prst="rect">
-            <a:avLst/>
-          </a:prstGeom>
-          <a:ln w="3175"/>
-        </p:spPr>
-        <p:style>
-          <a:lnRef idx="2">
-            <a:schemeClr val="dk1"/>
-          </a:lnRef>
-          <a:fillRef idx="1">
-            <a:schemeClr val="lt1"/>
-          </a:fillRef>
-          <a:effectRef idx="0">
-            <a:schemeClr val="dk1"/>
-          </a:effectRef>
-          <a:fontRef idx="minor">
-            <a:schemeClr val="dk1"/>
-          </a:fontRef>
-        </p:style>
-        <p:txBody>
-          <a:bodyPr rtlCol="0" anchor="ctr"/>
-          <a:lstStyle/>
-          <a:p>
-            <a:pPr algn="ctr"/>
-            <a:r>
-              <a:rPr lang="en-US" altLang="ko-KR" sz="3600" dirty="0" smtClean="0">
-                <a:latin typeface="나눔명조" panose="02020603020101020101" pitchFamily="18" charset="-127"/>
-                <a:ea typeface="나눔명조" panose="02020603020101020101" pitchFamily="18" charset="-127"/>
-              </a:rPr>
-              <a:t>SWOT </a:t>
-            </a:r>
-            <a:r>
-              <a:rPr lang="ko-KR" altLang="en-US" sz="3600" dirty="0" smtClean="0">
-                <a:latin typeface="나눔명조" panose="02020603020101020101" pitchFamily="18" charset="-127"/>
-                <a:ea typeface="나눔명조" panose="02020603020101020101" pitchFamily="18" charset="-127"/>
-              </a:rPr>
-              <a:t>분석</a:t>
-            </a:r>
-            <a:endParaRPr lang="ko-KR" altLang="en-US" sz="3600" dirty="0">
-              <a:latin typeface="나눔명조" panose="02020603020101020101" pitchFamily="18" charset="-127"/>
-              <a:ea typeface="나눔명조" panose="02020603020101020101" pitchFamily="18" charset="-127"/>
-            </a:endParaRPr>
-          </a:p>
-        </p:txBody>
-      </p:sp>
       <p:graphicFrame>
         <p:nvGraphicFramePr>
           <p:cNvPr id="10" name="표 9"/>
@@ -3100,14 +3045,14 @@
           <p:nvPr>
             <p:extLst>
               <p:ext uri="{D42A27DB-BD31-4B8C-83A1-F6EECF244321}">
-                <p14:modId xmlns:p14="http://schemas.microsoft.com/office/powerpoint/2010/main" val="2944534793"/>
+                <p14:modId xmlns:p14="http://schemas.microsoft.com/office/powerpoint/2010/main" val="1429228819"/>
               </p:ext>
             </p:extLst>
           </p:nvPr>
         </p:nvGraphicFramePr>
         <p:xfrm>
-          <a:off x="1" y="780428"/>
-          <a:ext cx="6264696" cy="3029952"/>
+          <a:off x="35496" y="32008"/>
+          <a:ext cx="6264696" cy="3108960"/>
         </p:xfrm>
         <a:graphic>
           <a:graphicData uri="http://schemas.openxmlformats.org/drawingml/2006/table">
@@ -3127,7 +3072,7 @@
                     <a:p>
                       <a:pPr latinLnBrk="1"/>
                       <a:r>
-                        <a:rPr lang="en-US" altLang="ko-KR" sz="1600" dirty="0" smtClean="0">
+                        <a:rPr lang="en-US" altLang="ko-KR" sz="1600" b="1" dirty="0" smtClean="0">
                           <a:latin typeface="나눔명조" panose="02020603020101020101" pitchFamily="18" charset="-127"/>
                           <a:ea typeface="나눔명조" panose="02020603020101020101" pitchFamily="18" charset="-127"/>
                         </a:rPr>
@@ -3136,7 +3081,7 @@
                     </a:p>
                     <a:p>
                       <a:pPr latinLnBrk="1"/>
-                      <a:endParaRPr lang="en-US" altLang="ko-KR" sz="1600" dirty="0" smtClean="0">
+                      <a:endParaRPr lang="en-US" altLang="ko-KR" sz="1600" b="1" dirty="0" smtClean="0">
                         <a:latin typeface="나눔명조" panose="02020603020101020101" pitchFamily="18" charset="-127"/>
                         <a:ea typeface="나눔명조" panose="02020603020101020101" pitchFamily="18" charset="-127"/>
                       </a:endParaRPr>
@@ -3146,14 +3091,14 @@
                         <a:buAutoNum type="arabicPeriod"/>
                       </a:pPr>
                       <a:r>
-                        <a:rPr lang="ko-KR" altLang="en-US" sz="1600" baseline="0" dirty="0" smtClean="0">
+                        <a:rPr lang="ko-KR" altLang="en-US" sz="1600" b="1" baseline="0" dirty="0" smtClean="0">
                           <a:latin typeface="나눔명조" panose="02020603020101020101" pitchFamily="18" charset="-127"/>
                           <a:ea typeface="나눔명조" panose="02020603020101020101" pitchFamily="18" charset="-127"/>
                         </a:rPr>
                         <a:t>오랜 시간 다져진 고객층</a:t>
                       </a:r>
                       <a:r>
-                        <a:rPr lang="en-US" altLang="ko-KR" sz="1600" baseline="0" dirty="0" smtClean="0">
+                        <a:rPr lang="en-US" altLang="ko-KR" sz="1600" b="1" baseline="0" dirty="0" smtClean="0">
                           <a:latin typeface="나눔명조" panose="02020603020101020101" pitchFamily="18" charset="-127"/>
                           <a:ea typeface="나눔명조" panose="02020603020101020101" pitchFamily="18" charset="-127"/>
                         </a:rPr>
@@ -3165,33 +3110,49 @@
                         <a:buAutoNum type="arabicPeriod"/>
                       </a:pPr>
                       <a:r>
-                        <a:rPr lang="ko-KR" altLang="en-US" sz="1600" baseline="0" dirty="0" smtClean="0">
+                        <a:rPr lang="ko-KR" altLang="en-US" sz="1600" b="1" baseline="0" dirty="0" smtClean="0">
                           <a:latin typeface="나눔명조" panose="02020603020101020101" pitchFamily="18" charset="-127"/>
                           <a:ea typeface="나눔명조" panose="02020603020101020101" pitchFamily="18" charset="-127"/>
                         </a:rPr>
                         <a:t>흥행 시리즈 </a:t>
                       </a:r>
                       <a:r>
-                        <a:rPr lang="en-US" altLang="ko-KR" sz="1600" baseline="0" dirty="0" smtClean="0">
+                        <a:rPr lang="en-US" altLang="ko-KR" sz="1600" b="1" baseline="0" dirty="0" smtClean="0">
                           <a:latin typeface="나눔명조" panose="02020603020101020101" pitchFamily="18" charset="-127"/>
                           <a:ea typeface="나눔명조" panose="02020603020101020101" pitchFamily="18" charset="-127"/>
                         </a:rPr>
                         <a:t>‘</a:t>
                       </a:r>
                       <a:r>
-                        <a:rPr lang="ko-KR" altLang="en-US" sz="1600" baseline="0" dirty="0" err="1" smtClean="0">
+                        <a:rPr lang="ko-KR" altLang="en-US" sz="1600" b="1" baseline="0" dirty="0" err="1" smtClean="0">
                           <a:latin typeface="나눔명조" panose="02020603020101020101" pitchFamily="18" charset="-127"/>
                           <a:ea typeface="나눔명조" panose="02020603020101020101" pitchFamily="18" charset="-127"/>
                         </a:rPr>
                         <a:t>리니지</a:t>
                       </a:r>
                       <a:r>
-                        <a:rPr lang="en-US" altLang="ko-KR" sz="1600" baseline="0" dirty="0" smtClean="0">
+                        <a:rPr lang="en-US" altLang="ko-KR" sz="1600" b="1" baseline="0" dirty="0" smtClean="0">
                           <a:latin typeface="나눔명조" panose="02020603020101020101" pitchFamily="18" charset="-127"/>
                           <a:ea typeface="나눔명조" panose="02020603020101020101" pitchFamily="18" charset="-127"/>
                         </a:rPr>
                         <a:t>’</a:t>
                       </a:r>
+                    </a:p>
+                    <a:p>
+                      <a:pPr marL="342900" indent="-342900" latinLnBrk="1">
+                        <a:buAutoNum type="arabicPeriod"/>
+                      </a:pPr>
+                      <a:r>
+                        <a:rPr lang="ko-KR" altLang="en-US" sz="1600" b="1" baseline="0" dirty="0" smtClean="0">
+                          <a:latin typeface="나눔명조" panose="02020603020101020101" pitchFamily="18" charset="-127"/>
+                          <a:ea typeface="나눔명조" panose="02020603020101020101" pitchFamily="18" charset="-127"/>
+                        </a:rPr>
+                        <a:t>높은 인지도</a:t>
+                      </a:r>
+                      <a:endParaRPr lang="en-US" altLang="ko-KR" sz="1600" b="1" baseline="0" dirty="0" smtClean="0">
+                        <a:latin typeface="나눔명조" panose="02020603020101020101" pitchFamily="18" charset="-127"/>
+                        <a:ea typeface="나눔명조" panose="02020603020101020101" pitchFamily="18" charset="-127"/>
+                      </a:endParaRPr>
                     </a:p>
                   </a:txBody>
                   <a:tcPr>
@@ -3240,7 +3201,7 @@
                     <a:p>
                       <a:pPr latinLnBrk="1"/>
                       <a:r>
-                        <a:rPr lang="en-US" altLang="ko-KR" sz="1600" dirty="0" smtClean="0">
+                        <a:rPr lang="en-US" altLang="ko-KR" sz="1600" b="1" dirty="0" smtClean="0">
                           <a:latin typeface="나눔명조" panose="02020603020101020101" pitchFamily="18" charset="-127"/>
                           <a:ea typeface="나눔명조" panose="02020603020101020101" pitchFamily="18" charset="-127"/>
                         </a:rPr>
@@ -3249,7 +3210,7 @@
                     </a:p>
                     <a:p>
                       <a:pPr latinLnBrk="1"/>
-                      <a:endParaRPr lang="en-US" altLang="ko-KR" sz="1600" dirty="0" smtClean="0">
+                      <a:endParaRPr lang="en-US" altLang="ko-KR" sz="1600" b="1" dirty="0" smtClean="0">
                         <a:latin typeface="나눔명조" panose="02020603020101020101" pitchFamily="18" charset="-127"/>
                         <a:ea typeface="나눔명조" panose="02020603020101020101" pitchFamily="18" charset="-127"/>
                       </a:endParaRPr>
@@ -3259,27 +3220,13 @@
                         <a:buAutoNum type="arabicPeriod"/>
                       </a:pPr>
                       <a:r>
-                        <a:rPr lang="en-US" altLang="ko-KR" sz="1600" dirty="0" smtClean="0">
-                          <a:latin typeface="나눔명조" panose="02020603020101020101" pitchFamily="18" charset="-127"/>
-                          <a:ea typeface="나눔명조" panose="02020603020101020101" pitchFamily="18" charset="-127"/>
-                        </a:rPr>
-                        <a:t>MMORPG</a:t>
-                      </a:r>
-                      <a:r>
-                        <a:rPr lang="en-US" altLang="ko-KR" sz="1600" baseline="0" dirty="0" smtClean="0">
-                          <a:latin typeface="나눔명조" panose="02020603020101020101" pitchFamily="18" charset="-127"/>
-                          <a:ea typeface="나눔명조" panose="02020603020101020101" pitchFamily="18" charset="-127"/>
-                        </a:rPr>
-                        <a:t> </a:t>
-                      </a:r>
-                      <a:r>
-                        <a:rPr lang="ko-KR" altLang="en-US" sz="1600" baseline="0" dirty="0" smtClean="0">
-                          <a:latin typeface="나눔명조" panose="02020603020101020101" pitchFamily="18" charset="-127"/>
-                          <a:ea typeface="나눔명조" panose="02020603020101020101" pitchFamily="18" charset="-127"/>
-                        </a:rPr>
-                        <a:t>부재</a:t>
-                      </a:r>
-                      <a:endParaRPr lang="en-US" altLang="ko-KR" sz="1600" baseline="0" dirty="0" smtClean="0">
+                        <a:rPr lang="ko-KR" altLang="en-US" sz="1600" b="1" baseline="0" dirty="0" smtClean="0">
+                          <a:latin typeface="나눔명조" panose="02020603020101020101" pitchFamily="18" charset="-127"/>
+                          <a:ea typeface="나눔명조" panose="02020603020101020101" pitchFamily="18" charset="-127"/>
+                        </a:rPr>
+                        <a:t>과도한 결제 유도 시스템</a:t>
+                      </a:r>
+                      <a:endParaRPr lang="en-US" altLang="ko-KR" sz="1600" b="1" baseline="0" dirty="0" smtClean="0">
                         <a:latin typeface="나눔명조" panose="02020603020101020101" pitchFamily="18" charset="-127"/>
                         <a:ea typeface="나눔명조" panose="02020603020101020101" pitchFamily="18" charset="-127"/>
                       </a:endParaRPr>
@@ -3288,7 +3235,21 @@
                       <a:pPr marL="342900" indent="-342900" latinLnBrk="1">
                         <a:buAutoNum type="arabicPeriod"/>
                       </a:pPr>
-                      <a:endParaRPr lang="en-US" altLang="ko-KR" sz="1600" dirty="0" smtClean="0">
+                      <a:r>
+                        <a:rPr lang="en-US" altLang="ko-KR" sz="1600" b="1" baseline="0" dirty="0" smtClean="0">
+                          <a:latin typeface="나눔명조" panose="02020603020101020101" pitchFamily="18" charset="-127"/>
+                          <a:ea typeface="나눔명조" panose="02020603020101020101" pitchFamily="18" charset="-127"/>
+                        </a:rPr>
+                        <a:t>MMORPG</a:t>
+                      </a:r>
+                      <a:r>
+                        <a:rPr lang="ko-KR" altLang="en-US" sz="1600" b="1" baseline="0" dirty="0" smtClean="0">
+                          <a:latin typeface="나눔명조" panose="02020603020101020101" pitchFamily="18" charset="-127"/>
+                          <a:ea typeface="나눔명조" panose="02020603020101020101" pitchFamily="18" charset="-127"/>
+                        </a:rPr>
+                        <a:t>에 국한된 투자</a:t>
+                      </a:r>
+                      <a:endParaRPr lang="en-US" altLang="ko-KR" sz="1600" b="1" baseline="0" dirty="0" smtClean="0">
                         <a:latin typeface="나눔명조" panose="02020603020101020101" pitchFamily="18" charset="-127"/>
                         <a:ea typeface="나눔명조" panose="02020603020101020101" pitchFamily="18" charset="-127"/>
                       </a:endParaRPr>
@@ -3297,7 +3258,44 @@
                       <a:pPr marL="342900" indent="-342900" latinLnBrk="1">
                         <a:buAutoNum type="arabicPeriod"/>
                       </a:pPr>
-                      <a:endParaRPr lang="ko-KR" altLang="en-US" sz="1600" dirty="0">
+                      <a:r>
+                        <a:rPr lang="en-US" altLang="ko-KR" sz="1600" b="1" baseline="0" dirty="0" smtClean="0">
+                          <a:latin typeface="나눔명조" panose="02020603020101020101" pitchFamily="18" charset="-127"/>
+                          <a:ea typeface="나눔명조" panose="02020603020101020101" pitchFamily="18" charset="-127"/>
+                        </a:rPr>
+                        <a:t>IP</a:t>
+                      </a:r>
+                      <a:r>
+                        <a:rPr lang="ko-KR" altLang="en-US" sz="1600" b="1" baseline="0" dirty="0" smtClean="0">
+                          <a:latin typeface="나눔명조" panose="02020603020101020101" pitchFamily="18" charset="-127"/>
+                          <a:ea typeface="나눔명조" panose="02020603020101020101" pitchFamily="18" charset="-127"/>
+                        </a:rPr>
+                        <a:t>에 대한 과도한</a:t>
+                      </a:r>
+                      <a:r>
+                        <a:rPr lang="en-US" altLang="ko-KR" sz="1600" b="1" baseline="0" dirty="0" smtClean="0">
+                          <a:latin typeface="나눔명조" panose="02020603020101020101" pitchFamily="18" charset="-127"/>
+                          <a:ea typeface="나눔명조" panose="02020603020101020101" pitchFamily="18" charset="-127"/>
+                        </a:rPr>
+                        <a:t> </a:t>
+                      </a:r>
+                      <a:r>
+                        <a:rPr lang="ko-KR" altLang="en-US" sz="1600" b="1" baseline="0" dirty="0" smtClean="0">
+                          <a:latin typeface="나눔명조" panose="02020603020101020101" pitchFamily="18" charset="-127"/>
+                          <a:ea typeface="나눔명조" panose="02020603020101020101" pitchFamily="18" charset="-127"/>
+                        </a:rPr>
+                        <a:t>의존성</a:t>
+                      </a:r>
+                      <a:endParaRPr lang="en-US" altLang="ko-KR" sz="1600" b="1" dirty="0" smtClean="0">
+                        <a:latin typeface="나눔명조" panose="02020603020101020101" pitchFamily="18" charset="-127"/>
+                        <a:ea typeface="나눔명조" panose="02020603020101020101" pitchFamily="18" charset="-127"/>
+                      </a:endParaRPr>
+                    </a:p>
+                    <a:p>
+                      <a:pPr marL="342900" indent="-342900" latinLnBrk="1">
+                        <a:buAutoNum type="arabicPeriod"/>
+                      </a:pPr>
+                      <a:endParaRPr lang="ko-KR" altLang="en-US" sz="1600" b="1" dirty="0">
                         <a:latin typeface="나눔명조" panose="02020603020101020101" pitchFamily="18" charset="-127"/>
                         <a:ea typeface="나눔명조" panose="02020603020101020101" pitchFamily="18" charset="-127"/>
                       </a:endParaRPr>
@@ -3350,14 +3348,14 @@
                     <a:lstStyle/>
                     <a:p>
                       <a:pPr latinLnBrk="1"/>
-                      <a:endParaRPr lang="en-US" altLang="ko-KR" sz="1600" dirty="0" smtClean="0">
+                      <a:endParaRPr lang="en-US" altLang="ko-KR" sz="1600" b="1" dirty="0" smtClean="0">
                         <a:latin typeface="나눔명조" panose="02020603020101020101" pitchFamily="18" charset="-127"/>
                         <a:ea typeface="나눔명조" panose="02020603020101020101" pitchFamily="18" charset="-127"/>
                       </a:endParaRPr>
                     </a:p>
                     <a:p>
                       <a:pPr latinLnBrk="1"/>
-                      <a:endParaRPr lang="en-US" altLang="ko-KR" sz="1600" dirty="0" smtClean="0">
+                      <a:endParaRPr lang="en-US" altLang="ko-KR" sz="1600" b="1" dirty="0" smtClean="0">
                         <a:latin typeface="나눔명조" panose="02020603020101020101" pitchFamily="18" charset="-127"/>
                         <a:ea typeface="나눔명조" panose="02020603020101020101" pitchFamily="18" charset="-127"/>
                       </a:endParaRPr>
@@ -3367,27 +3365,34 @@
                         <a:buAutoNum type="arabicPeriod"/>
                       </a:pPr>
                       <a:r>
-                        <a:rPr lang="ko-KR" altLang="en-US" sz="1600" dirty="0" smtClean="0">
+                        <a:rPr lang="ko-KR" altLang="en-US" sz="1600" b="1" dirty="0" smtClean="0">
                           <a:latin typeface="나눔명조" panose="02020603020101020101" pitchFamily="18" charset="-127"/>
                           <a:ea typeface="나눔명조" panose="02020603020101020101" pitchFamily="18" charset="-127"/>
                         </a:rPr>
                         <a:t>게임 시장의</a:t>
                       </a:r>
                       <a:r>
-                        <a:rPr lang="ko-KR" altLang="en-US" sz="1600" baseline="0" dirty="0" smtClean="0">
+                        <a:rPr lang="ko-KR" altLang="en-US" sz="1600" b="1" baseline="0" dirty="0" smtClean="0">
                           <a:latin typeface="나눔명조" panose="02020603020101020101" pitchFamily="18" charset="-127"/>
                           <a:ea typeface="나눔명조" panose="02020603020101020101" pitchFamily="18" charset="-127"/>
                         </a:rPr>
                         <a:t> 지속적</a:t>
                       </a:r>
                       <a:r>
-                        <a:rPr lang="ko-KR" altLang="en-US" sz="1600" dirty="0" smtClean="0">
-                          <a:latin typeface="나눔명조" panose="02020603020101020101" pitchFamily="18" charset="-127"/>
-                          <a:ea typeface="나눔명조" panose="02020603020101020101" pitchFamily="18" charset="-127"/>
-                        </a:rPr>
-                        <a:t> 성장세</a:t>
-                      </a:r>
-                      <a:endParaRPr lang="en-US" altLang="ko-KR" sz="1600" dirty="0" smtClean="0">
+                        <a:rPr lang="ko-KR" altLang="en-US" sz="1600" b="1" dirty="0" smtClean="0">
+                          <a:latin typeface="나눔명조" panose="02020603020101020101" pitchFamily="18" charset="-127"/>
+                          <a:ea typeface="나눔명조" panose="02020603020101020101" pitchFamily="18" charset="-127"/>
+                        </a:rPr>
+                        <a:t> </a:t>
+                      </a:r>
+                      <a:r>
+                        <a:rPr lang="ko-KR" altLang="en-US" sz="1600" b="1" dirty="0" smtClean="0">
+                          <a:latin typeface="나눔명조" panose="02020603020101020101" pitchFamily="18" charset="-127"/>
+                          <a:ea typeface="나눔명조" panose="02020603020101020101" pitchFamily="18" charset="-127"/>
+                        </a:rPr>
+                        <a:t>성장세</a:t>
+                      </a:r>
+                      <a:endParaRPr lang="en-US" altLang="ko-KR" sz="1600" b="1" dirty="0" smtClean="0">
                         <a:latin typeface="나눔명조" panose="02020603020101020101" pitchFamily="18" charset="-127"/>
                         <a:ea typeface="나눔명조" panose="02020603020101020101" pitchFamily="18" charset="-127"/>
                       </a:endParaRPr>
@@ -3396,7 +3401,67 @@
                       <a:pPr marL="342900" indent="-342900" latinLnBrk="1">
                         <a:buAutoNum type="arabicPeriod"/>
                       </a:pPr>
-                      <a:endParaRPr lang="en-US" altLang="ko-KR" sz="1600" dirty="0" smtClean="0">
+                      <a:r>
+                        <a:rPr lang="ko-KR" altLang="en-US" sz="1600" b="1" dirty="0" smtClean="0">
+                          <a:latin typeface="나눔명조" panose="02020603020101020101" pitchFamily="18" charset="-127"/>
+                          <a:ea typeface="나눔명조" panose="02020603020101020101" pitchFamily="18" charset="-127"/>
+                        </a:rPr>
+                        <a:t>게임을 즐기는 고객층의</a:t>
+                      </a:r>
+                      <a:r>
+                        <a:rPr lang="ko-KR" altLang="en-US" sz="1600" b="1" baseline="0" dirty="0" smtClean="0">
+                          <a:latin typeface="나눔명조" panose="02020603020101020101" pitchFamily="18" charset="-127"/>
+                          <a:ea typeface="나눔명조" panose="02020603020101020101" pitchFamily="18" charset="-127"/>
+                        </a:rPr>
+                        <a:t> </a:t>
+                      </a:r>
+                      <a:r>
+                        <a:rPr lang="ko-KR" altLang="en-US" sz="1600" b="1" dirty="0" smtClean="0">
+                          <a:latin typeface="나눔명조" panose="02020603020101020101" pitchFamily="18" charset="-127"/>
+                          <a:ea typeface="나눔명조" panose="02020603020101020101" pitchFamily="18" charset="-127"/>
+                        </a:rPr>
+                        <a:t>확대</a:t>
+                      </a:r>
+                      <a:endParaRPr lang="en-US" altLang="ko-KR" sz="1600" b="1" dirty="0" smtClean="0">
+                        <a:latin typeface="나눔명조" panose="02020603020101020101" pitchFamily="18" charset="-127"/>
+                        <a:ea typeface="나눔명조" panose="02020603020101020101" pitchFamily="18" charset="-127"/>
+                      </a:endParaRPr>
+                    </a:p>
+                    <a:p>
+                      <a:pPr marL="342900" indent="-342900" latinLnBrk="1">
+                        <a:buAutoNum type="arabicPeriod"/>
+                      </a:pPr>
+                      <a:r>
+                        <a:rPr lang="ko-KR" altLang="en-US" sz="1600" b="1" dirty="0" smtClean="0">
+                          <a:latin typeface="나눔명조" panose="02020603020101020101" pitchFamily="18" charset="-127"/>
+                          <a:ea typeface="나눔명조" panose="02020603020101020101" pitchFamily="18" charset="-127"/>
+                        </a:rPr>
+                        <a:t>높은 </a:t>
+                      </a:r>
+                      <a:r>
+                        <a:rPr lang="en-US" altLang="ko-KR" sz="1600" b="1" dirty="0" smtClean="0">
+                          <a:latin typeface="나눔명조" panose="02020603020101020101" pitchFamily="18" charset="-127"/>
+                          <a:ea typeface="나눔명조" panose="02020603020101020101" pitchFamily="18" charset="-127"/>
+                        </a:rPr>
+                        <a:t>R&amp;D</a:t>
+                      </a:r>
+                      <a:r>
+                        <a:rPr lang="ko-KR" altLang="en-US" sz="1600" b="1" dirty="0" smtClean="0">
+                          <a:latin typeface="나눔명조" panose="02020603020101020101" pitchFamily="18" charset="-127"/>
+                          <a:ea typeface="나눔명조" panose="02020603020101020101" pitchFamily="18" charset="-127"/>
+                        </a:rPr>
+                        <a:t> 능력 보유</a:t>
+                      </a:r>
+                      <a:endParaRPr lang="en-US" altLang="ko-KR" sz="1600" b="1" dirty="0" smtClean="0">
+                        <a:latin typeface="나눔명조" panose="02020603020101020101" pitchFamily="18" charset="-127"/>
+                        <a:ea typeface="나눔명조" panose="02020603020101020101" pitchFamily="18" charset="-127"/>
+                      </a:endParaRPr>
+                    </a:p>
+                    <a:p>
+                      <a:pPr marL="342900" indent="-342900" latinLnBrk="1">
+                        <a:buAutoNum type="arabicPeriod"/>
+                      </a:pPr>
+                      <a:endParaRPr lang="en-US" altLang="ko-KR" sz="1600" b="1" dirty="0" smtClean="0">
                         <a:latin typeface="나눔명조" panose="02020603020101020101" pitchFamily="18" charset="-127"/>
                         <a:ea typeface="나눔명조" panose="02020603020101020101" pitchFamily="18" charset="-127"/>
                       </a:endParaRPr>
@@ -3447,14 +3512,14 @@
                     <a:lstStyle/>
                     <a:p>
                       <a:pPr latinLnBrk="1"/>
-                      <a:endParaRPr lang="en-US" altLang="ko-KR" sz="1600" dirty="0" smtClean="0">
+                      <a:endParaRPr lang="en-US" altLang="ko-KR" sz="1600" b="1" dirty="0" smtClean="0">
                         <a:latin typeface="나눔명조" panose="02020603020101020101" pitchFamily="18" charset="-127"/>
                         <a:ea typeface="나눔명조" panose="02020603020101020101" pitchFamily="18" charset="-127"/>
                       </a:endParaRPr>
                     </a:p>
                     <a:p>
                       <a:pPr latinLnBrk="1"/>
-                      <a:endParaRPr lang="en-US" altLang="ko-KR" sz="1600" dirty="0" smtClean="0">
+                      <a:endParaRPr lang="en-US" altLang="ko-KR" sz="1600" b="1" dirty="0" smtClean="0">
                         <a:latin typeface="나눔명조" panose="02020603020101020101" pitchFamily="18" charset="-127"/>
                         <a:ea typeface="나눔명조" panose="02020603020101020101" pitchFamily="18" charset="-127"/>
                       </a:endParaRPr>
@@ -3463,7 +3528,58 @@
                       <a:pPr marL="342900" indent="-342900" latinLnBrk="1">
                         <a:buAutoNum type="arabicPeriod"/>
                       </a:pPr>
-                      <a:endParaRPr lang="en-US" altLang="ko-KR" sz="1600" dirty="0" smtClean="0">
+                      <a:r>
+                        <a:rPr lang="ko-KR" altLang="en-US" sz="1600" b="1" dirty="0" smtClean="0">
+                          <a:latin typeface="나눔명조" panose="02020603020101020101" pitchFamily="18" charset="-127"/>
+                          <a:ea typeface="나눔명조" panose="02020603020101020101" pitchFamily="18" charset="-127"/>
+                        </a:rPr>
+                        <a:t>점차적인 경쟁사들의</a:t>
+                      </a:r>
+                      <a:r>
+                        <a:rPr lang="ko-KR" altLang="en-US" sz="1600" b="1" baseline="0" dirty="0" smtClean="0">
+                          <a:latin typeface="나눔명조" panose="02020603020101020101" pitchFamily="18" charset="-127"/>
+                          <a:ea typeface="나눔명조" panose="02020603020101020101" pitchFamily="18" charset="-127"/>
+                        </a:rPr>
+                        <a:t> 위협</a:t>
+                      </a:r>
+                      <a:endParaRPr lang="en-US" altLang="ko-KR" sz="1600" b="1" baseline="0" dirty="0" smtClean="0">
+                        <a:latin typeface="나눔명조" panose="02020603020101020101" pitchFamily="18" charset="-127"/>
+                        <a:ea typeface="나눔명조" panose="02020603020101020101" pitchFamily="18" charset="-127"/>
+                      </a:endParaRPr>
+                    </a:p>
+                    <a:p>
+                      <a:pPr marL="342900" indent="-342900" latinLnBrk="1">
+                        <a:buAutoNum type="arabicPeriod"/>
+                      </a:pPr>
+                      <a:r>
+                        <a:rPr lang="ko-KR" altLang="en-US" sz="1600" b="1" baseline="0" dirty="0" smtClean="0">
+                          <a:latin typeface="나눔명조" panose="02020603020101020101" pitchFamily="18" charset="-127"/>
+                          <a:ea typeface="나눔명조" panose="02020603020101020101" pitchFamily="18" charset="-127"/>
+                        </a:rPr>
+                        <a:t>유명 </a:t>
+                      </a:r>
+                      <a:r>
+                        <a:rPr lang="en-US" altLang="ko-KR" sz="1600" b="1" baseline="0" dirty="0" smtClean="0">
+                          <a:latin typeface="나눔명조" panose="02020603020101020101" pitchFamily="18" charset="-127"/>
+                          <a:ea typeface="나눔명조" panose="02020603020101020101" pitchFamily="18" charset="-127"/>
+                        </a:rPr>
+                        <a:t>IP </a:t>
+                      </a:r>
+                      <a:r>
+                        <a:rPr lang="ko-KR" altLang="en-US" sz="1600" b="1" baseline="0" dirty="0" smtClean="0">
+                          <a:latin typeface="나눔명조" panose="02020603020101020101" pitchFamily="18" charset="-127"/>
+                          <a:ea typeface="나눔명조" panose="02020603020101020101" pitchFamily="18" charset="-127"/>
+                        </a:rPr>
+                        <a:t>붕괴 시 마땅한 대책이 없음</a:t>
+                      </a:r>
+                      <a:r>
+                        <a:rPr lang="en-US" altLang="ko-KR" sz="1600" b="1" baseline="0" dirty="0" smtClean="0">
+                          <a:latin typeface="나눔명조" panose="02020603020101020101" pitchFamily="18" charset="-127"/>
+                          <a:ea typeface="나눔명조" panose="02020603020101020101" pitchFamily="18" charset="-127"/>
+                        </a:rPr>
+                        <a:t>.</a:t>
+                      </a:r>
+                      <a:endParaRPr lang="en-US" altLang="ko-KR" sz="1600" b="1" dirty="0" smtClean="0">
                         <a:latin typeface="나눔명조" panose="02020603020101020101" pitchFamily="18" charset="-127"/>
                         <a:ea typeface="나눔명조" panose="02020603020101020101" pitchFamily="18" charset="-127"/>
                       </a:endParaRPr>
@@ -3521,7 +3637,7 @@
         </p:nvSpPr>
         <p:spPr>
           <a:xfrm>
-            <a:off x="0" y="745921"/>
+            <a:off x="35495" y="-2499"/>
             <a:ext cx="720080" cy="584775"/>
           </a:xfrm>
           <a:prstGeom prst="rect">
@@ -3557,7 +3673,7 @@
         </p:nvSpPr>
         <p:spPr>
           <a:xfrm>
-            <a:off x="3168352" y="792088"/>
+            <a:off x="3203847" y="43668"/>
             <a:ext cx="720080" cy="492443"/>
           </a:xfrm>
           <a:prstGeom prst="rect">
@@ -3593,7 +3709,7 @@
         </p:nvSpPr>
         <p:spPr>
           <a:xfrm>
-            <a:off x="0" y="2315869"/>
+            <a:off x="35495" y="1567449"/>
             <a:ext cx="720080" cy="492443"/>
           </a:xfrm>
           <a:prstGeom prst="rect">
@@ -3629,7 +3745,7 @@
         </p:nvSpPr>
         <p:spPr>
           <a:xfrm>
-            <a:off x="3168352" y="2315869"/>
+            <a:off x="3203847" y="1567449"/>
             <a:ext cx="720080" cy="492443"/>
           </a:xfrm>
           <a:prstGeom prst="rect">
@@ -3657,6 +3773,784 @@
           </a:p>
         </p:txBody>
       </p:sp>
+      <p:graphicFrame>
+        <p:nvGraphicFramePr>
+          <p:cNvPr id="8" name="표 7"/>
+          <p:cNvGraphicFramePr>
+            <a:graphicFrameLocks noGrp="1"/>
+          </p:cNvGraphicFramePr>
+          <p:nvPr>
+            <p:extLst>
+              <p:ext uri="{D42A27DB-BD31-4B8C-83A1-F6EECF244321}">
+                <p14:modId xmlns:p14="http://schemas.microsoft.com/office/powerpoint/2010/main" val="1943205876"/>
+              </p:ext>
+            </p:extLst>
+          </p:nvPr>
+        </p:nvGraphicFramePr>
+        <p:xfrm>
+          <a:off x="35494" y="3284984"/>
+          <a:ext cx="6264697" cy="3474720"/>
+        </p:xfrm>
+        <a:graphic>
+          <a:graphicData uri="http://schemas.openxmlformats.org/drawingml/2006/table">
+            <a:tbl>
+              <a:tblPr firstRow="1" bandRow="1">
+                <a:tableStyleId>{2D5ABB26-0587-4C30-8999-92F81FD0307C}</a:tableStyleId>
+              </a:tblPr>
+              <a:tblGrid>
+                <a:gridCol w="1060329"/>
+                <a:gridCol w="5204368"/>
+              </a:tblGrid>
+              <a:tr h="370840">
+                <a:tc>
+                  <a:txBody>
+                    <a:bodyPr/>
+                    <a:lstStyle/>
+                    <a:p>
+                      <a:pPr algn="r" latinLnBrk="1"/>
+                      <a:r>
+                        <a:rPr lang="en-US" altLang="ko-KR" sz="2800" i="0" dirty="0" smtClean="0">
+                          <a:latin typeface="나눔명조" panose="02020603020101020101" pitchFamily="18" charset="-127"/>
+                          <a:ea typeface="나눔명조" panose="02020603020101020101" pitchFamily="18" charset="-127"/>
+                        </a:rPr>
+                        <a:t>SO</a:t>
+                      </a:r>
+                      <a:endParaRPr lang="ko-KR" altLang="en-US" sz="2800" i="0" dirty="0">
+                        <a:latin typeface="나눔명조" panose="02020603020101020101" pitchFamily="18" charset="-127"/>
+                        <a:ea typeface="나눔명조" panose="02020603020101020101" pitchFamily="18" charset="-127"/>
+                      </a:endParaRPr>
+                    </a:p>
+                  </a:txBody>
+                  <a:tcPr anchor="ctr">
+                    <a:lnL w="12700" cap="flat" cmpd="sng" algn="ctr">
+                      <a:solidFill>
+                        <a:schemeClr val="tx1"/>
+                      </a:solidFill>
+                      <a:prstDash val="solid"/>
+                      <a:round/>
+                      <a:headEnd type="none" w="med" len="med"/>
+                      <a:tailEnd type="none" w="med" len="med"/>
+                    </a:lnL>
+                    <a:lnR w="12700" cap="flat" cmpd="sng" algn="ctr">
+                      <a:solidFill>
+                        <a:schemeClr val="tx1"/>
+                      </a:solidFill>
+                      <a:prstDash val="solid"/>
+                      <a:round/>
+                      <a:headEnd type="none" w="med" len="med"/>
+                      <a:tailEnd type="none" w="med" len="med"/>
+                    </a:lnR>
+                    <a:lnT w="12700" cap="flat" cmpd="sng" algn="ctr">
+                      <a:solidFill>
+                        <a:schemeClr val="tx1"/>
+                      </a:solidFill>
+                      <a:prstDash val="solid"/>
+                      <a:round/>
+                      <a:headEnd type="none" w="med" len="med"/>
+                      <a:tailEnd type="none" w="med" len="med"/>
+                    </a:lnT>
+                    <a:lnB w="12700" cap="flat" cmpd="sng" algn="ctr">
+                      <a:solidFill>
+                        <a:schemeClr val="tx1"/>
+                      </a:solidFill>
+                      <a:prstDash val="solid"/>
+                      <a:round/>
+                      <a:headEnd type="none" w="med" len="med"/>
+                      <a:tailEnd type="none" w="med" len="med"/>
+                    </a:lnB>
+                  </a:tcPr>
+                </a:tc>
+                <a:tc>
+                  <a:txBody>
+                    <a:bodyPr/>
+                    <a:lstStyle/>
+                    <a:p>
+                      <a:pPr marL="342900" indent="-342900" latinLnBrk="1">
+                        <a:lnSpc>
+                          <a:spcPct val="100000"/>
+                        </a:lnSpc>
+                        <a:buAutoNum type="arabicPeriod"/>
+                      </a:pPr>
+                      <a:r>
+                        <a:rPr lang="ko-KR" altLang="en-US" sz="1400" i="0" baseline="0" dirty="0" smtClean="0">
+                          <a:latin typeface="나눔명조" panose="02020603020101020101" pitchFamily="18" charset="-127"/>
+                          <a:ea typeface="나눔명조" panose="02020603020101020101" pitchFamily="18" charset="-127"/>
+                        </a:rPr>
+                        <a:t>높은 인지도와 </a:t>
+                      </a:r>
+                      <a:r>
+                        <a:rPr lang="en-US" altLang="ko-KR" sz="1400" i="0" baseline="0" dirty="0" smtClean="0">
+                          <a:latin typeface="나눔명조" panose="02020603020101020101" pitchFamily="18" charset="-127"/>
+                          <a:ea typeface="나눔명조" panose="02020603020101020101" pitchFamily="18" charset="-127"/>
+                        </a:rPr>
+                        <a:t>R&amp;D </a:t>
+                      </a:r>
+                      <a:r>
+                        <a:rPr lang="ko-KR" altLang="en-US" sz="1400" i="0" baseline="0" dirty="0" smtClean="0">
+                          <a:latin typeface="나눔명조" panose="02020603020101020101" pitchFamily="18" charset="-127"/>
+                          <a:ea typeface="나눔명조" panose="02020603020101020101" pitchFamily="18" charset="-127"/>
+                        </a:rPr>
+                        <a:t>능력을 결합하여 새로운 게임을 개발한다</a:t>
+                      </a:r>
+                      <a:r>
+                        <a:rPr lang="en-US" altLang="ko-KR" sz="1400" i="0" baseline="0" dirty="0" smtClean="0">
+                          <a:latin typeface="나눔명조" panose="02020603020101020101" pitchFamily="18" charset="-127"/>
+                          <a:ea typeface="나눔명조" panose="02020603020101020101" pitchFamily="18" charset="-127"/>
+                        </a:rPr>
+                        <a:t>.</a:t>
+                      </a:r>
+                    </a:p>
+                    <a:p>
+                      <a:pPr marL="342900" indent="-342900" latinLnBrk="1">
+                        <a:lnSpc>
+                          <a:spcPct val="100000"/>
+                        </a:lnSpc>
+                        <a:buAutoNum type="arabicPeriod"/>
+                      </a:pPr>
+                      <a:endParaRPr lang="en-US" altLang="ko-KR" sz="200" i="0" baseline="0" dirty="0" smtClean="0">
+                        <a:latin typeface="나눔명조" panose="02020603020101020101" pitchFamily="18" charset="-127"/>
+                        <a:ea typeface="나눔명조" panose="02020603020101020101" pitchFamily="18" charset="-127"/>
+                      </a:endParaRPr>
+                    </a:p>
+                    <a:p>
+                      <a:pPr marL="342900" indent="-342900" latinLnBrk="1">
+                        <a:lnSpc>
+                          <a:spcPct val="100000"/>
+                        </a:lnSpc>
+                        <a:buAutoNum type="arabicPeriod"/>
+                      </a:pPr>
+                      <a:r>
+                        <a:rPr lang="ko-KR" altLang="en-US" sz="1400" i="0" baseline="0" dirty="0" smtClean="0">
+                          <a:latin typeface="나눔명조" panose="02020603020101020101" pitchFamily="18" charset="-127"/>
+                          <a:ea typeface="나눔명조" panose="02020603020101020101" pitchFamily="18" charset="-127"/>
+                        </a:rPr>
+                        <a:t>높은 인지도를 이용하여 확대된 고객층을 겨냥한 마케팅을   실시한다</a:t>
+                      </a:r>
+                      <a:r>
+                        <a:rPr lang="en-US" altLang="ko-KR" sz="1400" i="0" baseline="0" dirty="0" smtClean="0">
+                          <a:latin typeface="나눔명조" panose="02020603020101020101" pitchFamily="18" charset="-127"/>
+                          <a:ea typeface="나눔명조" panose="02020603020101020101" pitchFamily="18" charset="-127"/>
+                        </a:rPr>
+                        <a:t>.</a:t>
+                      </a:r>
+                    </a:p>
+                  </a:txBody>
+                  <a:tcPr>
+                    <a:lnL w="12700" cap="flat" cmpd="sng" algn="ctr">
+                      <a:solidFill>
+                        <a:schemeClr val="tx1"/>
+                      </a:solidFill>
+                      <a:prstDash val="solid"/>
+                      <a:round/>
+                      <a:headEnd type="none" w="med" len="med"/>
+                      <a:tailEnd type="none" w="med" len="med"/>
+                    </a:lnL>
+                    <a:lnR w="12700" cap="flat" cmpd="sng" algn="ctr">
+                      <a:solidFill>
+                        <a:schemeClr val="tx1"/>
+                      </a:solidFill>
+                      <a:prstDash val="solid"/>
+                      <a:round/>
+                      <a:headEnd type="none" w="med" len="med"/>
+                      <a:tailEnd type="none" w="med" len="med"/>
+                    </a:lnR>
+                    <a:lnT w="12700" cap="flat" cmpd="sng" algn="ctr">
+                      <a:solidFill>
+                        <a:schemeClr val="tx1"/>
+                      </a:solidFill>
+                      <a:prstDash val="solid"/>
+                      <a:round/>
+                      <a:headEnd type="none" w="med" len="med"/>
+                      <a:tailEnd type="none" w="med" len="med"/>
+                    </a:lnT>
+                    <a:lnB w="12700" cap="flat" cmpd="sng" algn="ctr">
+                      <a:solidFill>
+                        <a:schemeClr val="tx1"/>
+                      </a:solidFill>
+                      <a:prstDash val="solid"/>
+                      <a:round/>
+                      <a:headEnd type="none" w="med" len="med"/>
+                      <a:tailEnd type="none" w="med" len="med"/>
+                    </a:lnB>
+                  </a:tcPr>
+                </a:tc>
+              </a:tr>
+              <a:tr h="370840">
+                <a:tc>
+                  <a:txBody>
+                    <a:bodyPr/>
+                    <a:lstStyle/>
+                    <a:p>
+                      <a:pPr algn="r" latinLnBrk="1"/>
+                      <a:r>
+                        <a:rPr lang="en-US" altLang="ko-KR" sz="2800" i="0" dirty="0" smtClean="0">
+                          <a:latin typeface="나눔명조" panose="02020603020101020101" pitchFamily="18" charset="-127"/>
+                          <a:ea typeface="나눔명조" panose="02020603020101020101" pitchFamily="18" charset="-127"/>
+                        </a:rPr>
+                        <a:t>WO</a:t>
+                      </a:r>
+                      <a:endParaRPr lang="ko-KR" altLang="en-US" sz="2800" i="0" dirty="0">
+                        <a:latin typeface="나눔명조" panose="02020603020101020101" pitchFamily="18" charset="-127"/>
+                        <a:ea typeface="나눔명조" panose="02020603020101020101" pitchFamily="18" charset="-127"/>
+                      </a:endParaRPr>
+                    </a:p>
+                  </a:txBody>
+                  <a:tcPr anchor="ctr">
+                    <a:lnL w="12700" cap="flat" cmpd="sng" algn="ctr">
+                      <a:solidFill>
+                        <a:schemeClr val="tx1"/>
+                      </a:solidFill>
+                      <a:prstDash val="solid"/>
+                      <a:round/>
+                      <a:headEnd type="none" w="med" len="med"/>
+                      <a:tailEnd type="none" w="med" len="med"/>
+                    </a:lnL>
+                    <a:lnR w="12700" cap="flat" cmpd="sng" algn="ctr">
+                      <a:solidFill>
+                        <a:schemeClr val="tx1"/>
+                      </a:solidFill>
+                      <a:prstDash val="solid"/>
+                      <a:round/>
+                      <a:headEnd type="none" w="med" len="med"/>
+                      <a:tailEnd type="none" w="med" len="med"/>
+                    </a:lnR>
+                    <a:lnT w="12700" cap="flat" cmpd="sng" algn="ctr">
+                      <a:solidFill>
+                        <a:schemeClr val="tx1"/>
+                      </a:solidFill>
+                      <a:prstDash val="solid"/>
+                      <a:round/>
+                      <a:headEnd type="none" w="med" len="med"/>
+                      <a:tailEnd type="none" w="med" len="med"/>
+                    </a:lnT>
+                    <a:lnB w="12700" cap="flat" cmpd="sng" algn="ctr">
+                      <a:solidFill>
+                        <a:schemeClr val="tx1"/>
+                      </a:solidFill>
+                      <a:prstDash val="solid"/>
+                      <a:round/>
+                      <a:headEnd type="none" w="med" len="med"/>
+                      <a:tailEnd type="none" w="med" len="med"/>
+                    </a:lnB>
+                  </a:tcPr>
+                </a:tc>
+                <a:tc>
+                  <a:txBody>
+                    <a:bodyPr/>
+                    <a:lstStyle/>
+                    <a:p>
+                      <a:pPr marL="342900" indent="-342900" latinLnBrk="1">
+                        <a:lnSpc>
+                          <a:spcPct val="100000"/>
+                        </a:lnSpc>
+                        <a:buAutoNum type="arabicPeriod"/>
+                      </a:pPr>
+                      <a:r>
+                        <a:rPr lang="en-US" altLang="ko-KR" sz="1400" i="0" dirty="0" smtClean="0">
+                          <a:latin typeface="나눔명조" panose="02020603020101020101" pitchFamily="18" charset="-127"/>
+                          <a:ea typeface="나눔명조" panose="02020603020101020101" pitchFamily="18" charset="-127"/>
+                        </a:rPr>
+                        <a:t>R&amp;D</a:t>
+                      </a:r>
+                      <a:r>
+                        <a:rPr lang="en-US" altLang="ko-KR" sz="1400" i="0" baseline="0" dirty="0" smtClean="0">
+                          <a:latin typeface="나눔명조" panose="02020603020101020101" pitchFamily="18" charset="-127"/>
+                          <a:ea typeface="나눔명조" panose="02020603020101020101" pitchFamily="18" charset="-127"/>
+                        </a:rPr>
+                        <a:t> </a:t>
+                      </a:r>
+                      <a:r>
+                        <a:rPr lang="ko-KR" altLang="en-US" sz="1400" i="0" baseline="0" dirty="0" smtClean="0">
+                          <a:latin typeface="나눔명조" panose="02020603020101020101" pitchFamily="18" charset="-127"/>
+                          <a:ea typeface="나눔명조" panose="02020603020101020101" pitchFamily="18" charset="-127"/>
+                        </a:rPr>
+                        <a:t>능력을 기반으로 </a:t>
+                      </a:r>
+                      <a:r>
+                        <a:rPr lang="en-US" altLang="ko-KR" sz="1400" i="0" baseline="0" dirty="0" smtClean="0">
+                          <a:latin typeface="나눔명조" panose="02020603020101020101" pitchFamily="18" charset="-127"/>
+                          <a:ea typeface="나눔명조" panose="02020603020101020101" pitchFamily="18" charset="-127"/>
+                        </a:rPr>
+                        <a:t>IP</a:t>
+                      </a:r>
+                      <a:r>
+                        <a:rPr lang="ko-KR" altLang="en-US" sz="1400" i="0" baseline="0" dirty="0" smtClean="0">
+                          <a:latin typeface="나눔명조" panose="02020603020101020101" pitchFamily="18" charset="-127"/>
+                          <a:ea typeface="나눔명조" panose="02020603020101020101" pitchFamily="18" charset="-127"/>
+                        </a:rPr>
+                        <a:t> 의존도를 낮추고 </a:t>
+                      </a:r>
+                      <a:r>
+                        <a:rPr lang="en-US" altLang="ko-KR" sz="1400" i="0" baseline="0" dirty="0" smtClean="0">
+                          <a:latin typeface="나눔명조" panose="02020603020101020101" pitchFamily="18" charset="-127"/>
+                          <a:ea typeface="나눔명조" panose="02020603020101020101" pitchFamily="18" charset="-127"/>
+                        </a:rPr>
+                        <a:t>MMORPG</a:t>
+                      </a:r>
+                      <a:r>
+                        <a:rPr lang="ko-KR" altLang="en-US" sz="1400" i="0" baseline="0" dirty="0" smtClean="0">
+                          <a:latin typeface="나눔명조" panose="02020603020101020101" pitchFamily="18" charset="-127"/>
+                          <a:ea typeface="나눔명조" panose="02020603020101020101" pitchFamily="18" charset="-127"/>
+                        </a:rPr>
+                        <a:t>의 틀에서 벗어난다</a:t>
+                      </a:r>
+                      <a:r>
+                        <a:rPr lang="en-US" altLang="ko-KR" sz="1400" i="0" baseline="0" dirty="0" smtClean="0">
+                          <a:latin typeface="나눔명조" panose="02020603020101020101" pitchFamily="18" charset="-127"/>
+                          <a:ea typeface="나눔명조" panose="02020603020101020101" pitchFamily="18" charset="-127"/>
+                        </a:rPr>
+                        <a:t>.</a:t>
+                      </a:r>
+                    </a:p>
+                    <a:p>
+                      <a:pPr marL="342900" indent="-342900" latinLnBrk="1">
+                        <a:lnSpc>
+                          <a:spcPct val="100000"/>
+                        </a:lnSpc>
+                        <a:buAutoNum type="arabicPeriod"/>
+                      </a:pPr>
+                      <a:endParaRPr lang="en-US" altLang="ko-KR" sz="200" i="0" baseline="0" dirty="0" smtClean="0">
+                        <a:latin typeface="나눔명조" panose="02020603020101020101" pitchFamily="18" charset="-127"/>
+                        <a:ea typeface="나눔명조" panose="02020603020101020101" pitchFamily="18" charset="-127"/>
+                      </a:endParaRPr>
+                    </a:p>
+                    <a:p>
+                      <a:pPr marL="342900" indent="-342900" latinLnBrk="1">
+                        <a:lnSpc>
+                          <a:spcPct val="100000"/>
+                        </a:lnSpc>
+                        <a:buAutoNum type="arabicPeriod"/>
+                      </a:pPr>
+                      <a:r>
+                        <a:rPr lang="ko-KR" altLang="en-US" sz="1400" i="0" baseline="0" dirty="0" smtClean="0">
+                          <a:latin typeface="나눔명조" panose="02020603020101020101" pitchFamily="18" charset="-127"/>
+                          <a:ea typeface="나눔명조" panose="02020603020101020101" pitchFamily="18" charset="-127"/>
+                        </a:rPr>
+                        <a:t>과도한 결제 유도 시스템을 줄이고 새로운 고객층을 확보한다</a:t>
+                      </a:r>
+                      <a:r>
+                        <a:rPr lang="en-US" altLang="ko-KR" sz="1400" i="0" baseline="0" dirty="0" smtClean="0">
+                          <a:latin typeface="나눔명조" panose="02020603020101020101" pitchFamily="18" charset="-127"/>
+                          <a:ea typeface="나눔명조" panose="02020603020101020101" pitchFamily="18" charset="-127"/>
+                        </a:rPr>
+                        <a:t>.</a:t>
+                      </a:r>
+                      <a:endParaRPr lang="en-US" altLang="ko-KR" sz="1400" i="0" dirty="0" smtClean="0">
+                        <a:latin typeface="나눔명조" panose="02020603020101020101" pitchFamily="18" charset="-127"/>
+                        <a:ea typeface="나눔명조" panose="02020603020101020101" pitchFamily="18" charset="-127"/>
+                      </a:endParaRPr>
+                    </a:p>
+                  </a:txBody>
+                  <a:tcPr>
+                    <a:lnL w="12700" cap="flat" cmpd="sng" algn="ctr">
+                      <a:solidFill>
+                        <a:schemeClr val="tx1"/>
+                      </a:solidFill>
+                      <a:prstDash val="solid"/>
+                      <a:round/>
+                      <a:headEnd type="none" w="med" len="med"/>
+                      <a:tailEnd type="none" w="med" len="med"/>
+                    </a:lnL>
+                    <a:lnR w="12700" cap="flat" cmpd="sng" algn="ctr">
+                      <a:solidFill>
+                        <a:schemeClr val="tx1"/>
+                      </a:solidFill>
+                      <a:prstDash val="solid"/>
+                      <a:round/>
+                      <a:headEnd type="none" w="med" len="med"/>
+                      <a:tailEnd type="none" w="med" len="med"/>
+                    </a:lnR>
+                    <a:lnT w="12700" cap="flat" cmpd="sng" algn="ctr">
+                      <a:solidFill>
+                        <a:schemeClr val="tx1"/>
+                      </a:solidFill>
+                      <a:prstDash val="solid"/>
+                      <a:round/>
+                      <a:headEnd type="none" w="med" len="med"/>
+                      <a:tailEnd type="none" w="med" len="med"/>
+                    </a:lnT>
+                    <a:lnB w="12700" cap="flat" cmpd="sng" algn="ctr">
+                      <a:solidFill>
+                        <a:schemeClr val="tx1"/>
+                      </a:solidFill>
+                      <a:prstDash val="solid"/>
+                      <a:round/>
+                      <a:headEnd type="none" w="med" len="med"/>
+                      <a:tailEnd type="none" w="med" len="med"/>
+                    </a:lnB>
+                  </a:tcPr>
+                </a:tc>
+              </a:tr>
+              <a:tr h="370840">
+                <a:tc>
+                  <a:txBody>
+                    <a:bodyPr/>
+                    <a:lstStyle/>
+                    <a:p>
+                      <a:pPr algn="r" latinLnBrk="1"/>
+                      <a:r>
+                        <a:rPr lang="en-US" altLang="ko-KR" sz="2800" i="0" dirty="0" smtClean="0">
+                          <a:latin typeface="나눔명조" panose="02020603020101020101" pitchFamily="18" charset="-127"/>
+                          <a:ea typeface="나눔명조" panose="02020603020101020101" pitchFamily="18" charset="-127"/>
+                        </a:rPr>
+                        <a:t>ST</a:t>
+                      </a:r>
+                      <a:endParaRPr lang="ko-KR" altLang="en-US" sz="2800" i="0" dirty="0">
+                        <a:latin typeface="나눔명조" panose="02020603020101020101" pitchFamily="18" charset="-127"/>
+                        <a:ea typeface="나눔명조" panose="02020603020101020101" pitchFamily="18" charset="-127"/>
+                      </a:endParaRPr>
+                    </a:p>
+                  </a:txBody>
+                  <a:tcPr anchor="ctr">
+                    <a:lnL w="12700" cap="flat" cmpd="sng" algn="ctr">
+                      <a:solidFill>
+                        <a:schemeClr val="tx1"/>
+                      </a:solidFill>
+                      <a:prstDash val="solid"/>
+                      <a:round/>
+                      <a:headEnd type="none" w="med" len="med"/>
+                      <a:tailEnd type="none" w="med" len="med"/>
+                    </a:lnL>
+                    <a:lnR w="12700" cap="flat" cmpd="sng" algn="ctr">
+                      <a:solidFill>
+                        <a:schemeClr val="tx1"/>
+                      </a:solidFill>
+                      <a:prstDash val="solid"/>
+                      <a:round/>
+                      <a:headEnd type="none" w="med" len="med"/>
+                      <a:tailEnd type="none" w="med" len="med"/>
+                    </a:lnR>
+                    <a:lnT w="12700" cap="flat" cmpd="sng" algn="ctr">
+                      <a:solidFill>
+                        <a:schemeClr val="tx1"/>
+                      </a:solidFill>
+                      <a:prstDash val="solid"/>
+                      <a:round/>
+                      <a:headEnd type="none" w="med" len="med"/>
+                      <a:tailEnd type="none" w="med" len="med"/>
+                    </a:lnT>
+                    <a:lnB w="12700" cap="flat" cmpd="sng" algn="ctr">
+                      <a:solidFill>
+                        <a:schemeClr val="tx1"/>
+                      </a:solidFill>
+                      <a:prstDash val="solid"/>
+                      <a:round/>
+                      <a:headEnd type="none" w="med" len="med"/>
+                      <a:tailEnd type="none" w="med" len="med"/>
+                    </a:lnB>
+                  </a:tcPr>
+                </a:tc>
+                <a:tc>
+                  <a:txBody>
+                    <a:bodyPr/>
+                    <a:lstStyle/>
+                    <a:p>
+                      <a:pPr marL="342900" indent="-342900" latinLnBrk="1">
+                        <a:lnSpc>
+                          <a:spcPct val="100000"/>
+                        </a:lnSpc>
+                        <a:buAutoNum type="arabicPeriod"/>
+                      </a:pPr>
+                      <a:r>
+                        <a:rPr lang="ko-KR" altLang="en-US" sz="1400" i="0" baseline="0" dirty="0" smtClean="0">
+                          <a:latin typeface="나눔명조" panose="02020603020101020101" pitchFamily="18" charset="-127"/>
+                          <a:ea typeface="나눔명조" panose="02020603020101020101" pitchFamily="18" charset="-127"/>
+                        </a:rPr>
+                        <a:t>오랜 시간 다져진 고객층을 겨냥한 마케팅으로 경쟁사들로부터 고객층을 두텁게 한다</a:t>
+                      </a:r>
+                      <a:r>
+                        <a:rPr lang="en-US" altLang="ko-KR" sz="1400" i="0" baseline="0" dirty="0" smtClean="0">
+                          <a:latin typeface="나눔명조" panose="02020603020101020101" pitchFamily="18" charset="-127"/>
+                          <a:ea typeface="나눔명조" panose="02020603020101020101" pitchFamily="18" charset="-127"/>
+                        </a:rPr>
+                        <a:t>.</a:t>
+                      </a:r>
+                    </a:p>
+                    <a:p>
+                      <a:pPr marL="0" indent="0" latinLnBrk="1">
+                        <a:lnSpc>
+                          <a:spcPct val="100000"/>
+                        </a:lnSpc>
+                        <a:buNone/>
+                      </a:pPr>
+                      <a:endParaRPr lang="en-US" altLang="ko-KR" sz="200" i="0" baseline="0" dirty="0" smtClean="0">
+                        <a:latin typeface="나눔명조" panose="02020603020101020101" pitchFamily="18" charset="-127"/>
+                        <a:ea typeface="나눔명조" panose="02020603020101020101" pitchFamily="18" charset="-127"/>
+                      </a:endParaRPr>
+                    </a:p>
+                    <a:p>
+                      <a:pPr marL="342900" indent="-342900" latinLnBrk="1">
+                        <a:lnSpc>
+                          <a:spcPct val="100000"/>
+                        </a:lnSpc>
+                        <a:buAutoNum type="arabicPeriod"/>
+                      </a:pPr>
+                      <a:r>
+                        <a:rPr lang="ko-KR" altLang="en-US" sz="1400" i="0" baseline="0" dirty="0" smtClean="0">
+                          <a:latin typeface="나눔명조" panose="02020603020101020101" pitchFamily="18" charset="-127"/>
+                          <a:ea typeface="나눔명조" panose="02020603020101020101" pitchFamily="18" charset="-127"/>
+                        </a:rPr>
+                        <a:t>높은 인지도를 이용한 전략적 마케팅으로 신규 고객층에 대한 경쟁력을 확보한다</a:t>
+                      </a:r>
+                      <a:r>
+                        <a:rPr lang="en-US" altLang="ko-KR" sz="1400" i="0" baseline="0" dirty="0" smtClean="0">
+                          <a:latin typeface="나눔명조" panose="02020603020101020101" pitchFamily="18" charset="-127"/>
+                          <a:ea typeface="나눔명조" panose="02020603020101020101" pitchFamily="18" charset="-127"/>
+                        </a:rPr>
+                        <a:t>.</a:t>
+                      </a:r>
+                    </a:p>
+                  </a:txBody>
+                  <a:tcPr>
+                    <a:lnL w="12700" cap="flat" cmpd="sng" algn="ctr">
+                      <a:solidFill>
+                        <a:schemeClr val="tx1"/>
+                      </a:solidFill>
+                      <a:prstDash val="solid"/>
+                      <a:round/>
+                      <a:headEnd type="none" w="med" len="med"/>
+                      <a:tailEnd type="none" w="med" len="med"/>
+                    </a:lnL>
+                    <a:lnR w="12700" cap="flat" cmpd="sng" algn="ctr">
+                      <a:solidFill>
+                        <a:schemeClr val="tx1"/>
+                      </a:solidFill>
+                      <a:prstDash val="solid"/>
+                      <a:round/>
+                      <a:headEnd type="none" w="med" len="med"/>
+                      <a:tailEnd type="none" w="med" len="med"/>
+                    </a:lnR>
+                    <a:lnT w="12700" cap="flat" cmpd="sng" algn="ctr">
+                      <a:solidFill>
+                        <a:schemeClr val="tx1"/>
+                      </a:solidFill>
+                      <a:prstDash val="solid"/>
+                      <a:round/>
+                      <a:headEnd type="none" w="med" len="med"/>
+                      <a:tailEnd type="none" w="med" len="med"/>
+                    </a:lnT>
+                    <a:lnB w="12700" cap="flat" cmpd="sng" algn="ctr">
+                      <a:solidFill>
+                        <a:schemeClr val="tx1"/>
+                      </a:solidFill>
+                      <a:prstDash val="solid"/>
+                      <a:round/>
+                      <a:headEnd type="none" w="med" len="med"/>
+                      <a:tailEnd type="none" w="med" len="med"/>
+                    </a:lnB>
+                  </a:tcPr>
+                </a:tc>
+              </a:tr>
+              <a:tr h="370840">
+                <a:tc>
+                  <a:txBody>
+                    <a:bodyPr/>
+                    <a:lstStyle/>
+                    <a:p>
+                      <a:pPr algn="r" latinLnBrk="1"/>
+                      <a:r>
+                        <a:rPr lang="en-US" altLang="ko-KR" sz="2800" i="0" dirty="0" smtClean="0">
+                          <a:latin typeface="나눔명조" panose="02020603020101020101" pitchFamily="18" charset="-127"/>
+                          <a:ea typeface="나눔명조" panose="02020603020101020101" pitchFamily="18" charset="-127"/>
+                        </a:rPr>
+                        <a:t>WT</a:t>
+                      </a:r>
+                      <a:endParaRPr lang="ko-KR" altLang="en-US" sz="2800" i="0" dirty="0">
+                        <a:latin typeface="나눔명조" panose="02020603020101020101" pitchFamily="18" charset="-127"/>
+                        <a:ea typeface="나눔명조" panose="02020603020101020101" pitchFamily="18" charset="-127"/>
+                      </a:endParaRPr>
+                    </a:p>
+                  </a:txBody>
+                  <a:tcPr anchor="ctr">
+                    <a:lnL w="12700" cap="flat" cmpd="sng" algn="ctr">
+                      <a:solidFill>
+                        <a:schemeClr val="tx1"/>
+                      </a:solidFill>
+                      <a:prstDash val="solid"/>
+                      <a:round/>
+                      <a:headEnd type="none" w="med" len="med"/>
+                      <a:tailEnd type="none" w="med" len="med"/>
+                    </a:lnL>
+                    <a:lnR w="12700" cap="flat" cmpd="sng" algn="ctr">
+                      <a:solidFill>
+                        <a:schemeClr val="tx1"/>
+                      </a:solidFill>
+                      <a:prstDash val="solid"/>
+                      <a:round/>
+                      <a:headEnd type="none" w="med" len="med"/>
+                      <a:tailEnd type="none" w="med" len="med"/>
+                    </a:lnR>
+                    <a:lnT w="12700" cap="flat" cmpd="sng" algn="ctr">
+                      <a:solidFill>
+                        <a:schemeClr val="tx1"/>
+                      </a:solidFill>
+                      <a:prstDash val="solid"/>
+                      <a:round/>
+                      <a:headEnd type="none" w="med" len="med"/>
+                      <a:tailEnd type="none" w="med" len="med"/>
+                    </a:lnT>
+                    <a:lnB w="12700" cap="flat" cmpd="sng" algn="ctr">
+                      <a:solidFill>
+                        <a:schemeClr val="tx1"/>
+                      </a:solidFill>
+                      <a:prstDash val="solid"/>
+                      <a:round/>
+                      <a:headEnd type="none" w="med" len="med"/>
+                      <a:tailEnd type="none" w="med" len="med"/>
+                    </a:lnB>
+                  </a:tcPr>
+                </a:tc>
+                <a:tc>
+                  <a:txBody>
+                    <a:bodyPr/>
+                    <a:lstStyle/>
+                    <a:p>
+                      <a:pPr marL="342900" indent="-342900" latinLnBrk="1">
+                        <a:lnSpc>
+                          <a:spcPct val="100000"/>
+                        </a:lnSpc>
+                        <a:buAutoNum type="arabicPeriod"/>
+                      </a:pPr>
+                      <a:r>
+                        <a:rPr lang="ko-KR" altLang="en-US" sz="1400" i="0" dirty="0" smtClean="0">
+                          <a:latin typeface="나눔명조" panose="02020603020101020101" pitchFamily="18" charset="-127"/>
+                          <a:ea typeface="나눔명조" panose="02020603020101020101" pitchFamily="18" charset="-127"/>
+                        </a:rPr>
+                        <a:t>과도한 결제 유도 시스템을 줄이고 경쟁사 대비 경쟁력을 확보한다</a:t>
+                      </a:r>
+                      <a:r>
+                        <a:rPr lang="en-US" altLang="ko-KR" sz="1400" i="0" dirty="0" smtClean="0">
+                          <a:latin typeface="나눔명조" panose="02020603020101020101" pitchFamily="18" charset="-127"/>
+                          <a:ea typeface="나눔명조" panose="02020603020101020101" pitchFamily="18" charset="-127"/>
+                        </a:rPr>
+                        <a:t>.</a:t>
+                      </a:r>
+                    </a:p>
+                    <a:p>
+                      <a:pPr marL="342900" indent="-342900" latinLnBrk="1">
+                        <a:lnSpc>
+                          <a:spcPct val="100000"/>
+                        </a:lnSpc>
+                        <a:buAutoNum type="arabicPeriod"/>
+                      </a:pPr>
+                      <a:endParaRPr lang="en-US" altLang="ko-KR" sz="200" i="0" dirty="0" smtClean="0">
+                        <a:latin typeface="나눔명조" panose="02020603020101020101" pitchFamily="18" charset="-127"/>
+                        <a:ea typeface="나눔명조" panose="02020603020101020101" pitchFamily="18" charset="-127"/>
+                      </a:endParaRPr>
+                    </a:p>
+                    <a:p>
+                      <a:pPr marL="342900" indent="-342900" latinLnBrk="1">
+                        <a:lnSpc>
+                          <a:spcPct val="100000"/>
+                        </a:lnSpc>
+                        <a:buAutoNum type="arabicPeriod"/>
+                      </a:pPr>
+                      <a:r>
+                        <a:rPr lang="ko-KR" altLang="en-US" sz="1400" i="0" dirty="0" smtClean="0">
+                          <a:latin typeface="나눔명조" panose="02020603020101020101" pitchFamily="18" charset="-127"/>
+                          <a:ea typeface="나눔명조" panose="02020603020101020101" pitchFamily="18" charset="-127"/>
+                        </a:rPr>
+                        <a:t>유명 </a:t>
+                      </a:r>
+                      <a:r>
+                        <a:rPr lang="en-US" altLang="ko-KR" sz="1400" i="0" dirty="0" smtClean="0">
+                          <a:latin typeface="나눔명조" panose="02020603020101020101" pitchFamily="18" charset="-127"/>
+                          <a:ea typeface="나눔명조" panose="02020603020101020101" pitchFamily="18" charset="-127"/>
+                        </a:rPr>
+                        <a:t>IP</a:t>
+                      </a:r>
+                      <a:r>
+                        <a:rPr lang="ko-KR" altLang="en-US" sz="1400" i="0" dirty="0" smtClean="0">
+                          <a:latin typeface="나눔명조" panose="02020603020101020101" pitchFamily="18" charset="-127"/>
+                          <a:ea typeface="나눔명조" panose="02020603020101020101" pitchFamily="18" charset="-127"/>
+                        </a:rPr>
+                        <a:t>에 대한 의존성을</a:t>
+                      </a:r>
+                      <a:r>
+                        <a:rPr lang="ko-KR" altLang="en-US" sz="1400" i="0" baseline="0" dirty="0" smtClean="0">
+                          <a:latin typeface="나눔명조" panose="02020603020101020101" pitchFamily="18" charset="-127"/>
+                          <a:ea typeface="나눔명조" panose="02020603020101020101" pitchFamily="18" charset="-127"/>
+                        </a:rPr>
+                        <a:t> 낮추고 </a:t>
+                      </a:r>
+                      <a:r>
+                        <a:rPr lang="en-US" altLang="ko-KR" sz="1400" i="0" baseline="0" dirty="0" smtClean="0">
+                          <a:latin typeface="나눔명조" panose="02020603020101020101" pitchFamily="18" charset="-127"/>
+                          <a:ea typeface="나눔명조" panose="02020603020101020101" pitchFamily="18" charset="-127"/>
+                        </a:rPr>
+                        <a:t>MMORPG </a:t>
+                      </a:r>
+                      <a:r>
+                        <a:rPr lang="ko-KR" altLang="en-US" sz="1400" i="0" baseline="0" dirty="0" smtClean="0">
+                          <a:latin typeface="나눔명조" panose="02020603020101020101" pitchFamily="18" charset="-127"/>
+                          <a:ea typeface="나눔명조" panose="02020603020101020101" pitchFamily="18" charset="-127"/>
+                        </a:rPr>
+                        <a:t>이외의 새로운 분야에 투자하여 경쟁력을 확보한다</a:t>
+                      </a:r>
+                      <a:r>
+                        <a:rPr lang="en-US" altLang="ko-KR" sz="1400" i="0" baseline="0" dirty="0" smtClean="0">
+                          <a:latin typeface="나눔명조" panose="02020603020101020101" pitchFamily="18" charset="-127"/>
+                          <a:ea typeface="나눔명조" panose="02020603020101020101" pitchFamily="18" charset="-127"/>
+                        </a:rPr>
+                        <a:t>.</a:t>
+                      </a:r>
+                      <a:r>
+                        <a:rPr lang="ko-KR" altLang="en-US" sz="1400" i="0" baseline="0" dirty="0" smtClean="0">
+                          <a:latin typeface="나눔명조" panose="02020603020101020101" pitchFamily="18" charset="-127"/>
+                          <a:ea typeface="나눔명조" panose="02020603020101020101" pitchFamily="18" charset="-127"/>
+                        </a:rPr>
+                        <a:t> </a:t>
+                      </a:r>
+                      <a:endParaRPr lang="en-US" altLang="ko-KR" sz="1400" i="0" dirty="0" smtClean="0">
+                        <a:latin typeface="나눔명조" panose="02020603020101020101" pitchFamily="18" charset="-127"/>
+                        <a:ea typeface="나눔명조" panose="02020603020101020101" pitchFamily="18" charset="-127"/>
+                      </a:endParaRPr>
+                    </a:p>
+                  </a:txBody>
+                  <a:tcPr>
+                    <a:lnL w="12700" cap="flat" cmpd="sng" algn="ctr">
+                      <a:solidFill>
+                        <a:schemeClr val="tx1"/>
+                      </a:solidFill>
+                      <a:prstDash val="solid"/>
+                      <a:round/>
+                      <a:headEnd type="none" w="med" len="med"/>
+                      <a:tailEnd type="none" w="med" len="med"/>
+                    </a:lnL>
+                    <a:lnR w="12700" cap="flat" cmpd="sng" algn="ctr">
+                      <a:solidFill>
+                        <a:schemeClr val="tx1"/>
+                      </a:solidFill>
+                      <a:prstDash val="solid"/>
+                      <a:round/>
+                      <a:headEnd type="none" w="med" len="med"/>
+                      <a:tailEnd type="none" w="med" len="med"/>
+                    </a:lnR>
+                    <a:lnT w="12700" cap="flat" cmpd="sng" algn="ctr">
+                      <a:solidFill>
+                        <a:schemeClr val="tx1"/>
+                      </a:solidFill>
+                      <a:prstDash val="solid"/>
+                      <a:round/>
+                      <a:headEnd type="none" w="med" len="med"/>
+                      <a:tailEnd type="none" w="med" len="med"/>
+                    </a:lnT>
+                    <a:lnB w="12700" cap="flat" cmpd="sng" algn="ctr">
+                      <a:solidFill>
+                        <a:schemeClr val="tx1"/>
+                      </a:solidFill>
+                      <a:prstDash val="solid"/>
+                      <a:round/>
+                      <a:headEnd type="none" w="med" len="med"/>
+                      <a:tailEnd type="none" w="med" len="med"/>
+                    </a:lnB>
+                  </a:tcPr>
+                </a:tc>
+              </a:tr>
+            </a:tbl>
+          </a:graphicData>
+        </a:graphic>
+      </p:graphicFrame>
     </p:spTree>
     <p:extLst>
       <p:ext uri="{BB962C8B-B14F-4D97-AF65-F5344CB8AC3E}">
@@ -3674,6 +4568,36 @@
       </p:par>
     </p:tnLst>
   </p:timing>
+</p:sld>
+</file>
+
+<file path=ppt/slides/slide2.xml><?xml version="1.0" encoding="utf-8"?>
+<p:sld xmlns:a="http://schemas.openxmlformats.org/drawingml/2006/main" xmlns:r="http://schemas.openxmlformats.org/officeDocument/2006/relationships" xmlns:p="http://schemas.openxmlformats.org/presentationml/2006/main">
+  <p:cSld>
+    <p:spTree>
+      <p:nvGrpSpPr>
+        <p:cNvPr id="1" name=""/>
+        <p:cNvGrpSpPr/>
+        <p:nvPr/>
+      </p:nvGrpSpPr>
+      <p:grpSpPr>
+        <a:xfrm>
+          <a:off x="0" y="0"/>
+          <a:ext cx="0" cy="0"/>
+          <a:chOff x="0" y="0"/>
+          <a:chExt cx="0" cy="0"/>
+        </a:xfrm>
+      </p:grpSpPr>
+    </p:spTree>
+    <p:extLst>
+      <p:ext uri="{BB962C8B-B14F-4D97-AF65-F5344CB8AC3E}">
+        <p14:creationId xmlns:p14="http://schemas.microsoft.com/office/powerpoint/2010/main" val="2057524534"/>
+      </p:ext>
+    </p:extLst>
+  </p:cSld>
+  <p:clrMapOvr>
+    <a:masterClrMapping/>
+  </p:clrMapOvr>
 </p:sld>
 </file>
 

--- a/파워포인트/환경 분석.pptx
+++ b/파워포인트/환경 분석.pptx
@@ -3383,14 +3383,7 @@
                           <a:latin typeface="나눔명조" panose="02020603020101020101" pitchFamily="18" charset="-127"/>
                           <a:ea typeface="나눔명조" panose="02020603020101020101" pitchFamily="18" charset="-127"/>
                         </a:rPr>
-                        <a:t> </a:t>
-                      </a:r>
-                      <a:r>
-                        <a:rPr lang="ko-KR" altLang="en-US" sz="1600" b="1" dirty="0" smtClean="0">
-                          <a:latin typeface="나눔명조" panose="02020603020101020101" pitchFamily="18" charset="-127"/>
-                          <a:ea typeface="나눔명조" panose="02020603020101020101" pitchFamily="18" charset="-127"/>
-                        </a:rPr>
-                        <a:t>성장세</a:t>
+                        <a:t> 성장세</a:t>
                       </a:r>
                       <a:endParaRPr lang="en-US" altLang="ko-KR" sz="1600" b="1" dirty="0" smtClean="0">
                         <a:latin typeface="나눔명조" panose="02020603020101020101" pitchFamily="18" charset="-127"/>
@@ -3653,12 +3646,22 @@
           <a:p>
             <a:r>
               <a:rPr lang="en-US" altLang="ko-KR" sz="3200" dirty="0">
+                <a:solidFill>
+                  <a:schemeClr val="accent6">
+                    <a:lumMod val="75000"/>
+                  </a:schemeClr>
+                </a:solidFill>
                 <a:latin typeface="나눔명조" panose="02020603020101020101" pitchFamily="18" charset="-127"/>
                 <a:ea typeface="나눔명조" panose="02020603020101020101" pitchFamily="18" charset="-127"/>
               </a:rPr>
               <a:t>S</a:t>
             </a:r>
             <a:endParaRPr lang="ko-KR" altLang="en-US" sz="3200" dirty="0">
+              <a:solidFill>
+                <a:schemeClr val="accent6">
+                  <a:lumMod val="75000"/>
+                </a:schemeClr>
+              </a:solidFill>
               <a:latin typeface="나눔명조" panose="02020603020101020101" pitchFamily="18" charset="-127"/>
               <a:ea typeface="나눔명조" panose="02020603020101020101" pitchFamily="18" charset="-127"/>
             </a:endParaRPr>
@@ -3689,12 +3692,22 @@
           <a:p>
             <a:r>
               <a:rPr lang="en-US" altLang="ko-KR" sz="2600" dirty="0" smtClean="0">
+                <a:solidFill>
+                  <a:schemeClr val="accent6">
+                    <a:lumMod val="75000"/>
+                  </a:schemeClr>
+                </a:solidFill>
                 <a:latin typeface="나눔명조" panose="02020603020101020101" pitchFamily="18" charset="-127"/>
                 <a:ea typeface="나눔명조" panose="02020603020101020101" pitchFamily="18" charset="-127"/>
               </a:rPr>
               <a:t>W</a:t>
             </a:r>
             <a:endParaRPr lang="ko-KR" altLang="en-US" sz="2600" dirty="0">
+              <a:solidFill>
+                <a:schemeClr val="accent6">
+                  <a:lumMod val="75000"/>
+                </a:schemeClr>
+              </a:solidFill>
               <a:latin typeface="나눔명조" panose="02020603020101020101" pitchFamily="18" charset="-127"/>
               <a:ea typeface="나눔명조" panose="02020603020101020101" pitchFamily="18" charset="-127"/>
             </a:endParaRPr>
@@ -3725,12 +3738,22 @@
           <a:p>
             <a:r>
               <a:rPr lang="en-US" altLang="ko-KR" sz="2600" dirty="0" smtClean="0">
+                <a:solidFill>
+                  <a:schemeClr val="accent6">
+                    <a:lumMod val="75000"/>
+                  </a:schemeClr>
+                </a:solidFill>
                 <a:latin typeface="나눔명조" panose="02020603020101020101" pitchFamily="18" charset="-127"/>
                 <a:ea typeface="나눔명조" panose="02020603020101020101" pitchFamily="18" charset="-127"/>
               </a:rPr>
               <a:t>O</a:t>
             </a:r>
             <a:endParaRPr lang="ko-KR" altLang="en-US" sz="2600" dirty="0">
+              <a:solidFill>
+                <a:schemeClr val="accent6">
+                  <a:lumMod val="75000"/>
+                </a:schemeClr>
+              </a:solidFill>
               <a:latin typeface="나눔명조" panose="02020603020101020101" pitchFamily="18" charset="-127"/>
               <a:ea typeface="나눔명조" panose="02020603020101020101" pitchFamily="18" charset="-127"/>
             </a:endParaRPr>
@@ -3761,12 +3784,22 @@
           <a:p>
             <a:r>
               <a:rPr lang="en-US" altLang="ko-KR" sz="2600" dirty="0" smtClean="0">
+                <a:solidFill>
+                  <a:schemeClr val="accent6">
+                    <a:lumMod val="75000"/>
+                  </a:schemeClr>
+                </a:solidFill>
                 <a:latin typeface="나눔명조" panose="02020603020101020101" pitchFamily="18" charset="-127"/>
                 <a:ea typeface="나눔명조" panose="02020603020101020101" pitchFamily="18" charset="-127"/>
               </a:rPr>
               <a:t>T</a:t>
             </a:r>
             <a:endParaRPr lang="ko-KR" altLang="en-US" sz="2600" dirty="0">
+              <a:solidFill>
+                <a:schemeClr val="accent6">
+                  <a:lumMod val="75000"/>
+                </a:schemeClr>
+              </a:solidFill>
               <a:latin typeface="나눔명조" panose="02020603020101020101" pitchFamily="18" charset="-127"/>
               <a:ea typeface="나눔명조" panose="02020603020101020101" pitchFamily="18" charset="-127"/>
             </a:endParaRPr>
@@ -3782,7 +3815,7 @@
           <p:nvPr>
             <p:extLst>
               <p:ext uri="{D42A27DB-BD31-4B8C-83A1-F6EECF244321}">
-                <p14:modId xmlns:p14="http://schemas.microsoft.com/office/powerpoint/2010/main" val="1943205876"/>
+                <p14:modId xmlns:p14="http://schemas.microsoft.com/office/powerpoint/2010/main" val="1987660393"/>
               </p:ext>
             </p:extLst>
           </p:nvPr>
@@ -3809,13 +3842,23 @@
                     <a:p>
                       <a:pPr algn="r" latinLnBrk="1"/>
                       <a:r>
-                        <a:rPr lang="en-US" altLang="ko-KR" sz="2800" i="0" dirty="0" smtClean="0">
+                        <a:rPr lang="en-US" altLang="ko-KR" sz="2800" b="1" i="0" dirty="0" smtClean="0">
+                          <a:solidFill>
+                            <a:schemeClr val="accent6">
+                              <a:lumMod val="75000"/>
+                            </a:schemeClr>
+                          </a:solidFill>
                           <a:latin typeface="나눔명조" panose="02020603020101020101" pitchFamily="18" charset="-127"/>
                           <a:ea typeface="나눔명조" panose="02020603020101020101" pitchFamily="18" charset="-127"/>
                         </a:rPr>
                         <a:t>SO</a:t>
                       </a:r>
-                      <a:endParaRPr lang="ko-KR" altLang="en-US" sz="2800" i="0" dirty="0">
+                      <a:endParaRPr lang="ko-KR" altLang="en-US" sz="2800" b="1" i="0" dirty="0">
+                        <a:solidFill>
+                          <a:schemeClr val="accent6">
+                            <a:lumMod val="75000"/>
+                          </a:schemeClr>
+                        </a:solidFill>
                         <a:latin typeface="나눔명조" panose="02020603020101020101" pitchFamily="18" charset="-127"/>
                         <a:ea typeface="나눔명조" panose="02020603020101020101" pitchFamily="18" charset="-127"/>
                       </a:endParaRPr>
@@ -3872,28 +3915,28 @@
                         <a:buAutoNum type="arabicPeriod"/>
                       </a:pPr>
                       <a:r>
-                        <a:rPr lang="ko-KR" altLang="en-US" sz="1400" i="0" baseline="0" dirty="0" smtClean="0">
+                        <a:rPr lang="ko-KR" altLang="en-US" sz="1400" b="1" i="0" baseline="0" dirty="0" smtClean="0">
                           <a:latin typeface="나눔명조" panose="02020603020101020101" pitchFamily="18" charset="-127"/>
                           <a:ea typeface="나눔명조" panose="02020603020101020101" pitchFamily="18" charset="-127"/>
                         </a:rPr>
                         <a:t>높은 인지도와 </a:t>
                       </a:r>
                       <a:r>
-                        <a:rPr lang="en-US" altLang="ko-KR" sz="1400" i="0" baseline="0" dirty="0" smtClean="0">
+                        <a:rPr lang="en-US" altLang="ko-KR" sz="1400" b="1" i="0" baseline="0" dirty="0" smtClean="0">
                           <a:latin typeface="나눔명조" panose="02020603020101020101" pitchFamily="18" charset="-127"/>
                           <a:ea typeface="나눔명조" panose="02020603020101020101" pitchFamily="18" charset="-127"/>
                         </a:rPr>
                         <a:t>R&amp;D </a:t>
                       </a:r>
                       <a:r>
-                        <a:rPr lang="ko-KR" altLang="en-US" sz="1400" i="0" baseline="0" dirty="0" smtClean="0">
+                        <a:rPr lang="ko-KR" altLang="en-US" sz="1400" b="1" i="0" baseline="0" dirty="0" smtClean="0">
                           <a:latin typeface="나눔명조" panose="02020603020101020101" pitchFamily="18" charset="-127"/>
                           <a:ea typeface="나눔명조" panose="02020603020101020101" pitchFamily="18" charset="-127"/>
                         </a:rPr>
                         <a:t>능력을 결합하여 새로운 게임을 개발한다</a:t>
                       </a:r>
                       <a:r>
-                        <a:rPr lang="en-US" altLang="ko-KR" sz="1400" i="0" baseline="0" dirty="0" smtClean="0">
+                        <a:rPr lang="en-US" altLang="ko-KR" sz="1400" b="1" i="0" baseline="0" dirty="0" smtClean="0">
                           <a:latin typeface="나눔명조" panose="02020603020101020101" pitchFamily="18" charset="-127"/>
                           <a:ea typeface="나눔명조" panose="02020603020101020101" pitchFamily="18" charset="-127"/>
                         </a:rPr>
@@ -3907,7 +3950,7 @@
                         </a:lnSpc>
                         <a:buAutoNum type="arabicPeriod"/>
                       </a:pPr>
-                      <a:endParaRPr lang="en-US" altLang="ko-KR" sz="200" i="0" baseline="0" dirty="0" smtClean="0">
+                      <a:endParaRPr lang="en-US" altLang="ko-KR" sz="200" b="1" i="0" baseline="0" dirty="0" smtClean="0">
                         <a:latin typeface="나눔명조" panose="02020603020101020101" pitchFamily="18" charset="-127"/>
                         <a:ea typeface="나눔명조" panose="02020603020101020101" pitchFamily="18" charset="-127"/>
                       </a:endParaRPr>
@@ -3920,14 +3963,14 @@
                         <a:buAutoNum type="arabicPeriod"/>
                       </a:pPr>
                       <a:r>
-                        <a:rPr lang="ko-KR" altLang="en-US" sz="1400" i="0" baseline="0" dirty="0" smtClean="0">
+                        <a:rPr lang="ko-KR" altLang="en-US" sz="1400" b="1" i="0" baseline="0" dirty="0" smtClean="0">
                           <a:latin typeface="나눔명조" panose="02020603020101020101" pitchFamily="18" charset="-127"/>
                           <a:ea typeface="나눔명조" panose="02020603020101020101" pitchFamily="18" charset="-127"/>
                         </a:rPr>
                         <a:t>높은 인지도를 이용하여 확대된 고객층을 겨냥한 마케팅을   실시한다</a:t>
                       </a:r>
                       <a:r>
-                        <a:rPr lang="en-US" altLang="ko-KR" sz="1400" i="0" baseline="0" dirty="0" smtClean="0">
+                        <a:rPr lang="en-US" altLang="ko-KR" sz="1400" b="1" i="0" baseline="0" dirty="0" smtClean="0">
                           <a:latin typeface="나눔명조" panose="02020603020101020101" pitchFamily="18" charset="-127"/>
                           <a:ea typeface="나눔명조" panose="02020603020101020101" pitchFamily="18" charset="-127"/>
                         </a:rPr>
@@ -3983,13 +4026,23 @@
                     <a:p>
                       <a:pPr algn="r" latinLnBrk="1"/>
                       <a:r>
-                        <a:rPr lang="en-US" altLang="ko-KR" sz="2800" i="0" dirty="0" smtClean="0">
+                        <a:rPr lang="en-US" altLang="ko-KR" sz="2800" b="1" i="0" dirty="0" smtClean="0">
+                          <a:solidFill>
+                            <a:schemeClr val="accent6">
+                              <a:lumMod val="75000"/>
+                            </a:schemeClr>
+                          </a:solidFill>
                           <a:latin typeface="나눔명조" panose="02020603020101020101" pitchFamily="18" charset="-127"/>
                           <a:ea typeface="나눔명조" panose="02020603020101020101" pitchFamily="18" charset="-127"/>
                         </a:rPr>
                         <a:t>WO</a:t>
                       </a:r>
-                      <a:endParaRPr lang="ko-KR" altLang="en-US" sz="2800" i="0" dirty="0">
+                      <a:endParaRPr lang="ko-KR" altLang="en-US" sz="2800" b="1" i="0" dirty="0">
+                        <a:solidFill>
+                          <a:schemeClr val="accent6">
+                            <a:lumMod val="75000"/>
+                          </a:schemeClr>
+                        </a:solidFill>
                         <a:latin typeface="나눔명조" panose="02020603020101020101" pitchFamily="18" charset="-127"/>
                         <a:ea typeface="나눔명조" panose="02020603020101020101" pitchFamily="18" charset="-127"/>
                       </a:endParaRPr>
@@ -4046,56 +4099,56 @@
                         <a:buAutoNum type="arabicPeriod"/>
                       </a:pPr>
                       <a:r>
-                        <a:rPr lang="en-US" altLang="ko-KR" sz="1400" i="0" dirty="0" smtClean="0">
+                        <a:rPr lang="en-US" altLang="ko-KR" sz="1400" b="1" i="0" dirty="0" smtClean="0">
                           <a:latin typeface="나눔명조" panose="02020603020101020101" pitchFamily="18" charset="-127"/>
                           <a:ea typeface="나눔명조" panose="02020603020101020101" pitchFamily="18" charset="-127"/>
                         </a:rPr>
                         <a:t>R&amp;D</a:t>
                       </a:r>
                       <a:r>
-                        <a:rPr lang="en-US" altLang="ko-KR" sz="1400" i="0" baseline="0" dirty="0" smtClean="0">
+                        <a:rPr lang="en-US" altLang="ko-KR" sz="1400" b="1" i="0" baseline="0" dirty="0" smtClean="0">
                           <a:latin typeface="나눔명조" panose="02020603020101020101" pitchFamily="18" charset="-127"/>
                           <a:ea typeface="나눔명조" panose="02020603020101020101" pitchFamily="18" charset="-127"/>
                         </a:rPr>
                         <a:t> </a:t>
                       </a:r>
                       <a:r>
-                        <a:rPr lang="ko-KR" altLang="en-US" sz="1400" i="0" baseline="0" dirty="0" smtClean="0">
+                        <a:rPr lang="ko-KR" altLang="en-US" sz="1400" b="1" i="0" baseline="0" dirty="0" smtClean="0">
                           <a:latin typeface="나눔명조" panose="02020603020101020101" pitchFamily="18" charset="-127"/>
                           <a:ea typeface="나눔명조" panose="02020603020101020101" pitchFamily="18" charset="-127"/>
                         </a:rPr>
                         <a:t>능력을 기반으로 </a:t>
                       </a:r>
                       <a:r>
-                        <a:rPr lang="en-US" altLang="ko-KR" sz="1400" i="0" baseline="0" dirty="0" smtClean="0">
+                        <a:rPr lang="en-US" altLang="ko-KR" sz="1400" b="1" i="0" baseline="0" dirty="0" smtClean="0">
                           <a:latin typeface="나눔명조" panose="02020603020101020101" pitchFamily="18" charset="-127"/>
                           <a:ea typeface="나눔명조" panose="02020603020101020101" pitchFamily="18" charset="-127"/>
                         </a:rPr>
                         <a:t>IP</a:t>
                       </a:r>
                       <a:r>
-                        <a:rPr lang="ko-KR" altLang="en-US" sz="1400" i="0" baseline="0" dirty="0" smtClean="0">
+                        <a:rPr lang="ko-KR" altLang="en-US" sz="1400" b="1" i="0" baseline="0" dirty="0" smtClean="0">
                           <a:latin typeface="나눔명조" panose="02020603020101020101" pitchFamily="18" charset="-127"/>
                           <a:ea typeface="나눔명조" panose="02020603020101020101" pitchFamily="18" charset="-127"/>
                         </a:rPr>
                         <a:t> 의존도를 낮추고 </a:t>
                       </a:r>
                       <a:r>
-                        <a:rPr lang="en-US" altLang="ko-KR" sz="1400" i="0" baseline="0" dirty="0" smtClean="0">
+                        <a:rPr lang="en-US" altLang="ko-KR" sz="1400" b="1" i="0" baseline="0" dirty="0" smtClean="0">
                           <a:latin typeface="나눔명조" panose="02020603020101020101" pitchFamily="18" charset="-127"/>
                           <a:ea typeface="나눔명조" panose="02020603020101020101" pitchFamily="18" charset="-127"/>
                         </a:rPr>
                         <a:t>MMORPG</a:t>
                       </a:r>
                       <a:r>
-                        <a:rPr lang="ko-KR" altLang="en-US" sz="1400" i="0" baseline="0" dirty="0" smtClean="0">
+                        <a:rPr lang="ko-KR" altLang="en-US" sz="1400" b="1" i="0" baseline="0" dirty="0" smtClean="0">
                           <a:latin typeface="나눔명조" panose="02020603020101020101" pitchFamily="18" charset="-127"/>
                           <a:ea typeface="나눔명조" panose="02020603020101020101" pitchFamily="18" charset="-127"/>
                         </a:rPr>
                         <a:t>의 틀에서 벗어난다</a:t>
                       </a:r>
                       <a:r>
-                        <a:rPr lang="en-US" altLang="ko-KR" sz="1400" i="0" baseline="0" dirty="0" smtClean="0">
+                        <a:rPr lang="en-US" altLang="ko-KR" sz="1400" b="1" i="0" baseline="0" dirty="0" smtClean="0">
                           <a:latin typeface="나눔명조" panose="02020603020101020101" pitchFamily="18" charset="-127"/>
                           <a:ea typeface="나눔명조" panose="02020603020101020101" pitchFamily="18" charset="-127"/>
                         </a:rPr>
@@ -4109,7 +4162,7 @@
                         </a:lnSpc>
                         <a:buAutoNum type="arabicPeriod"/>
                       </a:pPr>
-                      <a:endParaRPr lang="en-US" altLang="ko-KR" sz="200" i="0" baseline="0" dirty="0" smtClean="0">
+                      <a:endParaRPr lang="en-US" altLang="ko-KR" sz="200" b="1" i="0" baseline="0" dirty="0" smtClean="0">
                         <a:latin typeface="나눔명조" panose="02020603020101020101" pitchFamily="18" charset="-127"/>
                         <a:ea typeface="나눔명조" panose="02020603020101020101" pitchFamily="18" charset="-127"/>
                       </a:endParaRPr>
@@ -4122,20 +4175,20 @@
                         <a:buAutoNum type="arabicPeriod"/>
                       </a:pPr>
                       <a:r>
-                        <a:rPr lang="ko-KR" altLang="en-US" sz="1400" i="0" baseline="0" dirty="0" smtClean="0">
+                        <a:rPr lang="ko-KR" altLang="en-US" sz="1400" b="1" i="0" baseline="0" dirty="0" smtClean="0">
                           <a:latin typeface="나눔명조" panose="02020603020101020101" pitchFamily="18" charset="-127"/>
                           <a:ea typeface="나눔명조" panose="02020603020101020101" pitchFamily="18" charset="-127"/>
                         </a:rPr>
                         <a:t>과도한 결제 유도 시스템을 줄이고 새로운 고객층을 확보한다</a:t>
                       </a:r>
                       <a:r>
-                        <a:rPr lang="en-US" altLang="ko-KR" sz="1400" i="0" baseline="0" dirty="0" smtClean="0">
+                        <a:rPr lang="en-US" altLang="ko-KR" sz="1400" b="1" i="0" baseline="0" dirty="0" smtClean="0">
                           <a:latin typeface="나눔명조" panose="02020603020101020101" pitchFamily="18" charset="-127"/>
                           <a:ea typeface="나눔명조" panose="02020603020101020101" pitchFamily="18" charset="-127"/>
                         </a:rPr>
                         <a:t>.</a:t>
                       </a:r>
-                      <a:endParaRPr lang="en-US" altLang="ko-KR" sz="1400" i="0" dirty="0" smtClean="0">
+                      <a:endParaRPr lang="en-US" altLang="ko-KR" sz="1400" b="1" i="0" dirty="0" smtClean="0">
                         <a:latin typeface="나눔명조" panose="02020603020101020101" pitchFamily="18" charset="-127"/>
                         <a:ea typeface="나눔명조" panose="02020603020101020101" pitchFamily="18" charset="-127"/>
                       </a:endParaRPr>
@@ -4189,13 +4242,23 @@
                     <a:p>
                       <a:pPr algn="r" latinLnBrk="1"/>
                       <a:r>
-                        <a:rPr lang="en-US" altLang="ko-KR" sz="2800" i="0" dirty="0" smtClean="0">
+                        <a:rPr lang="en-US" altLang="ko-KR" sz="2800" b="1" i="0" dirty="0" smtClean="0">
+                          <a:solidFill>
+                            <a:schemeClr val="accent6">
+                              <a:lumMod val="75000"/>
+                            </a:schemeClr>
+                          </a:solidFill>
                           <a:latin typeface="나눔명조" panose="02020603020101020101" pitchFamily="18" charset="-127"/>
                           <a:ea typeface="나눔명조" panose="02020603020101020101" pitchFamily="18" charset="-127"/>
                         </a:rPr>
                         <a:t>ST</a:t>
                       </a:r>
-                      <a:endParaRPr lang="ko-KR" altLang="en-US" sz="2800" i="0" dirty="0">
+                      <a:endParaRPr lang="ko-KR" altLang="en-US" sz="2800" b="1" i="0" dirty="0">
+                        <a:solidFill>
+                          <a:schemeClr val="accent6">
+                            <a:lumMod val="75000"/>
+                          </a:schemeClr>
+                        </a:solidFill>
                         <a:latin typeface="나눔명조" panose="02020603020101020101" pitchFamily="18" charset="-127"/>
                         <a:ea typeface="나눔명조" panose="02020603020101020101" pitchFamily="18" charset="-127"/>
                       </a:endParaRPr>
@@ -4252,14 +4315,14 @@
                         <a:buAutoNum type="arabicPeriod"/>
                       </a:pPr>
                       <a:r>
-                        <a:rPr lang="ko-KR" altLang="en-US" sz="1400" i="0" baseline="0" dirty="0" smtClean="0">
+                        <a:rPr lang="ko-KR" altLang="en-US" sz="1400" b="1" i="0" baseline="0" dirty="0" smtClean="0">
                           <a:latin typeface="나눔명조" panose="02020603020101020101" pitchFamily="18" charset="-127"/>
                           <a:ea typeface="나눔명조" panose="02020603020101020101" pitchFamily="18" charset="-127"/>
                         </a:rPr>
                         <a:t>오랜 시간 다져진 고객층을 겨냥한 마케팅으로 경쟁사들로부터 고객층을 두텁게 한다</a:t>
                       </a:r>
                       <a:r>
-                        <a:rPr lang="en-US" altLang="ko-KR" sz="1400" i="0" baseline="0" dirty="0" smtClean="0">
+                        <a:rPr lang="en-US" altLang="ko-KR" sz="1400" b="1" i="0" baseline="0" dirty="0" smtClean="0">
                           <a:latin typeface="나눔명조" panose="02020603020101020101" pitchFamily="18" charset="-127"/>
                           <a:ea typeface="나눔명조" panose="02020603020101020101" pitchFamily="18" charset="-127"/>
                         </a:rPr>
@@ -4273,7 +4336,7 @@
                         </a:lnSpc>
                         <a:buNone/>
                       </a:pPr>
-                      <a:endParaRPr lang="en-US" altLang="ko-KR" sz="200" i="0" baseline="0" dirty="0" smtClean="0">
+                      <a:endParaRPr lang="en-US" altLang="ko-KR" sz="200" b="1" i="0" baseline="0" dirty="0" smtClean="0">
                         <a:latin typeface="나눔명조" panose="02020603020101020101" pitchFamily="18" charset="-127"/>
                         <a:ea typeface="나눔명조" panose="02020603020101020101" pitchFamily="18" charset="-127"/>
                       </a:endParaRPr>
@@ -4286,14 +4349,14 @@
                         <a:buAutoNum type="arabicPeriod"/>
                       </a:pPr>
                       <a:r>
-                        <a:rPr lang="ko-KR" altLang="en-US" sz="1400" i="0" baseline="0" dirty="0" smtClean="0">
+                        <a:rPr lang="ko-KR" altLang="en-US" sz="1400" b="1" i="0" baseline="0" dirty="0" smtClean="0">
                           <a:latin typeface="나눔명조" panose="02020603020101020101" pitchFamily="18" charset="-127"/>
                           <a:ea typeface="나눔명조" panose="02020603020101020101" pitchFamily="18" charset="-127"/>
                         </a:rPr>
                         <a:t>높은 인지도를 이용한 전략적 마케팅으로 신규 고객층에 대한 경쟁력을 확보한다</a:t>
                       </a:r>
                       <a:r>
-                        <a:rPr lang="en-US" altLang="ko-KR" sz="1400" i="0" baseline="0" dirty="0" smtClean="0">
+                        <a:rPr lang="en-US" altLang="ko-KR" sz="1400" b="1" i="0" baseline="0" dirty="0" smtClean="0">
                           <a:latin typeface="나눔명조" panose="02020603020101020101" pitchFamily="18" charset="-127"/>
                           <a:ea typeface="나눔명조" panose="02020603020101020101" pitchFamily="18" charset="-127"/>
                         </a:rPr>
@@ -4349,13 +4412,23 @@
                     <a:p>
                       <a:pPr algn="r" latinLnBrk="1"/>
                       <a:r>
-                        <a:rPr lang="en-US" altLang="ko-KR" sz="2800" i="0" dirty="0" smtClean="0">
+                        <a:rPr lang="en-US" altLang="ko-KR" sz="2800" b="1" i="0" dirty="0" smtClean="0">
+                          <a:solidFill>
+                            <a:schemeClr val="accent6">
+                              <a:lumMod val="75000"/>
+                            </a:schemeClr>
+                          </a:solidFill>
                           <a:latin typeface="나눔명조" panose="02020603020101020101" pitchFamily="18" charset="-127"/>
                           <a:ea typeface="나눔명조" panose="02020603020101020101" pitchFamily="18" charset="-127"/>
                         </a:rPr>
                         <a:t>WT</a:t>
                       </a:r>
-                      <a:endParaRPr lang="ko-KR" altLang="en-US" sz="2800" i="0" dirty="0">
+                      <a:endParaRPr lang="ko-KR" altLang="en-US" sz="2800" b="1" i="0" dirty="0">
+                        <a:solidFill>
+                          <a:schemeClr val="accent6">
+                            <a:lumMod val="75000"/>
+                          </a:schemeClr>
+                        </a:solidFill>
                         <a:latin typeface="나눔명조" panose="02020603020101020101" pitchFamily="18" charset="-127"/>
                         <a:ea typeface="나눔명조" panose="02020603020101020101" pitchFamily="18" charset="-127"/>
                       </a:endParaRPr>
@@ -4412,14 +4485,14 @@
                         <a:buAutoNum type="arabicPeriod"/>
                       </a:pPr>
                       <a:r>
-                        <a:rPr lang="ko-KR" altLang="en-US" sz="1400" i="0" dirty="0" smtClean="0">
+                        <a:rPr lang="ko-KR" altLang="en-US" sz="1400" b="1" i="0" dirty="0" smtClean="0">
                           <a:latin typeface="나눔명조" panose="02020603020101020101" pitchFamily="18" charset="-127"/>
                           <a:ea typeface="나눔명조" panose="02020603020101020101" pitchFamily="18" charset="-127"/>
                         </a:rPr>
                         <a:t>과도한 결제 유도 시스템을 줄이고 경쟁사 대비 경쟁력을 확보한다</a:t>
                       </a:r>
                       <a:r>
-                        <a:rPr lang="en-US" altLang="ko-KR" sz="1400" i="0" dirty="0" smtClean="0">
+                        <a:rPr lang="en-US" altLang="ko-KR" sz="1400" b="1" i="0" dirty="0" smtClean="0">
                           <a:latin typeface="나눔명조" panose="02020603020101020101" pitchFamily="18" charset="-127"/>
                           <a:ea typeface="나눔명조" panose="02020603020101020101" pitchFamily="18" charset="-127"/>
                         </a:rPr>
@@ -4433,7 +4506,7 @@
                         </a:lnSpc>
                         <a:buAutoNum type="arabicPeriod"/>
                       </a:pPr>
-                      <a:endParaRPr lang="en-US" altLang="ko-KR" sz="200" i="0" dirty="0" smtClean="0">
+                      <a:endParaRPr lang="en-US" altLang="ko-KR" sz="200" b="1" i="0" dirty="0" smtClean="0">
                         <a:latin typeface="나눔명조" panose="02020603020101020101" pitchFamily="18" charset="-127"/>
                         <a:ea typeface="나눔명조" panose="02020603020101020101" pitchFamily="18" charset="-127"/>
                       </a:endParaRPr>
@@ -4446,62 +4519,62 @@
                         <a:buAutoNum type="arabicPeriod"/>
                       </a:pPr>
                       <a:r>
-                        <a:rPr lang="ko-KR" altLang="en-US" sz="1400" i="0" dirty="0" smtClean="0">
+                        <a:rPr lang="ko-KR" altLang="en-US" sz="1400" b="1" i="0" dirty="0" smtClean="0">
                           <a:latin typeface="나눔명조" panose="02020603020101020101" pitchFamily="18" charset="-127"/>
                           <a:ea typeface="나눔명조" panose="02020603020101020101" pitchFamily="18" charset="-127"/>
                         </a:rPr>
                         <a:t>유명 </a:t>
                       </a:r>
                       <a:r>
-                        <a:rPr lang="en-US" altLang="ko-KR" sz="1400" i="0" dirty="0" smtClean="0">
+                        <a:rPr lang="en-US" altLang="ko-KR" sz="1400" b="1" i="0" dirty="0" smtClean="0">
                           <a:latin typeface="나눔명조" panose="02020603020101020101" pitchFamily="18" charset="-127"/>
                           <a:ea typeface="나눔명조" panose="02020603020101020101" pitchFamily="18" charset="-127"/>
                         </a:rPr>
                         <a:t>IP</a:t>
                       </a:r>
                       <a:r>
-                        <a:rPr lang="ko-KR" altLang="en-US" sz="1400" i="0" dirty="0" smtClean="0">
+                        <a:rPr lang="ko-KR" altLang="en-US" sz="1400" b="1" i="0" dirty="0" smtClean="0">
                           <a:latin typeface="나눔명조" panose="02020603020101020101" pitchFamily="18" charset="-127"/>
                           <a:ea typeface="나눔명조" panose="02020603020101020101" pitchFamily="18" charset="-127"/>
                         </a:rPr>
                         <a:t>에 대한 의존성을</a:t>
                       </a:r>
                       <a:r>
-                        <a:rPr lang="ko-KR" altLang="en-US" sz="1400" i="0" baseline="0" dirty="0" smtClean="0">
+                        <a:rPr lang="ko-KR" altLang="en-US" sz="1400" b="1" i="0" baseline="0" dirty="0" smtClean="0">
                           <a:latin typeface="나눔명조" panose="02020603020101020101" pitchFamily="18" charset="-127"/>
                           <a:ea typeface="나눔명조" panose="02020603020101020101" pitchFamily="18" charset="-127"/>
                         </a:rPr>
                         <a:t> 낮추고 </a:t>
                       </a:r>
                       <a:r>
-                        <a:rPr lang="en-US" altLang="ko-KR" sz="1400" i="0" baseline="0" dirty="0" smtClean="0">
+                        <a:rPr lang="en-US" altLang="ko-KR" sz="1400" b="1" i="0" baseline="0" dirty="0" smtClean="0">
                           <a:latin typeface="나눔명조" panose="02020603020101020101" pitchFamily="18" charset="-127"/>
                           <a:ea typeface="나눔명조" panose="02020603020101020101" pitchFamily="18" charset="-127"/>
                         </a:rPr>
                         <a:t>MMORPG </a:t>
                       </a:r>
                       <a:r>
-                        <a:rPr lang="ko-KR" altLang="en-US" sz="1400" i="0" baseline="0" dirty="0" smtClean="0">
+                        <a:rPr lang="ko-KR" altLang="en-US" sz="1400" b="1" i="0" baseline="0" dirty="0" smtClean="0">
                           <a:latin typeface="나눔명조" panose="02020603020101020101" pitchFamily="18" charset="-127"/>
                           <a:ea typeface="나눔명조" panose="02020603020101020101" pitchFamily="18" charset="-127"/>
                         </a:rPr>
                         <a:t>이외의 새로운 분야에 투자하여 경쟁력을 확보한다</a:t>
                       </a:r>
                       <a:r>
-                        <a:rPr lang="en-US" altLang="ko-KR" sz="1400" i="0" baseline="0" dirty="0" smtClean="0">
+                        <a:rPr lang="en-US" altLang="ko-KR" sz="1400" b="1" i="0" baseline="0" dirty="0" smtClean="0">
                           <a:latin typeface="나눔명조" panose="02020603020101020101" pitchFamily="18" charset="-127"/>
                           <a:ea typeface="나눔명조" panose="02020603020101020101" pitchFamily="18" charset="-127"/>
                         </a:rPr>
                         <a:t>.</a:t>
                       </a:r>
                       <a:r>
-                        <a:rPr lang="ko-KR" altLang="en-US" sz="1400" i="0" baseline="0" dirty="0" smtClean="0">
+                        <a:rPr lang="ko-KR" altLang="en-US" sz="1400" b="1" i="0" baseline="0" dirty="0" smtClean="0">
                           <a:latin typeface="나눔명조" panose="02020603020101020101" pitchFamily="18" charset="-127"/>
                           <a:ea typeface="나눔명조" panose="02020603020101020101" pitchFamily="18" charset="-127"/>
                         </a:rPr>
                         <a:t> </a:t>
                       </a:r>
-                      <a:endParaRPr lang="en-US" altLang="ko-KR" sz="1400" i="0" dirty="0" smtClean="0">
+                      <a:endParaRPr lang="en-US" altLang="ko-KR" sz="1400" b="1" i="0" dirty="0" smtClean="0">
                         <a:latin typeface="나눔명조" panose="02020603020101020101" pitchFamily="18" charset="-127"/>
                         <a:ea typeface="나눔명조" panose="02020603020101020101" pitchFamily="18" charset="-127"/>
                       </a:endParaRPr>
@@ -4588,6 +4661,1187 @@
           <a:chExt cx="0" cy="0"/>
         </a:xfrm>
       </p:grpSpPr>
+      <p:graphicFrame>
+        <p:nvGraphicFramePr>
+          <p:cNvPr id="3" name="표 2"/>
+          <p:cNvGraphicFramePr>
+            <a:graphicFrameLocks noGrp="1"/>
+          </p:cNvGraphicFramePr>
+          <p:nvPr>
+            <p:extLst>
+              <p:ext uri="{D42A27DB-BD31-4B8C-83A1-F6EECF244321}">
+                <p14:modId xmlns:p14="http://schemas.microsoft.com/office/powerpoint/2010/main" val="3604934309"/>
+              </p:ext>
+            </p:extLst>
+          </p:nvPr>
+        </p:nvGraphicFramePr>
+        <p:xfrm>
+          <a:off x="35496" y="32008"/>
+          <a:ext cx="6264696" cy="3029952"/>
+        </p:xfrm>
+        <a:graphic>
+          <a:graphicData uri="http://schemas.openxmlformats.org/drawingml/2006/table">
+            <a:tbl>
+              <a:tblPr firstRow="1" bandRow="1">
+                <a:tableStyleId>{2D5ABB26-0587-4C30-8999-92F81FD0307C}</a:tableStyleId>
+              </a:tblPr>
+              <a:tblGrid>
+                <a:gridCol w="3164219"/>
+                <a:gridCol w="3100477"/>
+              </a:tblGrid>
+              <a:tr h="1514976">
+                <a:tc>
+                  <a:txBody>
+                    <a:bodyPr/>
+                    <a:lstStyle/>
+                    <a:p>
+                      <a:pPr latinLnBrk="1"/>
+                      <a:endParaRPr lang="en-US" altLang="ko-KR" sz="1200" b="1" dirty="0" smtClean="0">
+                        <a:latin typeface="나눔명조" panose="02020603020101020101" pitchFamily="18" charset="-127"/>
+                        <a:ea typeface="나눔명조" panose="02020603020101020101" pitchFamily="18" charset="-127"/>
+                      </a:endParaRPr>
+                    </a:p>
+                    <a:p>
+                      <a:pPr latinLnBrk="1"/>
+                      <a:endParaRPr lang="en-US" altLang="ko-KR" sz="1200" b="1" dirty="0" smtClean="0">
+                        <a:latin typeface="나눔명조" panose="02020603020101020101" pitchFamily="18" charset="-127"/>
+                        <a:ea typeface="나눔명조" panose="02020603020101020101" pitchFamily="18" charset="-127"/>
+                      </a:endParaRPr>
+                    </a:p>
+                    <a:p>
+                      <a:pPr latinLnBrk="1"/>
+                      <a:endParaRPr lang="en-US" altLang="ko-KR" sz="1200" b="1" dirty="0" smtClean="0">
+                        <a:latin typeface="나눔명조" panose="02020603020101020101" pitchFamily="18" charset="-127"/>
+                        <a:ea typeface="나눔명조" panose="02020603020101020101" pitchFamily="18" charset="-127"/>
+                      </a:endParaRPr>
+                    </a:p>
+                    <a:p>
+                      <a:pPr latinLnBrk="1"/>
+                      <a:r>
+                        <a:rPr lang="ko-KR" altLang="en-US" sz="1200" b="1" dirty="0" smtClean="0">
+                          <a:latin typeface="나눔명조" panose="02020603020101020101" pitchFamily="18" charset="-127"/>
+                          <a:ea typeface="나눔명조" panose="02020603020101020101" pitchFamily="18" charset="-127"/>
+                        </a:rPr>
+                        <a:t>최근 </a:t>
+                      </a:r>
+                      <a:r>
+                        <a:rPr lang="ko-KR" altLang="en-US" sz="1200" b="1" dirty="0" err="1" smtClean="0">
+                          <a:latin typeface="나눔명조" panose="02020603020101020101" pitchFamily="18" charset="-127"/>
+                          <a:ea typeface="나눔명조" panose="02020603020101020101" pitchFamily="18" charset="-127"/>
+                        </a:rPr>
+                        <a:t>모바일</a:t>
+                      </a:r>
+                      <a:r>
+                        <a:rPr lang="ko-KR" altLang="en-US" sz="1200" b="1" dirty="0" smtClean="0">
+                          <a:latin typeface="나눔명조" panose="02020603020101020101" pitchFamily="18" charset="-127"/>
+                          <a:ea typeface="나눔명조" panose="02020603020101020101" pitchFamily="18" charset="-127"/>
+                        </a:rPr>
+                        <a:t> 게임</a:t>
+                      </a:r>
+                      <a:r>
+                        <a:rPr lang="ko-KR" altLang="en-US" sz="1200" b="1" baseline="0" dirty="0" smtClean="0">
+                          <a:latin typeface="나눔명조" panose="02020603020101020101" pitchFamily="18" charset="-127"/>
+                          <a:ea typeface="나눔명조" panose="02020603020101020101" pitchFamily="18" charset="-127"/>
+                        </a:rPr>
+                        <a:t> 중독 및 과도한 사행성</a:t>
+                      </a:r>
+                      <a:r>
+                        <a:rPr lang="ko-KR" altLang="en-US" sz="1200" b="1" dirty="0" smtClean="0">
+                          <a:latin typeface="나눔명조" panose="02020603020101020101" pitchFamily="18" charset="-127"/>
+                          <a:ea typeface="나눔명조" panose="02020603020101020101" pitchFamily="18" charset="-127"/>
+                        </a:rPr>
+                        <a:t>이 문제로 거론되고 있음</a:t>
+                      </a:r>
+                      <a:r>
+                        <a:rPr lang="en-US" altLang="ko-KR" sz="1200" b="1" dirty="0" smtClean="0">
+                          <a:latin typeface="나눔명조" panose="02020603020101020101" pitchFamily="18" charset="-127"/>
+                          <a:ea typeface="나눔명조" panose="02020603020101020101" pitchFamily="18" charset="-127"/>
+                        </a:rPr>
+                        <a:t>.</a:t>
+                      </a:r>
+                      <a:r>
+                        <a:rPr lang="en-US" altLang="ko-KR" sz="1200" b="1" baseline="0" dirty="0" smtClean="0">
+                          <a:latin typeface="나눔명조" panose="02020603020101020101" pitchFamily="18" charset="-127"/>
+                          <a:ea typeface="나눔명조" panose="02020603020101020101" pitchFamily="18" charset="-127"/>
+                        </a:rPr>
+                        <a:t> </a:t>
+                      </a:r>
+                      <a:r>
+                        <a:rPr lang="ko-KR" altLang="en-US" sz="1200" b="1" dirty="0" smtClean="0">
+                          <a:latin typeface="나눔명조" panose="02020603020101020101" pitchFamily="18" charset="-127"/>
+                          <a:ea typeface="나눔명조" panose="02020603020101020101" pitchFamily="18" charset="-127"/>
+                        </a:rPr>
+                        <a:t>이에 대한 정부의 규제적 압박이 있을 수도 있음</a:t>
+                      </a:r>
+                      <a:r>
+                        <a:rPr lang="en-US" altLang="ko-KR" sz="1200" b="1" dirty="0" smtClean="0">
+                          <a:latin typeface="나눔명조" panose="02020603020101020101" pitchFamily="18" charset="-127"/>
+                          <a:ea typeface="나눔명조" panose="02020603020101020101" pitchFamily="18" charset="-127"/>
+                        </a:rPr>
+                        <a:t>.</a:t>
+                      </a:r>
+                      <a:endParaRPr lang="en-US" altLang="ko-KR" sz="1200" b="1" dirty="0" smtClean="0">
+                        <a:latin typeface="나눔명조" panose="02020603020101020101" pitchFamily="18" charset="-127"/>
+                        <a:ea typeface="나눔명조" panose="02020603020101020101" pitchFamily="18" charset="-127"/>
+                      </a:endParaRPr>
+                    </a:p>
+                  </a:txBody>
+                  <a:tcPr>
+                    <a:lnL w="3175" cap="flat" cmpd="sng" algn="ctr">
+                      <a:solidFill>
+                        <a:schemeClr val="tx1"/>
+                      </a:solidFill>
+                      <a:prstDash val="solid"/>
+                      <a:round/>
+                      <a:headEnd type="none" w="med" len="med"/>
+                      <a:tailEnd type="none" w="med" len="med"/>
+                    </a:lnL>
+                    <a:lnR w="3175" cap="flat" cmpd="sng" algn="ctr">
+                      <a:solidFill>
+                        <a:schemeClr val="tx1"/>
+                      </a:solidFill>
+                      <a:prstDash val="solid"/>
+                      <a:round/>
+                      <a:headEnd type="none" w="med" len="med"/>
+                      <a:tailEnd type="none" w="med" len="med"/>
+                    </a:lnR>
+                    <a:lnT w="3175" cap="flat" cmpd="sng" algn="ctr">
+                      <a:solidFill>
+                        <a:schemeClr val="tx1"/>
+                      </a:solidFill>
+                      <a:prstDash val="solid"/>
+                      <a:round/>
+                      <a:headEnd type="none" w="med" len="med"/>
+                      <a:tailEnd type="none" w="med" len="med"/>
+                    </a:lnT>
+                    <a:lnB w="3175" cap="flat" cmpd="sng" algn="ctr">
+                      <a:solidFill>
+                        <a:schemeClr val="tx1"/>
+                      </a:solidFill>
+                      <a:prstDash val="solid"/>
+                      <a:round/>
+                      <a:headEnd type="none" w="med" len="med"/>
+                      <a:tailEnd type="none" w="med" len="med"/>
+                    </a:lnB>
+                  </a:tcPr>
+                </a:tc>
+                <a:tc>
+                  <a:txBody>
+                    <a:bodyPr/>
+                    <a:lstStyle/>
+                    <a:p>
+                      <a:pPr latinLnBrk="1"/>
+                      <a:endParaRPr lang="en-US" altLang="ko-KR" sz="1200" b="1" dirty="0" smtClean="0">
+                        <a:latin typeface="나눔명조" panose="02020603020101020101" pitchFamily="18" charset="-127"/>
+                        <a:ea typeface="나눔명조" panose="02020603020101020101" pitchFamily="18" charset="-127"/>
+                      </a:endParaRPr>
+                    </a:p>
+                    <a:p>
+                      <a:pPr latinLnBrk="1"/>
+                      <a:endParaRPr lang="en-US" altLang="ko-KR" sz="1200" b="1" dirty="0" smtClean="0">
+                        <a:latin typeface="나눔명조" panose="02020603020101020101" pitchFamily="18" charset="-127"/>
+                        <a:ea typeface="나눔명조" panose="02020603020101020101" pitchFamily="18" charset="-127"/>
+                      </a:endParaRPr>
+                    </a:p>
+                    <a:p>
+                      <a:pPr marL="0" indent="0" latinLnBrk="1">
+                        <a:buNone/>
+                      </a:pPr>
+                      <a:endParaRPr lang="en-US" altLang="ko-KR" sz="1200" b="1" dirty="0" smtClean="0">
+                        <a:latin typeface="나눔명조" panose="02020603020101020101" pitchFamily="18" charset="-127"/>
+                        <a:ea typeface="나눔명조" panose="02020603020101020101" pitchFamily="18" charset="-127"/>
+                      </a:endParaRPr>
+                    </a:p>
+                    <a:p>
+                      <a:pPr marL="0" indent="0" latinLnBrk="1">
+                        <a:buNone/>
+                      </a:pPr>
+                      <a:r>
+                        <a:rPr lang="ko-KR" altLang="en-US" sz="1200" b="1" dirty="0" smtClean="0">
+                          <a:latin typeface="나눔명조" panose="02020603020101020101" pitchFamily="18" charset="-127"/>
+                          <a:ea typeface="나눔명조" panose="02020603020101020101" pitchFamily="18" charset="-127"/>
+                        </a:rPr>
+                        <a:t>게임 산업은 경기 불황과 관계 없이 지속적으로 성장하는 경향이 있음</a:t>
+                      </a:r>
+                      <a:r>
+                        <a:rPr lang="en-US" altLang="ko-KR" sz="1200" b="1" dirty="0" smtClean="0">
+                          <a:latin typeface="나눔명조" panose="02020603020101020101" pitchFamily="18" charset="-127"/>
+                          <a:ea typeface="나눔명조" panose="02020603020101020101" pitchFamily="18" charset="-127"/>
+                        </a:rPr>
+                        <a:t>. </a:t>
+                      </a:r>
+                      <a:r>
+                        <a:rPr lang="ko-KR" altLang="en-US" sz="1200" b="1" baseline="0" dirty="0" smtClean="0">
+                          <a:latin typeface="나눔명조" panose="02020603020101020101" pitchFamily="18" charset="-127"/>
+                          <a:ea typeface="나눔명조" panose="02020603020101020101" pitchFamily="18" charset="-127"/>
+                        </a:rPr>
+                        <a:t>실례로서 </a:t>
+                      </a:r>
+                      <a:r>
+                        <a:rPr lang="en-US" altLang="ko-KR" sz="1200" b="1" baseline="0" dirty="0" smtClean="0">
+                          <a:latin typeface="나눔명조" panose="02020603020101020101" pitchFamily="18" charset="-127"/>
+                          <a:ea typeface="나눔명조" panose="02020603020101020101" pitchFamily="18" charset="-127"/>
+                        </a:rPr>
+                        <a:t>2008</a:t>
+                      </a:r>
+                      <a:r>
+                        <a:rPr lang="ko-KR" altLang="en-US" sz="1200" b="1" baseline="0" dirty="0" smtClean="0">
+                          <a:latin typeface="나눔명조" panose="02020603020101020101" pitchFamily="18" charset="-127"/>
+                          <a:ea typeface="나눔명조" panose="02020603020101020101" pitchFamily="18" charset="-127"/>
+                        </a:rPr>
+                        <a:t>년 금융 위기 당시에도 게임 시장은 고도 성장을 유지한 바 있음</a:t>
+                      </a:r>
+                      <a:r>
+                        <a:rPr lang="en-US" altLang="ko-KR" sz="1200" b="1" baseline="0" dirty="0" smtClean="0">
+                          <a:latin typeface="나눔명조" panose="02020603020101020101" pitchFamily="18" charset="-127"/>
+                          <a:ea typeface="나눔명조" panose="02020603020101020101" pitchFamily="18" charset="-127"/>
+                        </a:rPr>
+                        <a:t>.</a:t>
+                      </a:r>
+                    </a:p>
+                  </a:txBody>
+                  <a:tcPr>
+                    <a:lnL w="3175" cap="flat" cmpd="sng" algn="ctr">
+                      <a:solidFill>
+                        <a:schemeClr val="tx1"/>
+                      </a:solidFill>
+                      <a:prstDash val="solid"/>
+                      <a:round/>
+                      <a:headEnd type="none" w="med" len="med"/>
+                      <a:tailEnd type="none" w="med" len="med"/>
+                    </a:lnL>
+                    <a:lnR w="3175" cap="flat" cmpd="sng" algn="ctr">
+                      <a:solidFill>
+                        <a:schemeClr val="tx1"/>
+                      </a:solidFill>
+                      <a:prstDash val="solid"/>
+                      <a:round/>
+                      <a:headEnd type="none" w="med" len="med"/>
+                      <a:tailEnd type="none" w="med" len="med"/>
+                    </a:lnR>
+                    <a:lnT w="3175" cap="flat" cmpd="sng" algn="ctr">
+                      <a:solidFill>
+                        <a:schemeClr val="tx1"/>
+                      </a:solidFill>
+                      <a:prstDash val="solid"/>
+                      <a:round/>
+                      <a:headEnd type="none" w="med" len="med"/>
+                      <a:tailEnd type="none" w="med" len="med"/>
+                    </a:lnT>
+                    <a:lnB w="3175" cap="flat" cmpd="sng" algn="ctr">
+                      <a:solidFill>
+                        <a:schemeClr val="tx1"/>
+                      </a:solidFill>
+                      <a:prstDash val="solid"/>
+                      <a:round/>
+                      <a:headEnd type="none" w="med" len="med"/>
+                      <a:tailEnd type="none" w="med" len="med"/>
+                    </a:lnB>
+                  </a:tcPr>
+                </a:tc>
+              </a:tr>
+              <a:tr h="1514976">
+                <a:tc>
+                  <a:txBody>
+                    <a:bodyPr/>
+                    <a:lstStyle/>
+                    <a:p>
+                      <a:pPr latinLnBrk="1"/>
+                      <a:endParaRPr lang="en-US" altLang="ko-KR" sz="1200" b="1" dirty="0" smtClean="0">
+                        <a:latin typeface="나눔명조" panose="02020603020101020101" pitchFamily="18" charset="-127"/>
+                        <a:ea typeface="나눔명조" panose="02020603020101020101" pitchFamily="18" charset="-127"/>
+                      </a:endParaRPr>
+                    </a:p>
+                    <a:p>
+                      <a:pPr marL="0" indent="0" latinLnBrk="1">
+                        <a:buNone/>
+                      </a:pPr>
+                      <a:endParaRPr lang="en-US" altLang="ko-KR" sz="1200" b="1" dirty="0" smtClean="0">
+                        <a:latin typeface="나눔명조" panose="02020603020101020101" pitchFamily="18" charset="-127"/>
+                        <a:ea typeface="나눔명조" panose="02020603020101020101" pitchFamily="18" charset="-127"/>
+                      </a:endParaRPr>
+                    </a:p>
+                    <a:p>
+                      <a:pPr marL="0" indent="0" latinLnBrk="1">
+                        <a:buNone/>
+                      </a:pPr>
+                      <a:endParaRPr lang="en-US" altLang="ko-KR" sz="1200" b="1" dirty="0" smtClean="0">
+                        <a:latin typeface="나눔명조" panose="02020603020101020101" pitchFamily="18" charset="-127"/>
+                        <a:ea typeface="나눔명조" panose="02020603020101020101" pitchFamily="18" charset="-127"/>
+                      </a:endParaRPr>
+                    </a:p>
+                    <a:p>
+                      <a:pPr marL="0" indent="0" latinLnBrk="1">
+                        <a:buNone/>
+                      </a:pPr>
+                      <a:r>
+                        <a:rPr lang="ko-KR" altLang="en-US" sz="1200" b="1" dirty="0" smtClean="0">
+                          <a:latin typeface="나눔명조" panose="02020603020101020101" pitchFamily="18" charset="-127"/>
+                          <a:ea typeface="나눔명조" panose="02020603020101020101" pitchFamily="18" charset="-127"/>
+                        </a:rPr>
+                        <a:t>게임이 새로운 여가 활동으로 급 부상하고 있으며</a:t>
+                      </a:r>
+                      <a:r>
+                        <a:rPr lang="en-US" altLang="ko-KR" sz="1200" b="1" dirty="0" smtClean="0">
+                          <a:latin typeface="나눔명조" panose="02020603020101020101" pitchFamily="18" charset="-127"/>
+                          <a:ea typeface="나눔명조" panose="02020603020101020101" pitchFamily="18" charset="-127"/>
+                        </a:rPr>
+                        <a:t>, </a:t>
+                      </a:r>
+                      <a:r>
+                        <a:rPr lang="ko-KR" altLang="en-US" sz="1200" b="1" dirty="0" smtClean="0">
+                          <a:latin typeface="나눔명조" panose="02020603020101020101" pitchFamily="18" charset="-127"/>
+                          <a:ea typeface="나눔명조" panose="02020603020101020101" pitchFamily="18" charset="-127"/>
+                        </a:rPr>
+                        <a:t>점점 그 연령층과 대상이 확대되고 있음</a:t>
+                      </a:r>
+                      <a:r>
+                        <a:rPr lang="en-US" altLang="ko-KR" sz="1200" b="1" dirty="0" smtClean="0">
+                          <a:latin typeface="나눔명조" panose="02020603020101020101" pitchFamily="18" charset="-127"/>
+                          <a:ea typeface="나눔명조" panose="02020603020101020101" pitchFamily="18" charset="-127"/>
+                        </a:rPr>
+                        <a:t>.</a:t>
+                      </a:r>
+                    </a:p>
+                    <a:p>
+                      <a:pPr marL="0" indent="0" latinLnBrk="1">
+                        <a:buNone/>
+                      </a:pPr>
+                      <a:r>
+                        <a:rPr lang="ko-KR" altLang="en-US" sz="1200" b="1" dirty="0" smtClean="0">
+                          <a:latin typeface="나눔명조" panose="02020603020101020101" pitchFamily="18" charset="-127"/>
+                          <a:ea typeface="나눔명조" panose="02020603020101020101" pitchFamily="18" charset="-127"/>
+                        </a:rPr>
+                        <a:t>따라서 게임</a:t>
+                      </a:r>
+                      <a:r>
+                        <a:rPr lang="ko-KR" altLang="en-US" sz="1200" b="1" baseline="0" dirty="0" smtClean="0">
+                          <a:latin typeface="나눔명조" panose="02020603020101020101" pitchFamily="18" charset="-127"/>
+                          <a:ea typeface="나눔명조" panose="02020603020101020101" pitchFamily="18" charset="-127"/>
+                        </a:rPr>
+                        <a:t> 산업의 수요와 규모는 꾸준히 상승하고 있음</a:t>
+                      </a:r>
+                      <a:r>
+                        <a:rPr lang="en-US" altLang="ko-KR" sz="1200" b="1" baseline="0" dirty="0" smtClean="0">
+                          <a:latin typeface="나눔명조" panose="02020603020101020101" pitchFamily="18" charset="-127"/>
+                          <a:ea typeface="나눔명조" panose="02020603020101020101" pitchFamily="18" charset="-127"/>
+                        </a:rPr>
+                        <a:t>.</a:t>
+                      </a:r>
+                      <a:endParaRPr lang="en-US" altLang="ko-KR" sz="1200" b="1" dirty="0" smtClean="0">
+                        <a:latin typeface="나눔명조" panose="02020603020101020101" pitchFamily="18" charset="-127"/>
+                        <a:ea typeface="나눔명조" panose="02020603020101020101" pitchFamily="18" charset="-127"/>
+                      </a:endParaRPr>
+                    </a:p>
+                  </a:txBody>
+                  <a:tcPr>
+                    <a:lnL w="3175" cap="flat" cmpd="sng" algn="ctr">
+                      <a:solidFill>
+                        <a:schemeClr val="tx1"/>
+                      </a:solidFill>
+                      <a:prstDash val="solid"/>
+                      <a:round/>
+                      <a:headEnd type="none" w="med" len="med"/>
+                      <a:tailEnd type="none" w="med" len="med"/>
+                    </a:lnL>
+                    <a:lnR w="3175" cap="flat" cmpd="sng" algn="ctr">
+                      <a:solidFill>
+                        <a:schemeClr val="tx1"/>
+                      </a:solidFill>
+                      <a:prstDash val="solid"/>
+                      <a:round/>
+                      <a:headEnd type="none" w="med" len="med"/>
+                      <a:tailEnd type="none" w="med" len="med"/>
+                    </a:lnR>
+                    <a:lnT w="3175" cap="flat" cmpd="sng" algn="ctr">
+                      <a:solidFill>
+                        <a:schemeClr val="tx1"/>
+                      </a:solidFill>
+                      <a:prstDash val="solid"/>
+                      <a:round/>
+                      <a:headEnd type="none" w="med" len="med"/>
+                      <a:tailEnd type="none" w="med" len="med"/>
+                    </a:lnT>
+                    <a:lnB w="3175" cap="flat" cmpd="sng" algn="ctr">
+                      <a:solidFill>
+                        <a:schemeClr val="tx1"/>
+                      </a:solidFill>
+                      <a:prstDash val="solid"/>
+                      <a:round/>
+                      <a:headEnd type="none" w="med" len="med"/>
+                      <a:tailEnd type="none" w="med" len="med"/>
+                    </a:lnB>
+                  </a:tcPr>
+                </a:tc>
+                <a:tc>
+                  <a:txBody>
+                    <a:bodyPr/>
+                    <a:lstStyle/>
+                    <a:p>
+                      <a:pPr latinLnBrk="1"/>
+                      <a:endParaRPr lang="en-US" altLang="ko-KR" sz="1200" b="1" dirty="0" smtClean="0">
+                        <a:latin typeface="나눔명조" panose="02020603020101020101" pitchFamily="18" charset="-127"/>
+                        <a:ea typeface="나눔명조" panose="02020603020101020101" pitchFamily="18" charset="-127"/>
+                      </a:endParaRPr>
+                    </a:p>
+                    <a:p>
+                      <a:pPr latinLnBrk="1"/>
+                      <a:endParaRPr lang="en-US" altLang="ko-KR" sz="1200" b="1" dirty="0" smtClean="0">
+                        <a:latin typeface="나눔명조" panose="02020603020101020101" pitchFamily="18" charset="-127"/>
+                        <a:ea typeface="나눔명조" panose="02020603020101020101" pitchFamily="18" charset="-127"/>
+                      </a:endParaRPr>
+                    </a:p>
+                    <a:p>
+                      <a:pPr latinLnBrk="1"/>
+                      <a:endParaRPr lang="en-US" altLang="ko-KR" sz="1200" b="1" dirty="0" smtClean="0">
+                        <a:latin typeface="나눔명조" panose="02020603020101020101" pitchFamily="18" charset="-127"/>
+                        <a:ea typeface="나눔명조" panose="02020603020101020101" pitchFamily="18" charset="-127"/>
+                      </a:endParaRPr>
+                    </a:p>
+                    <a:p>
+                      <a:pPr latinLnBrk="1"/>
+                      <a:r>
+                        <a:rPr lang="ko-KR" altLang="en-US" sz="1200" b="1" dirty="0" err="1" smtClean="0">
+                          <a:latin typeface="나눔명조" panose="02020603020101020101" pitchFamily="18" charset="-127"/>
+                          <a:ea typeface="나눔명조" panose="02020603020101020101" pitchFamily="18" charset="-127"/>
+                        </a:rPr>
+                        <a:t>엔씨소프트는</a:t>
+                      </a:r>
+                      <a:r>
+                        <a:rPr lang="ko-KR" altLang="en-US" sz="1200" b="1" dirty="0" smtClean="0">
+                          <a:latin typeface="나눔명조" panose="02020603020101020101" pitchFamily="18" charset="-127"/>
+                          <a:ea typeface="나눔명조" panose="02020603020101020101" pitchFamily="18" charset="-127"/>
+                        </a:rPr>
+                        <a:t> </a:t>
+                      </a:r>
+                      <a:r>
+                        <a:rPr lang="en-US" altLang="ko-KR" sz="1200" b="1" dirty="0" smtClean="0">
+                          <a:latin typeface="나눔명조" panose="02020603020101020101" pitchFamily="18" charset="-127"/>
+                          <a:ea typeface="나눔명조" panose="02020603020101020101" pitchFamily="18" charset="-127"/>
+                        </a:rPr>
+                        <a:t>R&amp;D</a:t>
+                      </a:r>
+                      <a:r>
+                        <a:rPr lang="ko-KR" altLang="en-US" sz="1200" b="1" dirty="0" smtClean="0">
+                          <a:latin typeface="나눔명조" panose="02020603020101020101" pitchFamily="18" charset="-127"/>
+                          <a:ea typeface="나눔명조" panose="02020603020101020101" pitchFamily="18" charset="-127"/>
+                        </a:rPr>
+                        <a:t>에 관한 투자를 아끼고 있지 않으며</a:t>
+                      </a:r>
+                      <a:r>
+                        <a:rPr lang="en-US" altLang="ko-KR" sz="1200" b="1" dirty="0" smtClean="0">
+                          <a:latin typeface="나눔명조" panose="02020603020101020101" pitchFamily="18" charset="-127"/>
+                          <a:ea typeface="나눔명조" panose="02020603020101020101" pitchFamily="18" charset="-127"/>
+                        </a:rPr>
+                        <a:t>,</a:t>
+                      </a:r>
+                      <a:r>
+                        <a:rPr lang="ko-KR" altLang="en-US" sz="1200" b="1" baseline="0" dirty="0" smtClean="0">
+                          <a:latin typeface="나눔명조" panose="02020603020101020101" pitchFamily="18" charset="-127"/>
+                          <a:ea typeface="나눔명조" panose="02020603020101020101" pitchFamily="18" charset="-127"/>
+                        </a:rPr>
+                        <a:t> 최근에는 </a:t>
+                      </a:r>
+                      <a:r>
+                        <a:rPr lang="en-US" altLang="ko-KR" sz="1200" b="1" baseline="0" dirty="0" smtClean="0">
+                          <a:latin typeface="나눔명조" panose="02020603020101020101" pitchFamily="18" charset="-127"/>
+                          <a:ea typeface="나눔명조" panose="02020603020101020101" pitchFamily="18" charset="-127"/>
+                        </a:rPr>
+                        <a:t>AI Task Force</a:t>
+                      </a:r>
+                      <a:r>
+                        <a:rPr lang="ko-KR" altLang="en-US" sz="1200" b="1" baseline="0" dirty="0" smtClean="0">
+                          <a:latin typeface="나눔명조" panose="02020603020101020101" pitchFamily="18" charset="-127"/>
+                          <a:ea typeface="나눔명조" panose="02020603020101020101" pitchFamily="18" charset="-127"/>
+                        </a:rPr>
+                        <a:t>를 꾸려 기술 경쟁력을 확보해 나가고 있다</a:t>
+                      </a:r>
+                      <a:r>
+                        <a:rPr lang="en-US" altLang="ko-KR" sz="1200" b="1" baseline="0" dirty="0" smtClean="0">
+                          <a:latin typeface="나눔명조" panose="02020603020101020101" pitchFamily="18" charset="-127"/>
+                          <a:ea typeface="나눔명조" panose="02020603020101020101" pitchFamily="18" charset="-127"/>
+                        </a:rPr>
+                        <a:t>.</a:t>
+                      </a:r>
+                      <a:endParaRPr lang="en-US" altLang="ko-KR" sz="1200" b="1" dirty="0" smtClean="0">
+                        <a:latin typeface="나눔명조" panose="02020603020101020101" pitchFamily="18" charset="-127"/>
+                        <a:ea typeface="나눔명조" panose="02020603020101020101" pitchFamily="18" charset="-127"/>
+                      </a:endParaRPr>
+                    </a:p>
+                  </a:txBody>
+                  <a:tcPr>
+                    <a:lnL w="3175" cap="flat" cmpd="sng" algn="ctr">
+                      <a:solidFill>
+                        <a:schemeClr val="tx1"/>
+                      </a:solidFill>
+                      <a:prstDash val="solid"/>
+                      <a:round/>
+                      <a:headEnd type="none" w="med" len="med"/>
+                      <a:tailEnd type="none" w="med" len="med"/>
+                    </a:lnL>
+                    <a:lnR w="3175" cap="flat" cmpd="sng" algn="ctr">
+                      <a:solidFill>
+                        <a:schemeClr val="tx1"/>
+                      </a:solidFill>
+                      <a:prstDash val="solid"/>
+                      <a:round/>
+                      <a:headEnd type="none" w="med" len="med"/>
+                      <a:tailEnd type="none" w="med" len="med"/>
+                    </a:lnR>
+                    <a:lnT w="3175" cap="flat" cmpd="sng" algn="ctr">
+                      <a:solidFill>
+                        <a:schemeClr val="tx1"/>
+                      </a:solidFill>
+                      <a:prstDash val="solid"/>
+                      <a:round/>
+                      <a:headEnd type="none" w="med" len="med"/>
+                      <a:tailEnd type="none" w="med" len="med"/>
+                    </a:lnT>
+                    <a:lnB w="3175" cap="flat" cmpd="sng" algn="ctr">
+                      <a:solidFill>
+                        <a:schemeClr val="tx1"/>
+                      </a:solidFill>
+                      <a:prstDash val="solid"/>
+                      <a:round/>
+                      <a:headEnd type="none" w="med" len="med"/>
+                      <a:tailEnd type="none" w="med" len="med"/>
+                    </a:lnB>
+                  </a:tcPr>
+                </a:tc>
+              </a:tr>
+            </a:tbl>
+          </a:graphicData>
+        </a:graphic>
+      </p:graphicFrame>
+      <p:sp>
+        <p:nvSpPr>
+          <p:cNvPr id="4" name="TextBox 3"/>
+          <p:cNvSpPr txBox="1"/>
+          <p:nvPr/>
+        </p:nvSpPr>
+        <p:spPr>
+          <a:xfrm>
+            <a:off x="35494" y="43668"/>
+            <a:ext cx="2232249" cy="492443"/>
+          </a:xfrm>
+          <a:prstGeom prst="rect">
+            <a:avLst/>
+          </a:prstGeom>
+          <a:noFill/>
+        </p:spPr>
+        <p:txBody>
+          <a:bodyPr wrap="square" rtlCol="0">
+            <a:spAutoFit/>
+          </a:bodyPr>
+          <a:lstStyle/>
+          <a:p>
+            <a:r>
+              <a:rPr lang="en-US" altLang="ko-KR" sz="2600" b="1" dirty="0" err="1" smtClean="0">
+                <a:solidFill>
+                  <a:srgbClr val="0000FF"/>
+                </a:solidFill>
+                <a:latin typeface="나눔명조" panose="02020603020101020101" pitchFamily="18" charset="-127"/>
+                <a:ea typeface="나눔명조" panose="02020603020101020101" pitchFamily="18" charset="-127"/>
+              </a:rPr>
+              <a:t>Politicals</a:t>
+            </a:r>
+            <a:endParaRPr lang="ko-KR" altLang="en-US" sz="2600" b="1" dirty="0">
+              <a:solidFill>
+                <a:srgbClr val="0000FF"/>
+              </a:solidFill>
+              <a:latin typeface="나눔명조" panose="02020603020101020101" pitchFamily="18" charset="-127"/>
+              <a:ea typeface="나눔명조" panose="02020603020101020101" pitchFamily="18" charset="-127"/>
+            </a:endParaRPr>
+          </a:p>
+        </p:txBody>
+      </p:sp>
+      <p:sp>
+        <p:nvSpPr>
+          <p:cNvPr id="5" name="TextBox 4"/>
+          <p:cNvSpPr txBox="1"/>
+          <p:nvPr/>
+        </p:nvSpPr>
+        <p:spPr>
+          <a:xfrm>
+            <a:off x="3203846" y="43668"/>
+            <a:ext cx="1800201" cy="492443"/>
+          </a:xfrm>
+          <a:prstGeom prst="rect">
+            <a:avLst/>
+          </a:prstGeom>
+          <a:noFill/>
+        </p:spPr>
+        <p:txBody>
+          <a:bodyPr wrap="square" rtlCol="0">
+            <a:spAutoFit/>
+          </a:bodyPr>
+          <a:lstStyle/>
+          <a:p>
+            <a:r>
+              <a:rPr lang="en-US" altLang="ko-KR" sz="2600" b="1" dirty="0" smtClean="0">
+                <a:solidFill>
+                  <a:srgbClr val="0000FF"/>
+                </a:solidFill>
+                <a:latin typeface="나눔명조" panose="02020603020101020101" pitchFamily="18" charset="-127"/>
+                <a:ea typeface="나눔명조" panose="02020603020101020101" pitchFamily="18" charset="-127"/>
+              </a:rPr>
+              <a:t>Economics</a:t>
+            </a:r>
+            <a:endParaRPr lang="ko-KR" altLang="en-US" sz="2600" b="1" dirty="0">
+              <a:solidFill>
+                <a:srgbClr val="0000FF"/>
+              </a:solidFill>
+              <a:latin typeface="나눔명조" panose="02020603020101020101" pitchFamily="18" charset="-127"/>
+              <a:ea typeface="나눔명조" panose="02020603020101020101" pitchFamily="18" charset="-127"/>
+            </a:endParaRPr>
+          </a:p>
+        </p:txBody>
+      </p:sp>
+      <p:sp>
+        <p:nvSpPr>
+          <p:cNvPr id="6" name="TextBox 5"/>
+          <p:cNvSpPr txBox="1"/>
+          <p:nvPr/>
+        </p:nvSpPr>
+        <p:spPr>
+          <a:xfrm>
+            <a:off x="35494" y="1567449"/>
+            <a:ext cx="1728193" cy="492443"/>
+          </a:xfrm>
+          <a:prstGeom prst="rect">
+            <a:avLst/>
+          </a:prstGeom>
+          <a:noFill/>
+        </p:spPr>
+        <p:txBody>
+          <a:bodyPr wrap="square" rtlCol="0">
+            <a:spAutoFit/>
+          </a:bodyPr>
+          <a:lstStyle/>
+          <a:p>
+            <a:r>
+              <a:rPr lang="en-US" altLang="ko-KR" sz="2600" b="1" dirty="0" smtClean="0">
+                <a:solidFill>
+                  <a:srgbClr val="0000FF"/>
+                </a:solidFill>
+                <a:latin typeface="나눔명조" panose="02020603020101020101" pitchFamily="18" charset="-127"/>
+                <a:ea typeface="나눔명조" panose="02020603020101020101" pitchFamily="18" charset="-127"/>
+              </a:rPr>
+              <a:t>Society</a:t>
+            </a:r>
+            <a:endParaRPr lang="ko-KR" altLang="en-US" sz="2600" b="1" dirty="0">
+              <a:solidFill>
+                <a:srgbClr val="0000FF"/>
+              </a:solidFill>
+              <a:latin typeface="나눔명조" panose="02020603020101020101" pitchFamily="18" charset="-127"/>
+              <a:ea typeface="나눔명조" panose="02020603020101020101" pitchFamily="18" charset="-127"/>
+            </a:endParaRPr>
+          </a:p>
+        </p:txBody>
+      </p:sp>
+      <p:sp>
+        <p:nvSpPr>
+          <p:cNvPr id="7" name="TextBox 6"/>
+          <p:cNvSpPr txBox="1"/>
+          <p:nvPr/>
+        </p:nvSpPr>
+        <p:spPr>
+          <a:xfrm>
+            <a:off x="3203846" y="1567449"/>
+            <a:ext cx="3024337" cy="492443"/>
+          </a:xfrm>
+          <a:prstGeom prst="rect">
+            <a:avLst/>
+          </a:prstGeom>
+          <a:noFill/>
+        </p:spPr>
+        <p:txBody>
+          <a:bodyPr wrap="square" rtlCol="0">
+            <a:spAutoFit/>
+          </a:bodyPr>
+          <a:lstStyle/>
+          <a:p>
+            <a:r>
+              <a:rPr lang="en-US" altLang="ko-KR" sz="2600" b="1" dirty="0" smtClean="0">
+                <a:solidFill>
+                  <a:srgbClr val="0000FF"/>
+                </a:solidFill>
+                <a:latin typeface="나눔명조" panose="02020603020101020101" pitchFamily="18" charset="-127"/>
+                <a:ea typeface="나눔명조" panose="02020603020101020101" pitchFamily="18" charset="-127"/>
+              </a:rPr>
+              <a:t>Technology</a:t>
+            </a:r>
+            <a:endParaRPr lang="ko-KR" altLang="en-US" sz="2600" b="1" dirty="0">
+              <a:solidFill>
+                <a:srgbClr val="0000FF"/>
+              </a:solidFill>
+              <a:latin typeface="나눔명조" panose="02020603020101020101" pitchFamily="18" charset="-127"/>
+              <a:ea typeface="나눔명조" panose="02020603020101020101" pitchFamily="18" charset="-127"/>
+            </a:endParaRPr>
+          </a:p>
+        </p:txBody>
+      </p:sp>
+      <p:graphicFrame>
+        <p:nvGraphicFramePr>
+          <p:cNvPr id="8" name="표 7"/>
+          <p:cNvGraphicFramePr>
+            <a:graphicFrameLocks noGrp="1"/>
+          </p:cNvGraphicFramePr>
+          <p:nvPr>
+            <p:extLst>
+              <p:ext uri="{D42A27DB-BD31-4B8C-83A1-F6EECF244321}">
+                <p14:modId xmlns:p14="http://schemas.microsoft.com/office/powerpoint/2010/main" val="481250638"/>
+              </p:ext>
+            </p:extLst>
+          </p:nvPr>
+        </p:nvGraphicFramePr>
+        <p:xfrm>
+          <a:off x="35494" y="3140968"/>
+          <a:ext cx="6260524" cy="2664296"/>
+        </p:xfrm>
+        <a:graphic>
+          <a:graphicData uri="http://schemas.openxmlformats.org/drawingml/2006/table">
+            <a:tbl>
+              <a:tblPr firstRow="1" bandRow="1">
+                <a:tableStyleId>{2D5ABB26-0587-4C30-8999-92F81FD0307C}</a:tableStyleId>
+              </a:tblPr>
+              <a:tblGrid>
+                <a:gridCol w="1363980"/>
+                <a:gridCol w="4896544"/>
+              </a:tblGrid>
+              <a:tr h="648072">
+                <a:tc>
+                  <a:txBody>
+                    <a:bodyPr/>
+                    <a:lstStyle/>
+                    <a:p>
+                      <a:pPr algn="l" latinLnBrk="1"/>
+                      <a:r>
+                        <a:rPr lang="en-US" altLang="ko-KR" sz="3600" dirty="0" smtClean="0">
+                          <a:solidFill>
+                            <a:srgbClr val="FF3300"/>
+                          </a:solidFill>
+                          <a:latin typeface="나눔명조" panose="02020603020101020101" pitchFamily="18" charset="-127"/>
+                          <a:ea typeface="나눔명조" panose="02020603020101020101" pitchFamily="18" charset="-127"/>
+                        </a:rPr>
+                        <a:t>S</a:t>
+                      </a:r>
+                      <a:r>
+                        <a:rPr lang="en-US" altLang="ko-KR" sz="1200" dirty="0" smtClean="0">
+                          <a:latin typeface="나눔명조" panose="02020603020101020101" pitchFamily="18" charset="-127"/>
+                          <a:ea typeface="나눔명조" panose="02020603020101020101" pitchFamily="18" charset="-127"/>
+                        </a:rPr>
+                        <a:t>egmentation</a:t>
+                      </a:r>
+                      <a:endParaRPr lang="ko-KR" altLang="en-US" sz="3600" dirty="0">
+                        <a:latin typeface="나눔명조" panose="02020603020101020101" pitchFamily="18" charset="-127"/>
+                        <a:ea typeface="나눔명조" panose="02020603020101020101" pitchFamily="18" charset="-127"/>
+                      </a:endParaRPr>
+                    </a:p>
+                  </a:txBody>
+                  <a:tcPr anchor="ctr">
+                    <a:lnL w="12700" cap="flat" cmpd="sng" algn="ctr">
+                      <a:solidFill>
+                        <a:schemeClr val="tx1"/>
+                      </a:solidFill>
+                      <a:prstDash val="solid"/>
+                      <a:round/>
+                      <a:headEnd type="none" w="med" len="med"/>
+                      <a:tailEnd type="none" w="med" len="med"/>
+                    </a:lnL>
+                    <a:lnR w="12700" cap="flat" cmpd="sng" algn="ctr">
+                      <a:solidFill>
+                        <a:schemeClr val="tx1"/>
+                      </a:solidFill>
+                      <a:prstDash val="solid"/>
+                      <a:round/>
+                      <a:headEnd type="none" w="med" len="med"/>
+                      <a:tailEnd type="none" w="med" len="med"/>
+                    </a:lnR>
+                    <a:lnT w="12700" cap="flat" cmpd="sng" algn="ctr">
+                      <a:solidFill>
+                        <a:schemeClr val="tx1"/>
+                      </a:solidFill>
+                      <a:prstDash val="solid"/>
+                      <a:round/>
+                      <a:headEnd type="none" w="med" len="med"/>
+                      <a:tailEnd type="none" w="med" len="med"/>
+                    </a:lnT>
+                    <a:lnB w="12700" cap="flat" cmpd="sng" algn="ctr">
+                      <a:solidFill>
+                        <a:schemeClr val="tx1"/>
+                      </a:solidFill>
+                      <a:prstDash val="solid"/>
+                      <a:round/>
+                      <a:headEnd type="none" w="med" len="med"/>
+                      <a:tailEnd type="none" w="med" len="med"/>
+                    </a:lnB>
+                  </a:tcPr>
+                </a:tc>
+                <a:tc>
+                  <a:txBody>
+                    <a:bodyPr/>
+                    <a:lstStyle/>
+                    <a:p>
+                      <a:pPr latinLnBrk="1"/>
+                      <a:endParaRPr lang="ko-KR" altLang="en-US" sz="1400" dirty="0">
+                        <a:latin typeface="나눔명조" panose="02020603020101020101" pitchFamily="18" charset="-127"/>
+                        <a:ea typeface="나눔명조" panose="02020603020101020101" pitchFamily="18" charset="-127"/>
+                      </a:endParaRPr>
+                    </a:p>
+                  </a:txBody>
+                  <a:tcPr>
+                    <a:lnL w="12700" cap="flat" cmpd="sng" algn="ctr">
+                      <a:solidFill>
+                        <a:schemeClr val="tx1"/>
+                      </a:solidFill>
+                      <a:prstDash val="solid"/>
+                      <a:round/>
+                      <a:headEnd type="none" w="med" len="med"/>
+                      <a:tailEnd type="none" w="med" len="med"/>
+                    </a:lnL>
+                    <a:lnR w="12700" cap="flat" cmpd="sng" algn="ctr">
+                      <a:solidFill>
+                        <a:schemeClr val="tx1"/>
+                      </a:solidFill>
+                      <a:prstDash val="solid"/>
+                      <a:round/>
+                      <a:headEnd type="none" w="med" len="med"/>
+                      <a:tailEnd type="none" w="med" len="med"/>
+                    </a:lnR>
+                    <a:lnT w="12700" cap="flat" cmpd="sng" algn="ctr">
+                      <a:solidFill>
+                        <a:schemeClr val="tx1"/>
+                      </a:solidFill>
+                      <a:prstDash val="solid"/>
+                      <a:round/>
+                      <a:headEnd type="none" w="med" len="med"/>
+                      <a:tailEnd type="none" w="med" len="med"/>
+                    </a:lnT>
+                    <a:lnB w="12700" cap="flat" cmpd="sng" algn="ctr">
+                      <a:solidFill>
+                        <a:schemeClr val="tx1"/>
+                      </a:solidFill>
+                      <a:prstDash val="solid"/>
+                      <a:round/>
+                      <a:headEnd type="none" w="med" len="med"/>
+                      <a:tailEnd type="none" w="med" len="med"/>
+                    </a:lnB>
+                  </a:tcPr>
+                </a:tc>
+              </a:tr>
+              <a:tr h="648072">
+                <a:tc>
+                  <a:txBody>
+                    <a:bodyPr/>
+                    <a:lstStyle/>
+                    <a:p>
+                      <a:pPr algn="l" latinLnBrk="1"/>
+                      <a:r>
+                        <a:rPr lang="en-US" altLang="ko-KR" sz="3600" dirty="0" smtClean="0">
+                          <a:solidFill>
+                            <a:srgbClr val="FF3300"/>
+                          </a:solidFill>
+                          <a:latin typeface="나눔명조" panose="02020603020101020101" pitchFamily="18" charset="-127"/>
+                          <a:ea typeface="나눔명조" panose="02020603020101020101" pitchFamily="18" charset="-127"/>
+                        </a:rPr>
+                        <a:t>T</a:t>
+                      </a:r>
+                      <a:r>
+                        <a:rPr lang="en-US" altLang="ko-KR" sz="1200" dirty="0" smtClean="0">
+                          <a:latin typeface="나눔명조" panose="02020603020101020101" pitchFamily="18" charset="-127"/>
+                          <a:ea typeface="나눔명조" panose="02020603020101020101" pitchFamily="18" charset="-127"/>
+                        </a:rPr>
+                        <a:t>argeting</a:t>
+                      </a:r>
+                      <a:endParaRPr lang="ko-KR" altLang="en-US" sz="3600" dirty="0">
+                        <a:latin typeface="나눔명조" panose="02020603020101020101" pitchFamily="18" charset="-127"/>
+                        <a:ea typeface="나눔명조" panose="02020603020101020101" pitchFamily="18" charset="-127"/>
+                      </a:endParaRPr>
+                    </a:p>
+                  </a:txBody>
+                  <a:tcPr anchor="ctr">
+                    <a:lnL w="12700" cap="flat" cmpd="sng" algn="ctr">
+                      <a:solidFill>
+                        <a:schemeClr val="tx1"/>
+                      </a:solidFill>
+                      <a:prstDash val="solid"/>
+                      <a:round/>
+                      <a:headEnd type="none" w="med" len="med"/>
+                      <a:tailEnd type="none" w="med" len="med"/>
+                    </a:lnL>
+                    <a:lnR w="12700" cap="flat" cmpd="sng" algn="ctr">
+                      <a:solidFill>
+                        <a:schemeClr val="tx1"/>
+                      </a:solidFill>
+                      <a:prstDash val="solid"/>
+                      <a:round/>
+                      <a:headEnd type="none" w="med" len="med"/>
+                      <a:tailEnd type="none" w="med" len="med"/>
+                    </a:lnR>
+                    <a:lnT w="12700" cap="flat" cmpd="sng" algn="ctr">
+                      <a:solidFill>
+                        <a:schemeClr val="tx1"/>
+                      </a:solidFill>
+                      <a:prstDash val="solid"/>
+                      <a:round/>
+                      <a:headEnd type="none" w="med" len="med"/>
+                      <a:tailEnd type="none" w="med" len="med"/>
+                    </a:lnT>
+                    <a:lnB w="12700" cap="flat" cmpd="sng" algn="ctr">
+                      <a:solidFill>
+                        <a:schemeClr val="tx1"/>
+                      </a:solidFill>
+                      <a:prstDash val="solid"/>
+                      <a:round/>
+                      <a:headEnd type="none" w="med" len="med"/>
+                      <a:tailEnd type="none" w="med" len="med"/>
+                    </a:lnB>
+                  </a:tcPr>
+                </a:tc>
+                <a:tc>
+                  <a:txBody>
+                    <a:bodyPr/>
+                    <a:lstStyle/>
+                    <a:p>
+                      <a:pPr latinLnBrk="1"/>
+                      <a:endParaRPr lang="ko-KR" altLang="en-US" sz="1400" dirty="0">
+                        <a:latin typeface="나눔명조" panose="02020603020101020101" pitchFamily="18" charset="-127"/>
+                        <a:ea typeface="나눔명조" panose="02020603020101020101" pitchFamily="18" charset="-127"/>
+                      </a:endParaRPr>
+                    </a:p>
+                  </a:txBody>
+                  <a:tcPr>
+                    <a:lnL w="12700" cap="flat" cmpd="sng" algn="ctr">
+                      <a:solidFill>
+                        <a:schemeClr val="tx1"/>
+                      </a:solidFill>
+                      <a:prstDash val="solid"/>
+                      <a:round/>
+                      <a:headEnd type="none" w="med" len="med"/>
+                      <a:tailEnd type="none" w="med" len="med"/>
+                    </a:lnL>
+                    <a:lnR w="12700" cap="flat" cmpd="sng" algn="ctr">
+                      <a:solidFill>
+                        <a:schemeClr val="tx1"/>
+                      </a:solidFill>
+                      <a:prstDash val="solid"/>
+                      <a:round/>
+                      <a:headEnd type="none" w="med" len="med"/>
+                      <a:tailEnd type="none" w="med" len="med"/>
+                    </a:lnR>
+                    <a:lnT w="12700" cap="flat" cmpd="sng" algn="ctr">
+                      <a:solidFill>
+                        <a:schemeClr val="tx1"/>
+                      </a:solidFill>
+                      <a:prstDash val="solid"/>
+                      <a:round/>
+                      <a:headEnd type="none" w="med" len="med"/>
+                      <a:tailEnd type="none" w="med" len="med"/>
+                    </a:lnT>
+                    <a:lnB w="12700" cap="flat" cmpd="sng" algn="ctr">
+                      <a:solidFill>
+                        <a:schemeClr val="tx1"/>
+                      </a:solidFill>
+                      <a:prstDash val="solid"/>
+                      <a:round/>
+                      <a:headEnd type="none" w="med" len="med"/>
+                      <a:tailEnd type="none" w="med" len="med"/>
+                    </a:lnB>
+                  </a:tcPr>
+                </a:tc>
+              </a:tr>
+              <a:tr h="1368152">
+                <a:tc>
+                  <a:txBody>
+                    <a:bodyPr/>
+                    <a:lstStyle/>
+                    <a:p>
+                      <a:pPr algn="l" latinLnBrk="1"/>
+                      <a:r>
+                        <a:rPr lang="en-US" altLang="ko-KR" sz="3600" dirty="0" smtClean="0">
+                          <a:solidFill>
+                            <a:srgbClr val="FF3300"/>
+                          </a:solidFill>
+                          <a:latin typeface="나눔명조" panose="02020603020101020101" pitchFamily="18" charset="-127"/>
+                          <a:ea typeface="나눔명조" panose="02020603020101020101" pitchFamily="18" charset="-127"/>
+                        </a:rPr>
+                        <a:t>P</a:t>
+                      </a:r>
+                      <a:r>
+                        <a:rPr lang="en-US" altLang="ko-KR" sz="1200" dirty="0" smtClean="0">
+                          <a:latin typeface="나눔명조" panose="02020603020101020101" pitchFamily="18" charset="-127"/>
+                          <a:ea typeface="나눔명조" panose="02020603020101020101" pitchFamily="18" charset="-127"/>
+                        </a:rPr>
+                        <a:t>ositioning</a:t>
+                      </a:r>
+                      <a:endParaRPr lang="ko-KR" altLang="en-US" sz="3600" dirty="0">
+                        <a:latin typeface="나눔명조" panose="02020603020101020101" pitchFamily="18" charset="-127"/>
+                        <a:ea typeface="나눔명조" panose="02020603020101020101" pitchFamily="18" charset="-127"/>
+                      </a:endParaRPr>
+                    </a:p>
+                  </a:txBody>
+                  <a:tcPr anchor="ctr">
+                    <a:lnL w="12700" cap="flat" cmpd="sng" algn="ctr">
+                      <a:solidFill>
+                        <a:schemeClr val="tx1"/>
+                      </a:solidFill>
+                      <a:prstDash val="solid"/>
+                      <a:round/>
+                      <a:headEnd type="none" w="med" len="med"/>
+                      <a:tailEnd type="none" w="med" len="med"/>
+                    </a:lnL>
+                    <a:lnR w="12700" cap="flat" cmpd="sng" algn="ctr">
+                      <a:solidFill>
+                        <a:schemeClr val="tx1"/>
+                      </a:solidFill>
+                      <a:prstDash val="solid"/>
+                      <a:round/>
+                      <a:headEnd type="none" w="med" len="med"/>
+                      <a:tailEnd type="none" w="med" len="med"/>
+                    </a:lnR>
+                    <a:lnT w="12700" cap="flat" cmpd="sng" algn="ctr">
+                      <a:solidFill>
+                        <a:schemeClr val="tx1"/>
+                      </a:solidFill>
+                      <a:prstDash val="solid"/>
+                      <a:round/>
+                      <a:headEnd type="none" w="med" len="med"/>
+                      <a:tailEnd type="none" w="med" len="med"/>
+                    </a:lnT>
+                    <a:lnB w="12700" cap="flat" cmpd="sng" algn="ctr">
+                      <a:solidFill>
+                        <a:schemeClr val="tx1"/>
+                      </a:solidFill>
+                      <a:prstDash val="solid"/>
+                      <a:round/>
+                      <a:headEnd type="none" w="med" len="med"/>
+                      <a:tailEnd type="none" w="med" len="med"/>
+                    </a:lnB>
+                  </a:tcPr>
+                </a:tc>
+                <a:tc>
+                  <a:txBody>
+                    <a:bodyPr/>
+                    <a:lstStyle/>
+                    <a:p>
+                      <a:pPr latinLnBrk="1"/>
+                      <a:endParaRPr lang="ko-KR" altLang="en-US" sz="1400" dirty="0">
+                        <a:latin typeface="나눔명조" panose="02020603020101020101" pitchFamily="18" charset="-127"/>
+                        <a:ea typeface="나눔명조" panose="02020603020101020101" pitchFamily="18" charset="-127"/>
+                      </a:endParaRPr>
+                    </a:p>
+                  </a:txBody>
+                  <a:tcPr>
+                    <a:lnL w="12700" cap="flat" cmpd="sng" algn="ctr">
+                      <a:solidFill>
+                        <a:schemeClr val="tx1"/>
+                      </a:solidFill>
+                      <a:prstDash val="solid"/>
+                      <a:round/>
+                      <a:headEnd type="none" w="med" len="med"/>
+                      <a:tailEnd type="none" w="med" len="med"/>
+                    </a:lnL>
+                    <a:lnR w="12700" cap="flat" cmpd="sng" algn="ctr">
+                      <a:solidFill>
+                        <a:schemeClr val="tx1"/>
+                      </a:solidFill>
+                      <a:prstDash val="solid"/>
+                      <a:round/>
+                      <a:headEnd type="none" w="med" len="med"/>
+                      <a:tailEnd type="none" w="med" len="med"/>
+                    </a:lnR>
+                    <a:lnT w="12700" cap="flat" cmpd="sng" algn="ctr">
+                      <a:solidFill>
+                        <a:schemeClr val="tx1"/>
+                      </a:solidFill>
+                      <a:prstDash val="solid"/>
+                      <a:round/>
+                      <a:headEnd type="none" w="med" len="med"/>
+                      <a:tailEnd type="none" w="med" len="med"/>
+                    </a:lnT>
+                    <a:lnB w="12700" cap="flat" cmpd="sng" algn="ctr">
+                      <a:solidFill>
+                        <a:schemeClr val="tx1"/>
+                      </a:solidFill>
+                      <a:prstDash val="solid"/>
+                      <a:round/>
+                      <a:headEnd type="none" w="med" len="med"/>
+                      <a:tailEnd type="none" w="med" len="med"/>
+                    </a:lnB>
+                  </a:tcPr>
+                </a:tc>
+              </a:tr>
+            </a:tbl>
+          </a:graphicData>
+        </a:graphic>
+      </p:graphicFrame>
+      <p:cxnSp>
+        <p:nvCxnSpPr>
+          <p:cNvPr id="10" name="직선 화살표 연결선 9"/>
+          <p:cNvCxnSpPr/>
+          <p:nvPr/>
+        </p:nvCxnSpPr>
+        <p:spPr>
+          <a:xfrm flipV="1">
+            <a:off x="1547664" y="4509120"/>
+            <a:ext cx="0" cy="1152128"/>
+          </a:xfrm>
+          <a:prstGeom prst="straightConnector1">
+            <a:avLst/>
+          </a:prstGeom>
+          <a:ln>
+            <a:tailEnd type="arrow"/>
+          </a:ln>
+        </p:spPr>
+        <p:style>
+          <a:lnRef idx="1">
+            <a:schemeClr val="accent1"/>
+          </a:lnRef>
+          <a:fillRef idx="0">
+            <a:schemeClr val="accent1"/>
+          </a:fillRef>
+          <a:effectRef idx="0">
+            <a:schemeClr val="accent1"/>
+          </a:effectRef>
+          <a:fontRef idx="minor">
+            <a:schemeClr val="tx1"/>
+          </a:fontRef>
+        </p:style>
+      </p:cxnSp>
+      <p:cxnSp>
+        <p:nvCxnSpPr>
+          <p:cNvPr id="12" name="직선 화살표 연결선 11"/>
+          <p:cNvCxnSpPr/>
+          <p:nvPr/>
+        </p:nvCxnSpPr>
+        <p:spPr>
+          <a:xfrm>
+            <a:off x="1547664" y="5661248"/>
+            <a:ext cx="4320480" cy="0"/>
+          </a:xfrm>
+          <a:prstGeom prst="straightConnector1">
+            <a:avLst/>
+          </a:prstGeom>
+          <a:ln>
+            <a:tailEnd type="arrow"/>
+          </a:ln>
+        </p:spPr>
+        <p:style>
+          <a:lnRef idx="1">
+            <a:schemeClr val="accent1"/>
+          </a:lnRef>
+          <a:fillRef idx="0">
+            <a:schemeClr val="accent1"/>
+          </a:fillRef>
+          <a:effectRef idx="0">
+            <a:schemeClr val="accent1"/>
+          </a:effectRef>
+          <a:fontRef idx="minor">
+            <a:schemeClr val="tx1"/>
+          </a:fontRef>
+        </p:style>
+      </p:cxnSp>
     </p:spTree>
     <p:extLst>
       <p:ext uri="{BB962C8B-B14F-4D97-AF65-F5344CB8AC3E}">

--- a/파워포인트/환경 분석.pptx
+++ b/파워포인트/환경 분석.pptx
@@ -1,14 +1,15 @@
 
 <file path=ppt/presentation.xml><?xml version="1.0" encoding="utf-8"?>
-<p:presentation xmlns:a="http://schemas.openxmlformats.org/drawingml/2006/main" xmlns:r="http://schemas.openxmlformats.org/officeDocument/2006/relationships" xmlns:p="http://schemas.openxmlformats.org/presentationml/2006/main" saveSubsetFonts="1">
+<p:presentation xmlns:a="http://schemas.openxmlformats.org/drawingml/2006/main" xmlns:r="http://schemas.openxmlformats.org/officeDocument/2006/relationships" xmlns:p="http://schemas.openxmlformats.org/presentationml/2006/main" xmlns:p14="http://schemas.microsoft.com/office/powerpoint/2010/main" saveSubsetFonts="1">
   <p:sldMasterIdLst>
-    <p:sldMasterId id="2147483648" r:id="rId1"/>
+    <p:sldMasterId id="2147483665" r:id="rId13"/>
   </p:sldMasterIdLst>
   <p:sldIdLst>
-    <p:sldId id="256" r:id="rId2"/>
-    <p:sldId id="257" r:id="rId3"/>
+    <p:sldId id="256" r:id="rId15"/>
+    <p:sldId id="257" r:id="rId16"/>
+    <p:sldId id="258" r:id="rId17"/>
   </p:sldIdLst>
-  <p:sldSz cx="9144000" cy="6858000" type="screen4x3"/>
+  <p:sldSz cx="9144000" cy="6858000"/>
   <p:notesSz cx="6858000" cy="9144000"/>
   <p:defaultTextStyle>
     <a:defPPr>
@@ -105,6 +106,22 @@
       </a:defRPr>
     </a:lvl9pPr>
   </p:defaultTextStyle>
+  <p:extLst>
+    <p:ext uri="{EFAFB233-063F-42B5-8137-9DF3F51BA10A}">
+      <p15:sldGuideLst xmlns:p15="http://schemas.microsoft.com/office/powerpoint/2012/main">
+        <p15:guide id="0" orient="horz" pos="2159" userDrawn="1">
+          <p15:clr>
+            <a:srgbClr val="A4A3A4"/>
+          </p15:clr>
+        </p15:guide>
+        <p15:guide id="1" pos="2879" userDrawn="1">
+          <p15:clr>
+            <a:srgbClr val="A4A3A4"/>
+          </p15:clr>
+        </p15:guide>
+      </p15:sldGuideLst>
+    </p:ext>
+  </p:extLst>
 </p:presentation>
 </file>
 
@@ -4645,7 +4662,7 @@
 </file>
 
 <file path=ppt/slides/slide2.xml><?xml version="1.0" encoding="utf-8"?>
-<p:sld xmlns:a="http://schemas.openxmlformats.org/drawingml/2006/main" xmlns:r="http://schemas.openxmlformats.org/officeDocument/2006/relationships" xmlns:p="http://schemas.openxmlformats.org/presentationml/2006/main">
+<p:sld xmlns:a="http://schemas.openxmlformats.org/drawingml/2006/main" xmlns:r="http://schemas.openxmlformats.org/officeDocument/2006/relationships" xmlns:p="http://schemas.openxmlformats.org/presentationml/2006/main" xmlns:p14="http://schemas.microsoft.com/office/powerpoint/2010/main">
   <p:cSld>
     <p:spTree>
       <p:nvGrpSpPr>
@@ -5221,8 +5238,8 @@
         </p:nvSpPr>
         <p:spPr>
           <a:xfrm>
-            <a:off x="35494" y="43668"/>
-            <a:ext cx="2232249" cy="492443"/>
+            <a:off x="35560" y="43815"/>
+            <a:ext cx="2232025" cy="492760"/>
           </a:xfrm>
           <a:prstGeom prst="rect">
             <a:avLst/>
@@ -5263,8 +5280,8 @@
         </p:nvSpPr>
         <p:spPr>
           <a:xfrm>
-            <a:off x="3203846" y="43668"/>
-            <a:ext cx="1800201" cy="492443"/>
+            <a:off x="3203575" y="43815"/>
+            <a:ext cx="1800225" cy="492760"/>
           </a:xfrm>
           <a:prstGeom prst="rect">
             <a:avLst/>
@@ -5305,8 +5322,8 @@
         </p:nvSpPr>
         <p:spPr>
           <a:xfrm>
-            <a:off x="35494" y="1567449"/>
-            <a:ext cx="1728193" cy="492443"/>
+            <a:off x="35560" y="1567180"/>
+            <a:ext cx="1728470" cy="492760"/>
           </a:xfrm>
           <a:prstGeom prst="rect">
             <a:avLst/>
@@ -5347,8 +5364,8 @@
         </p:nvSpPr>
         <p:spPr>
           <a:xfrm>
-            <a:off x="3203846" y="1567449"/>
-            <a:ext cx="3024337" cy="492443"/>
+            <a:off x="3203575" y="1567180"/>
+            <a:ext cx="3024505" cy="492760"/>
           </a:xfrm>
           <a:prstGeom prst="rect">
             <a:avLst/>
@@ -5381,23 +5398,62 @@
           </a:p>
         </p:txBody>
       </p:sp>
+    </p:spTree>
+    <p:extLst>
+      <p:ext uri="{BB962C8B-B14F-4D97-AF65-F5344CB8AC3E}">
+        <p14:creationId xmlns:p14="http://schemas.microsoft.com/office/powerpoint/2010/main" val="2057524534"/>
+      </p:ext>
+    </p:extLst>
+  </p:cSld>
+  <p:clrMapOvr>
+    <a:masterClrMapping/>
+  </p:clrMapOvr>
+  <mc:AlternateContent xmlns:mc="http://schemas.openxmlformats.org/markup-compatibility/2006">
+    <mc:Choice xmlns:p14="http://schemas.microsoft.com/office/powerpoint/2010/main" Requires="p14">
+      <p:transition spd="slow" p14:dur="2000"/>
+    </mc:Choice>
+    <mc:Fallback>
+      <p:transition spd="slow"/>
+    </mc:Fallback>
+  </mc:AlternateContent>
+  <p:timing>
+    <p:tnLst>
+      <p:par>
+        <p:cTn id="1" dur="indefinite" restart="never" nodeType="tmRoot"/>
+      </p:par>
+    </p:tnLst>
+  </p:timing>
+</p:sld>
+</file>
+
+<file path=ppt/slides/slide3.xml><?xml version="1.0" encoding="utf-8"?>
+<p:sld xmlns:a="http://schemas.openxmlformats.org/drawingml/2006/main" xmlns:r="http://schemas.openxmlformats.org/officeDocument/2006/relationships" xmlns:p="http://schemas.openxmlformats.org/presentationml/2006/main">
+  <p:cSld>
+    <p:spTree>
+      <p:nvGrpSpPr>
+        <p:cNvPr id="1" name=""/>
+        <p:cNvGrpSpPr/>
+        <p:nvPr/>
+      </p:nvGrpSpPr>
+      <p:grpSpPr>
+        <a:xfrm>
+          <a:off x="0" y="0"/>
+          <a:ext cx="0" cy="0"/>
+          <a:chOff x="0" y="0"/>
+          <a:chExt cx="0" cy="0"/>
+        </a:xfrm>
+      </p:grpSpPr>
       <p:graphicFrame>
         <p:nvGraphicFramePr>
-          <p:cNvPr id="8" name="표 7"/>
+          <p:cNvPr id="4" name="표 3"/>
           <p:cNvGraphicFramePr>
             <a:graphicFrameLocks noGrp="1"/>
           </p:cNvGraphicFramePr>
-          <p:nvPr>
-            <p:extLst>
-              <p:ext uri="{D42A27DB-BD31-4B8C-83A1-F6EECF244321}">
-                <p14:modId xmlns:p14="http://schemas.microsoft.com/office/powerpoint/2010/main" val="481250638"/>
-              </p:ext>
-            </p:extLst>
-          </p:nvPr>
+          <p:nvPr/>
         </p:nvGraphicFramePr>
         <p:xfrm>
-          <a:off x="35494" y="3140968"/>
-          <a:ext cx="6260524" cy="2664296"/>
+          <a:off x="224155" y="134620"/>
+          <a:ext cx="6284595" cy="4639310"/>
         </p:xfrm>
         <a:graphic>
           <a:graphicData uri="http://schemas.openxmlformats.org/drawingml/2006/table">
@@ -5407,42 +5463,62 @@
               </a:tblPr>
               <a:tblGrid>
                 <a:gridCol w="1363980"/>
-                <a:gridCol w="4896544"/>
+                <a:gridCol w="4920615"/>
               </a:tblGrid>
-              <a:tr h="648072">
+              <a:tr h="1877060">
                 <a:tc>
                   <a:txBody>
                     <a:bodyPr/>
                     <a:lstStyle/>
                     <a:p>
-                      <a:pPr algn="l" latinLnBrk="1"/>
-                      <a:r>
-                        <a:rPr lang="en-US" altLang="ko-KR" sz="3600" dirty="0" smtClean="0">
+                      <a:pPr marL="0" indent="0" algn="l" defTabSz="914400" eaLnBrk="1" latinLnBrk="1" hangingPunct="1">
+                        <a:lnSpc>
+                          <a:spcPct val="100000"/>
+                        </a:lnSpc>
+                        <a:spcBef>
+                          <a:spcPts val="0"/>
+                        </a:spcBef>
+                        <a:spcAft>
+                          <a:spcPts val="0"/>
+                        </a:spcAft>
+                        <a:buFontTx/>
+                        <a:buNone/>
+                      </a:pPr>
+                      <a:r>
+                        <a:rPr lang="en-US" altLang="ko-KR" sz="3600" kern="1200">
                           <a:solidFill>
                             <a:srgbClr val="FF3300"/>
                           </a:solidFill>
-                          <a:latin typeface="나눔명조" panose="02020603020101020101" pitchFamily="18" charset="-127"/>
-                          <a:ea typeface="나눔명조" panose="02020603020101020101" pitchFamily="18" charset="-127"/>
+                          <a:latin typeface="나눔명조" charset="0"/>
+                          <a:ea typeface="나눔명조" charset="0"/>
                         </a:rPr>
                         <a:t>S</a:t>
                       </a:r>
                       <a:r>
-                        <a:rPr lang="en-US" altLang="ko-KR" sz="1200" dirty="0" smtClean="0">
-                          <a:latin typeface="나눔명조" panose="02020603020101020101" pitchFamily="18" charset="-127"/>
-                          <a:ea typeface="나눔명조" panose="02020603020101020101" pitchFamily="18" charset="-127"/>
+                        <a:rPr lang="en-US" altLang="ko-KR" sz="1200" kern="1200">
+                          <a:solidFill>
+                            <a:srgbClr val="000000"/>
+                          </a:solidFill>
+                          <a:latin typeface="나눔명조" charset="0"/>
+                          <a:ea typeface="나눔명조" charset="0"/>
                         </a:rPr>
                         <a:t>egmentation</a:t>
                       </a:r>
-                      <a:endParaRPr lang="ko-KR" altLang="en-US" sz="3600" dirty="0">
-                        <a:latin typeface="나눔명조" panose="02020603020101020101" pitchFamily="18" charset="-127"/>
-                        <a:ea typeface="나눔명조" panose="02020603020101020101" pitchFamily="18" charset="-127"/>
+                      <a:endParaRPr lang="ko-KR" altLang="en-US" sz="1200" kern="1200">
+                        <a:solidFill>
+                          <a:srgbClr val="000000"/>
+                        </a:solidFill>
+                        <a:latin typeface="나눔명조" charset="0"/>
+                        <a:ea typeface="나눔명조" charset="0"/>
                       </a:endParaRPr>
                     </a:p>
                   </a:txBody>
-                  <a:tcPr anchor="ctr">
+                  <a:tcPr marL="91440" marR="91440" marT="45720" marB="45720" anchor="ctr">
                     <a:lnL w="12700" cap="flat" cmpd="sng" algn="ctr">
                       <a:solidFill>
-                        <a:schemeClr val="tx1"/>
+                        <a:srgbClr val="000000">
+                          <a:alpha val="100000"/>
+                        </a:srgbClr>
                       </a:solidFill>
                       <a:prstDash val="solid"/>
                       <a:round/>
@@ -5451,7 +5527,9 @@
                     </a:lnL>
                     <a:lnR w="12700" cap="flat" cmpd="sng" algn="ctr">
                       <a:solidFill>
-                        <a:schemeClr val="tx1"/>
+                        <a:srgbClr val="000000">
+                          <a:alpha val="100000"/>
+                        </a:srgbClr>
                       </a:solidFill>
                       <a:prstDash val="solid"/>
                       <a:round/>
@@ -5460,7 +5538,9 @@
                     </a:lnR>
                     <a:lnT w="12700" cap="flat" cmpd="sng" algn="ctr">
                       <a:solidFill>
-                        <a:schemeClr val="tx1"/>
+                        <a:srgbClr val="000000">
+                          <a:alpha val="100000"/>
+                        </a:srgbClr>
                       </a:solidFill>
                       <a:prstDash val="solid"/>
                       <a:round/>
@@ -5469,7 +5549,9 @@
                     </a:lnT>
                     <a:lnB w="12700" cap="flat" cmpd="sng" algn="ctr">
                       <a:solidFill>
-                        <a:schemeClr val="tx1"/>
+                        <a:srgbClr val="000000">
+                          <a:alpha val="100000"/>
+                        </a:srgbClr>
                       </a:solidFill>
                       <a:prstDash val="solid"/>
                       <a:round/>
@@ -5483,17 +5565,190 @@
                     <a:bodyPr/>
                     <a:lstStyle/>
                     <a:p>
-                      <a:pPr latinLnBrk="1"/>
-                      <a:endParaRPr lang="ko-KR" altLang="en-US" sz="1400" dirty="0">
-                        <a:latin typeface="나눔명조" panose="02020603020101020101" pitchFamily="18" charset="-127"/>
-                        <a:ea typeface="나눔명조" panose="02020603020101020101" pitchFamily="18" charset="-127"/>
+                      <a:pPr marL="0" indent="0" algn="l" defTabSz="914400" eaLnBrk="1" latinLnBrk="1" hangingPunct="1">
+                        <a:lnSpc>
+                          <a:spcPct val="100000"/>
+                        </a:lnSpc>
+                        <a:spcBef>
+                          <a:spcPts val="0"/>
+                        </a:spcBef>
+                        <a:spcAft>
+                          <a:spcPts val="0"/>
+                        </a:spcAft>
+                        <a:buFontTx/>
+                        <a:buNone/>
+                      </a:pPr>
+                      <a:r>
+                        <a:rPr sz="1400" kern="1200">
+                          <a:solidFill>
+                            <a:srgbClr val="0611F2"/>
+                          </a:solidFill>
+                          <a:latin typeface="나눔명조" charset="0"/>
+                          <a:ea typeface="나눔명조" charset="0"/>
+                        </a:rPr>
+                        <a:t>20</a:t>
+                      </a:r>
+                      <a:r>
+                        <a:rPr sz="1400" kern="1200">
+                          <a:solidFill>
+                            <a:srgbClr val="0611F2"/>
+                          </a:solidFill>
+                          <a:latin typeface="나눔명조" charset="0"/>
+                          <a:ea typeface="나눔명조" charset="0"/>
+                        </a:rPr>
+                        <a:t>대</a:t>
+                      </a:r>
+                      <a:r>
+                        <a:rPr lang="ko-KR" altLang="en-US" sz="1400" kern="1200">
+                          <a:solidFill>
+                            <a:srgbClr val="000000"/>
+                          </a:solidFill>
+                          <a:latin typeface="나눔명조" charset="0"/>
+                          <a:ea typeface="나눔명조" charset="0"/>
+                        </a:rPr>
+                        <a:t> - 게임을 가장 많이 즐기는 연령대지만 게임에 결제할 자본력이 없음</a:t>
+                      </a:r>
+                      <a:endParaRPr lang="ko-KR" altLang="en-US" sz="1400" kern="1200">
+                        <a:solidFill>
+                          <a:srgbClr val="000000"/>
+                        </a:solidFill>
+                        <a:latin typeface="나눔명조" charset="0"/>
+                        <a:ea typeface="나눔명조" charset="0"/>
+                      </a:endParaRPr>
+                    </a:p>
+                    <a:p>
+                      <a:pPr marL="0" indent="0" algn="l" defTabSz="914400" eaLnBrk="1" latinLnBrk="1" hangingPunct="1">
+                        <a:lnSpc>
+                          <a:spcPct val="100000"/>
+                        </a:lnSpc>
+                        <a:spcBef>
+                          <a:spcPts val="0"/>
+                        </a:spcBef>
+                        <a:spcAft>
+                          <a:spcPts val="0"/>
+                        </a:spcAft>
+                        <a:buFontTx/>
+                        <a:buNone/>
+                      </a:pPr>
+                      <a:r>
+                        <a:rPr sz="1400" kern="1200">
+                          <a:solidFill>
+                            <a:srgbClr val="0611F2"/>
+                          </a:solidFill>
+                          <a:latin typeface="나눔명조" charset="0"/>
+                          <a:ea typeface="나눔명조" charset="0"/>
+                        </a:rPr>
+                        <a:t>30대</a:t>
+                      </a:r>
+                      <a:r>
+                        <a:rPr lang="ko-KR" altLang="en-US" sz="1400" kern="1200">
+                          <a:solidFill>
+                            <a:srgbClr val="000000"/>
+                          </a:solidFill>
+                          <a:latin typeface="나눔명조" charset="0"/>
+                          <a:ea typeface="나눔명조" charset="0"/>
+                        </a:rPr>
+                        <a:t> - 안정된 수입이 있는 연령대로 게임에 결제할 자본력이 있지만 게임을 즐길 여유가 별로 없음</a:t>
+                      </a:r>
+                      <a:endParaRPr lang="ko-KR" altLang="en-US" sz="1400" kern="1200">
+                        <a:solidFill>
+                          <a:srgbClr val="000000"/>
+                        </a:solidFill>
+                        <a:latin typeface="나눔명조" charset="0"/>
+                        <a:ea typeface="나눔명조" charset="0"/>
+                      </a:endParaRPr>
+                    </a:p>
+                    <a:p>
+                      <a:pPr marL="0" indent="0" algn="l" defTabSz="914400" eaLnBrk="1" latinLnBrk="1" hangingPunct="1">
+                        <a:lnSpc>
+                          <a:spcPct val="100000"/>
+                        </a:lnSpc>
+                        <a:spcBef>
+                          <a:spcPts val="0"/>
+                        </a:spcBef>
+                        <a:spcAft>
+                          <a:spcPts val="0"/>
+                        </a:spcAft>
+                        <a:buFontTx/>
+                        <a:buNone/>
+                      </a:pPr>
+                      <a:r>
+                        <a:rPr sz="1400" kern="1200">
+                          <a:solidFill>
+                            <a:srgbClr val="0611F2"/>
+                          </a:solidFill>
+                          <a:latin typeface="나눔명조" charset="0"/>
+                          <a:ea typeface="나눔명조" charset="0"/>
+                        </a:rPr>
+                        <a:t>40대 </a:t>
+                      </a:r>
+                      <a:r>
+                        <a:rPr lang="ko-KR" altLang="en-US" sz="1400" kern="1200">
+                          <a:solidFill>
+                            <a:srgbClr val="000000"/>
+                          </a:solidFill>
+                          <a:latin typeface="나눔명조" charset="0"/>
+                          <a:ea typeface="나눔명조" charset="0"/>
+                        </a:rPr>
+                        <a:t>- 가정을 부양해야하는 연령대로 게임을 즐길 수 있는 여유가 없음</a:t>
+                      </a:r>
+                      <a:endParaRPr lang="ko-KR" altLang="en-US" sz="1400" kern="1200">
+                        <a:solidFill>
+                          <a:srgbClr val="000000"/>
+                        </a:solidFill>
+                        <a:latin typeface="나눔명조" charset="0"/>
+                        <a:ea typeface="나눔명조" charset="0"/>
+                      </a:endParaRPr>
+                    </a:p>
+                    <a:p>
+                      <a:pPr marL="0" indent="0" algn="l" defTabSz="914400" eaLnBrk="1" latinLnBrk="1" hangingPunct="1">
+                        <a:lnSpc>
+                          <a:spcPct val="100000"/>
+                        </a:lnSpc>
+                        <a:spcBef>
+                          <a:spcPts val="0"/>
+                        </a:spcBef>
+                        <a:spcAft>
+                          <a:spcPts val="0"/>
+                        </a:spcAft>
+                        <a:buFontTx/>
+                        <a:buNone/>
+                      </a:pPr>
+                      <a:r>
+                        <a:rPr sz="1400" kern="1200">
+                          <a:solidFill>
+                            <a:srgbClr val="0611F2"/>
+                          </a:solidFill>
+                          <a:latin typeface="나눔명조" charset="0"/>
+                          <a:ea typeface="나눔명조" charset="0"/>
+                        </a:rPr>
+                        <a:t>50대 이상 </a:t>
+                      </a:r>
+                      <a:r>
+                        <a:rPr sz="1400" kern="1200">
+                          <a:solidFill>
+                            <a:schemeClr val="tx1"/>
+                          </a:solidFill>
+                          <a:latin typeface="나눔명조" charset="0"/>
+                          <a:ea typeface="나눔명조" charset="0"/>
+                        </a:rPr>
+                        <a:t>- 온라인 게임에 별로 익숙하지 않고 게임에 흥미를 가지지 않음</a:t>
+                      </a:r>
+                      <a:endParaRPr lang="ko-KR" altLang="en-US" sz="1400" kern="1200">
+                        <a:solidFill>
+                          <a:srgbClr val="0611F2"/>
+                        </a:solidFill>
+                        <a:latin typeface="나눔명조" charset="0"/>
+                        <a:ea typeface="나눔명조" charset="0"/>
                       </a:endParaRPr>
                     </a:p>
                   </a:txBody>
-                  <a:tcPr>
+                  <a:tcPr marL="91440" marR="91440" marT="45720" marB="45720" anchor="t">
                     <a:lnL w="12700" cap="flat" cmpd="sng" algn="ctr">
                       <a:solidFill>
-                        <a:schemeClr val="tx1"/>
+                        <a:srgbClr val="000000">
+                          <a:alpha val="100000"/>
+                        </a:srgbClr>
                       </a:solidFill>
                       <a:prstDash val="solid"/>
                       <a:round/>
@@ -5502,7 +5757,9 @@
                     </a:lnL>
                     <a:lnR w="12700" cap="flat" cmpd="sng" algn="ctr">
                       <a:solidFill>
-                        <a:schemeClr val="tx1"/>
+                        <a:srgbClr val="000000">
+                          <a:alpha val="100000"/>
+                        </a:srgbClr>
                       </a:solidFill>
                       <a:prstDash val="solid"/>
                       <a:round/>
@@ -5511,7 +5768,9 @@
                     </a:lnR>
                     <a:lnT w="12700" cap="flat" cmpd="sng" algn="ctr">
                       <a:solidFill>
-                        <a:schemeClr val="tx1"/>
+                        <a:srgbClr val="000000">
+                          <a:alpha val="100000"/>
+                        </a:srgbClr>
                       </a:solidFill>
                       <a:prstDash val="solid"/>
                       <a:round/>
@@ -5520,7 +5779,9 @@
                     </a:lnT>
                     <a:lnB w="12700" cap="flat" cmpd="sng" algn="ctr">
                       <a:solidFill>
-                        <a:schemeClr val="tx1"/>
+                        <a:srgbClr val="000000">
+                          <a:alpha val="100000"/>
+                        </a:srgbClr>
                       </a:solidFill>
                       <a:prstDash val="solid"/>
                       <a:round/>
@@ -5530,40 +5791,60 @@
                   </a:tcPr>
                 </a:tc>
               </a:tr>
-              <a:tr h="648072">
+              <a:tr h="1167765">
                 <a:tc>
                   <a:txBody>
                     <a:bodyPr/>
                     <a:lstStyle/>
                     <a:p>
-                      <a:pPr algn="l" latinLnBrk="1"/>
-                      <a:r>
-                        <a:rPr lang="en-US" altLang="ko-KR" sz="3600" dirty="0" smtClean="0">
+                      <a:pPr marL="0" indent="0" algn="l" defTabSz="914400" eaLnBrk="1" latinLnBrk="1" hangingPunct="1">
+                        <a:lnSpc>
+                          <a:spcPct val="100000"/>
+                        </a:lnSpc>
+                        <a:spcBef>
+                          <a:spcPts val="0"/>
+                        </a:spcBef>
+                        <a:spcAft>
+                          <a:spcPts val="0"/>
+                        </a:spcAft>
+                        <a:buFontTx/>
+                        <a:buNone/>
+                      </a:pPr>
+                      <a:r>
+                        <a:rPr lang="en-US" altLang="ko-KR" sz="3600" kern="1200">
                           <a:solidFill>
                             <a:srgbClr val="FF3300"/>
                           </a:solidFill>
-                          <a:latin typeface="나눔명조" panose="02020603020101020101" pitchFamily="18" charset="-127"/>
-                          <a:ea typeface="나눔명조" panose="02020603020101020101" pitchFamily="18" charset="-127"/>
+                          <a:latin typeface="나눔명조" charset="0"/>
+                          <a:ea typeface="나눔명조" charset="0"/>
                         </a:rPr>
                         <a:t>T</a:t>
                       </a:r>
                       <a:r>
-                        <a:rPr lang="en-US" altLang="ko-KR" sz="1200" dirty="0" smtClean="0">
-                          <a:latin typeface="나눔명조" panose="02020603020101020101" pitchFamily="18" charset="-127"/>
-                          <a:ea typeface="나눔명조" panose="02020603020101020101" pitchFamily="18" charset="-127"/>
+                        <a:rPr lang="en-US" altLang="ko-KR" sz="1200" kern="1200">
+                          <a:solidFill>
+                            <a:srgbClr val="000000"/>
+                          </a:solidFill>
+                          <a:latin typeface="나눔명조" charset="0"/>
+                          <a:ea typeface="나눔명조" charset="0"/>
                         </a:rPr>
                         <a:t>argeting</a:t>
                       </a:r>
-                      <a:endParaRPr lang="ko-KR" altLang="en-US" sz="3600" dirty="0">
-                        <a:latin typeface="나눔명조" panose="02020603020101020101" pitchFamily="18" charset="-127"/>
-                        <a:ea typeface="나눔명조" panose="02020603020101020101" pitchFamily="18" charset="-127"/>
+                      <a:endParaRPr lang="ko-KR" altLang="en-US" sz="1200" kern="1200">
+                        <a:solidFill>
+                          <a:srgbClr val="000000"/>
+                        </a:solidFill>
+                        <a:latin typeface="나눔명조" charset="0"/>
+                        <a:ea typeface="나눔명조" charset="0"/>
                       </a:endParaRPr>
                     </a:p>
                   </a:txBody>
-                  <a:tcPr anchor="ctr">
+                  <a:tcPr marL="91440" marR="91440" marT="45720" marB="45720" anchor="ctr">
                     <a:lnL w="12700" cap="flat" cmpd="sng" algn="ctr">
                       <a:solidFill>
-                        <a:schemeClr val="tx1"/>
+                        <a:srgbClr val="000000">
+                          <a:alpha val="100000"/>
+                        </a:srgbClr>
                       </a:solidFill>
                       <a:prstDash val="solid"/>
                       <a:round/>
@@ -5572,7 +5853,9 @@
                     </a:lnL>
                     <a:lnR w="12700" cap="flat" cmpd="sng" algn="ctr">
                       <a:solidFill>
-                        <a:schemeClr val="tx1"/>
+                        <a:srgbClr val="000000">
+                          <a:alpha val="100000"/>
+                        </a:srgbClr>
                       </a:solidFill>
                       <a:prstDash val="solid"/>
                       <a:round/>
@@ -5581,7 +5864,9 @@
                     </a:lnR>
                     <a:lnT w="12700" cap="flat" cmpd="sng" algn="ctr">
                       <a:solidFill>
-                        <a:schemeClr val="tx1"/>
+                        <a:srgbClr val="000000">
+                          <a:alpha val="100000"/>
+                        </a:srgbClr>
                       </a:solidFill>
                       <a:prstDash val="solid"/>
                       <a:round/>
@@ -5590,7 +5875,9 @@
                     </a:lnT>
                     <a:lnB w="12700" cap="flat" cmpd="sng" algn="ctr">
                       <a:solidFill>
-                        <a:schemeClr val="tx1"/>
+                        <a:srgbClr val="000000">
+                          <a:alpha val="100000"/>
+                        </a:srgbClr>
                       </a:solidFill>
                       <a:prstDash val="solid"/>
                       <a:round/>
@@ -5604,17 +5891,96 @@
                     <a:bodyPr/>
                     <a:lstStyle/>
                     <a:p>
-                      <a:pPr latinLnBrk="1"/>
-                      <a:endParaRPr lang="ko-KR" altLang="en-US" sz="1400" dirty="0">
-                        <a:latin typeface="나눔명조" panose="02020603020101020101" pitchFamily="18" charset="-127"/>
-                        <a:ea typeface="나눔명조" panose="02020603020101020101" pitchFamily="18" charset="-127"/>
+                      <a:pPr marL="0" indent="0" algn="l" defTabSz="914400" eaLnBrk="1" latinLnBrk="1" hangingPunct="1">
+                        <a:lnSpc>
+                          <a:spcPct val="100000"/>
+                        </a:lnSpc>
+                        <a:spcBef>
+                          <a:spcPts val="0"/>
+                        </a:spcBef>
+                        <a:spcAft>
+                          <a:spcPts val="0"/>
+                        </a:spcAft>
+                        <a:buFontTx/>
+                        <a:buNone/>
+                      </a:pPr>
+                      <a:r>
+                        <a:rPr sz="1400" kern="1200">
+                          <a:solidFill>
+                            <a:srgbClr val="0611F2"/>
+                          </a:solidFill>
+                          <a:latin typeface="나눔명조" charset="0"/>
+                          <a:ea typeface="나눔명조" charset="0"/>
+                        </a:rPr>
+                        <a:t>20대</a:t>
+                      </a:r>
+                      <a:r>
+                        <a:rPr lang="ko-KR" altLang="en-US" sz="1400" kern="1200">
+                          <a:solidFill>
+                            <a:srgbClr val="000000"/>
+                          </a:solidFill>
+                          <a:latin typeface="나눔명조" charset="0"/>
+                          <a:ea typeface="나눔명조" charset="0"/>
+                        </a:rPr>
+                        <a:t> - 게임에 결제할 자본력이 없지만 게임 이용률이 가장 높은 연령대로서, 30대가 될 때까지 잡아놓으면 좋은 ‘옥석’이다.</a:t>
+                      </a:r>
+                      <a:endParaRPr lang="ko-KR" altLang="en-US" sz="1400" kern="1200">
+                        <a:solidFill>
+                          <a:srgbClr val="000000"/>
+                        </a:solidFill>
+                        <a:latin typeface="나눔명조" charset="0"/>
+                        <a:ea typeface="나눔명조" charset="0"/>
+                      </a:endParaRPr>
+                    </a:p>
+                    <a:p>
+                      <a:pPr marL="0" indent="0" algn="l" defTabSz="914400" eaLnBrk="1" latinLnBrk="1" hangingPunct="1">
+                        <a:lnSpc>
+                          <a:spcPct val="100000"/>
+                        </a:lnSpc>
+                        <a:spcBef>
+                          <a:spcPts val="0"/>
+                        </a:spcBef>
+                        <a:spcAft>
+                          <a:spcPts val="0"/>
+                        </a:spcAft>
+                        <a:buFontTx/>
+                        <a:buNone/>
+                      </a:pPr>
+                      <a:r>
+                        <a:rPr sz="1400" kern="1200">
+                          <a:solidFill>
+                            <a:srgbClr val="0611F2"/>
+                          </a:solidFill>
+                          <a:latin typeface="나눔명조" charset="0"/>
+                          <a:ea typeface="나눔명조" charset="0"/>
+                        </a:rPr>
+                        <a:t>30대~</a:t>
+                      </a:r>
+                      <a:r>
+                        <a:rPr lang="ko-KR" altLang="en-US" sz="1400" kern="1200">
+                          <a:solidFill>
+                            <a:srgbClr val="000000"/>
+                          </a:solidFill>
+                          <a:latin typeface="나눔명조" charset="0"/>
+                          <a:ea typeface="나눔명조" charset="0"/>
+                        </a:rPr>
+                        <a:t> - MMORPG 장르 게임을 가장 많이 즐기는 연령층으로서, MMORPG에 전폭 투자한 엔씨소프트가 타겟팅하기 좋은 대상이다. </a:t>
+                      </a:r>
+                      <a:endParaRPr lang="ko-KR" altLang="en-US" sz="1400" kern="1200">
+                        <a:solidFill>
+                          <a:srgbClr val="000000"/>
+                        </a:solidFill>
+                        <a:latin typeface="나눔명조" charset="0"/>
+                        <a:ea typeface="나눔명조" charset="0"/>
                       </a:endParaRPr>
                     </a:p>
                   </a:txBody>
-                  <a:tcPr>
+                  <a:tcPr marL="91440" marR="91440" marT="45720" marB="45720" anchor="ctr">
                     <a:lnL w="12700" cap="flat" cmpd="sng" algn="ctr">
                       <a:solidFill>
-                        <a:schemeClr val="tx1"/>
+                        <a:srgbClr val="000000">
+                          <a:alpha val="100000"/>
+                        </a:srgbClr>
                       </a:solidFill>
                       <a:prstDash val="solid"/>
                       <a:round/>
@@ -5623,7 +5989,9 @@
                     </a:lnL>
                     <a:lnR w="12700" cap="flat" cmpd="sng" algn="ctr">
                       <a:solidFill>
-                        <a:schemeClr val="tx1"/>
+                        <a:srgbClr val="000000">
+                          <a:alpha val="100000"/>
+                        </a:srgbClr>
                       </a:solidFill>
                       <a:prstDash val="solid"/>
                       <a:round/>
@@ -5632,7 +6000,9 @@
                     </a:lnR>
                     <a:lnT w="12700" cap="flat" cmpd="sng" algn="ctr">
                       <a:solidFill>
-                        <a:schemeClr val="tx1"/>
+                        <a:srgbClr val="000000">
+                          <a:alpha val="100000"/>
+                        </a:srgbClr>
                       </a:solidFill>
                       <a:prstDash val="solid"/>
                       <a:round/>
@@ -5641,7 +6011,9 @@
                     </a:lnT>
                     <a:lnB w="12700" cap="flat" cmpd="sng" algn="ctr">
                       <a:solidFill>
-                        <a:schemeClr val="tx1"/>
+                        <a:srgbClr val="000000">
+                          <a:alpha val="100000"/>
+                        </a:srgbClr>
                       </a:solidFill>
                       <a:prstDash val="solid"/>
                       <a:round/>
@@ -5651,40 +6023,60 @@
                   </a:tcPr>
                 </a:tc>
               </a:tr>
-              <a:tr h="1368152">
+              <a:tr h="1594485">
                 <a:tc>
                   <a:txBody>
                     <a:bodyPr/>
                     <a:lstStyle/>
                     <a:p>
-                      <a:pPr algn="l" latinLnBrk="1"/>
-                      <a:r>
-                        <a:rPr lang="en-US" altLang="ko-KR" sz="3600" dirty="0" smtClean="0">
+                      <a:pPr marL="0" indent="0" algn="l" defTabSz="914400" eaLnBrk="1" latinLnBrk="1" hangingPunct="1">
+                        <a:lnSpc>
+                          <a:spcPct val="100000"/>
+                        </a:lnSpc>
+                        <a:spcBef>
+                          <a:spcPts val="0"/>
+                        </a:spcBef>
+                        <a:spcAft>
+                          <a:spcPts val="0"/>
+                        </a:spcAft>
+                        <a:buFontTx/>
+                        <a:buNone/>
+                      </a:pPr>
+                      <a:r>
+                        <a:rPr lang="en-US" altLang="ko-KR" sz="3600" kern="1200">
                           <a:solidFill>
                             <a:srgbClr val="FF3300"/>
                           </a:solidFill>
-                          <a:latin typeface="나눔명조" panose="02020603020101020101" pitchFamily="18" charset="-127"/>
-                          <a:ea typeface="나눔명조" panose="02020603020101020101" pitchFamily="18" charset="-127"/>
+                          <a:latin typeface="나눔명조" charset="0"/>
+                          <a:ea typeface="나눔명조" charset="0"/>
                         </a:rPr>
                         <a:t>P</a:t>
                       </a:r>
                       <a:r>
-                        <a:rPr lang="en-US" altLang="ko-KR" sz="1200" dirty="0" smtClean="0">
-                          <a:latin typeface="나눔명조" panose="02020603020101020101" pitchFamily="18" charset="-127"/>
-                          <a:ea typeface="나눔명조" panose="02020603020101020101" pitchFamily="18" charset="-127"/>
+                        <a:rPr lang="en-US" altLang="ko-KR" sz="1200" kern="1200">
+                          <a:solidFill>
+                            <a:srgbClr val="000000"/>
+                          </a:solidFill>
+                          <a:latin typeface="나눔명조" charset="0"/>
+                          <a:ea typeface="나눔명조" charset="0"/>
                         </a:rPr>
                         <a:t>ositioning</a:t>
                       </a:r>
-                      <a:endParaRPr lang="ko-KR" altLang="en-US" sz="3600" dirty="0">
-                        <a:latin typeface="나눔명조" panose="02020603020101020101" pitchFamily="18" charset="-127"/>
-                        <a:ea typeface="나눔명조" panose="02020603020101020101" pitchFamily="18" charset="-127"/>
+                      <a:endParaRPr lang="ko-KR" altLang="en-US" sz="1200" kern="1200">
+                        <a:solidFill>
+                          <a:srgbClr val="000000"/>
+                        </a:solidFill>
+                        <a:latin typeface="나눔명조" charset="0"/>
+                        <a:ea typeface="나눔명조" charset="0"/>
                       </a:endParaRPr>
                     </a:p>
                   </a:txBody>
-                  <a:tcPr anchor="ctr">
+                  <a:tcPr marL="91440" marR="91440" marT="45720" marB="45720" anchor="ctr">
                     <a:lnL w="12700" cap="flat" cmpd="sng" algn="ctr">
                       <a:solidFill>
-                        <a:schemeClr val="tx1"/>
+                        <a:srgbClr val="000000">
+                          <a:alpha val="100000"/>
+                        </a:srgbClr>
                       </a:solidFill>
                       <a:prstDash val="solid"/>
                       <a:round/>
@@ -5693,7 +6085,9 @@
                     </a:lnL>
                     <a:lnR w="12700" cap="flat" cmpd="sng" algn="ctr">
                       <a:solidFill>
-                        <a:schemeClr val="tx1"/>
+                        <a:srgbClr val="000000">
+                          <a:alpha val="100000"/>
+                        </a:srgbClr>
                       </a:solidFill>
                       <a:prstDash val="solid"/>
                       <a:round/>
@@ -5702,7 +6096,9 @@
                     </a:lnR>
                     <a:lnT w="12700" cap="flat" cmpd="sng" algn="ctr">
                       <a:solidFill>
-                        <a:schemeClr val="tx1"/>
+                        <a:srgbClr val="000000">
+                          <a:alpha val="100000"/>
+                        </a:srgbClr>
                       </a:solidFill>
                       <a:prstDash val="solid"/>
                       <a:round/>
@@ -5711,7 +6107,9 @@
                     </a:lnT>
                     <a:lnB w="12700" cap="flat" cmpd="sng" algn="ctr">
                       <a:solidFill>
-                        <a:schemeClr val="tx1"/>
+                        <a:srgbClr val="000000">
+                          <a:alpha val="100000"/>
+                        </a:srgbClr>
                       </a:solidFill>
                       <a:prstDash val="solid"/>
                       <a:round/>
@@ -5725,17 +6123,184 @@
                     <a:bodyPr/>
                     <a:lstStyle/>
                     <a:p>
-                      <a:pPr latinLnBrk="1"/>
-                      <a:endParaRPr lang="ko-KR" altLang="en-US" sz="1400" dirty="0">
-                        <a:latin typeface="나눔명조" panose="02020603020101020101" pitchFamily="18" charset="-127"/>
-                        <a:ea typeface="나눔명조" panose="02020603020101020101" pitchFamily="18" charset="-127"/>
+                      <a:pPr marL="0" indent="0" algn="l" defTabSz="914400" eaLnBrk="1" latinLnBrk="1" hangingPunct="1">
+                        <a:lnSpc>
+                          <a:spcPct val="100000"/>
+                        </a:lnSpc>
+                        <a:spcBef>
+                          <a:spcPts val="0"/>
+                        </a:spcBef>
+                        <a:spcAft>
+                          <a:spcPts val="0"/>
+                        </a:spcAft>
+                        <a:buFontTx/>
+                        <a:buNone/>
+                      </a:pPr>
+                      <a:r>
+                        <a:rPr lang="ko-KR" altLang="en-US" sz="1400" kern="1200">
+                          <a:solidFill>
+                            <a:srgbClr val="000000"/>
+                          </a:solidFill>
+                          <a:latin typeface="나눔명조" charset="0"/>
+                          <a:ea typeface="나눔명조" charset="0"/>
+                        </a:rPr>
+                        <a:t>      R&amp;D </a:t>
+                      </a:r>
+                      <a:r>
+                        <a:rPr lang="ko-KR" altLang="en-US" sz="1400" kern="1200">
+                          <a:solidFill>
+                            <a:srgbClr val="000000"/>
+                          </a:solidFill>
+                          <a:latin typeface="나눔명조" charset="0"/>
+                          <a:ea typeface="나눔명조" charset="0"/>
+                        </a:rPr>
+                        <a:t>능력</a:t>
+                      </a:r>
+                      <a:endParaRPr lang="ko-KR" altLang="en-US" sz="1400" kern="1200">
+                        <a:solidFill>
+                          <a:srgbClr val="000000"/>
+                        </a:solidFill>
+                        <a:latin typeface="나눔명조" charset="0"/>
+                        <a:ea typeface="나눔명조" charset="0"/>
+                      </a:endParaRPr>
+                    </a:p>
+                    <a:p>
+                      <a:pPr marL="0" indent="0" algn="l" defTabSz="914400" eaLnBrk="1" latinLnBrk="1" hangingPunct="1">
+                        <a:lnSpc>
+                          <a:spcPct val="100000"/>
+                        </a:lnSpc>
+                        <a:spcBef>
+                          <a:spcPts val="0"/>
+                        </a:spcBef>
+                        <a:spcAft>
+                          <a:spcPts val="0"/>
+                        </a:spcAft>
+                        <a:buFontTx/>
+                        <a:buNone/>
+                      </a:pPr>
+                      <a:endParaRPr lang="ko-KR" altLang="en-US" sz="1400" kern="1200">
+                        <a:solidFill>
+                          <a:srgbClr val="000000"/>
+                        </a:solidFill>
+                        <a:latin typeface="나눔명조" charset="0"/>
+                        <a:ea typeface="나눔명조" charset="0"/>
+                      </a:endParaRPr>
+                    </a:p>
+                    <a:p>
+                      <a:pPr marL="0" indent="0" algn="l" defTabSz="914400" eaLnBrk="1" latinLnBrk="1" hangingPunct="1">
+                        <a:lnSpc>
+                          <a:spcPct val="100000"/>
+                        </a:lnSpc>
+                        <a:spcBef>
+                          <a:spcPts val="0"/>
+                        </a:spcBef>
+                        <a:spcAft>
+                          <a:spcPts val="0"/>
+                        </a:spcAft>
+                        <a:buFontTx/>
+                        <a:buNone/>
+                      </a:pPr>
+                      <a:endParaRPr lang="ko-KR" altLang="en-US" sz="1400" kern="1200">
+                        <a:solidFill>
+                          <a:srgbClr val="000000"/>
+                        </a:solidFill>
+                        <a:latin typeface="나눔명조" charset="0"/>
+                        <a:ea typeface="나눔명조" charset="0"/>
+                      </a:endParaRPr>
+                    </a:p>
+                    <a:p>
+                      <a:pPr marL="0" indent="0" algn="l" defTabSz="914400" eaLnBrk="1" latinLnBrk="1" hangingPunct="1">
+                        <a:lnSpc>
+                          <a:spcPct val="100000"/>
+                        </a:lnSpc>
+                        <a:spcBef>
+                          <a:spcPts val="0"/>
+                        </a:spcBef>
+                        <a:spcAft>
+                          <a:spcPts val="0"/>
+                        </a:spcAft>
+                        <a:buFontTx/>
+                        <a:buNone/>
+                      </a:pPr>
+                      <a:endParaRPr lang="ko-KR" altLang="en-US" sz="1400" kern="1200">
+                        <a:solidFill>
+                          <a:srgbClr val="000000"/>
+                        </a:solidFill>
+                        <a:latin typeface="나눔명조" charset="0"/>
+                        <a:ea typeface="나눔명조" charset="0"/>
+                      </a:endParaRPr>
+                    </a:p>
+                    <a:p>
+                      <a:pPr marL="0" indent="0" algn="l" defTabSz="914400" eaLnBrk="1" latinLnBrk="1" hangingPunct="1">
+                        <a:lnSpc>
+                          <a:spcPct val="100000"/>
+                        </a:lnSpc>
+                        <a:spcBef>
+                          <a:spcPts val="0"/>
+                        </a:spcBef>
+                        <a:spcAft>
+                          <a:spcPts val="0"/>
+                        </a:spcAft>
+                        <a:buFontTx/>
+                        <a:buNone/>
+                      </a:pPr>
+                      <a:endParaRPr lang="ko-KR" altLang="en-US" sz="1400" kern="1200">
+                        <a:solidFill>
+                          <a:srgbClr val="000000"/>
+                        </a:solidFill>
+                        <a:latin typeface="나눔명조" charset="0"/>
+                        <a:ea typeface="나눔명조" charset="0"/>
+                      </a:endParaRPr>
+                    </a:p>
+                    <a:p>
+                      <a:pPr marL="0" indent="0" algn="l" defTabSz="914400" eaLnBrk="1" latinLnBrk="1" hangingPunct="1">
+                        <a:lnSpc>
+                          <a:spcPct val="100000"/>
+                        </a:lnSpc>
+                        <a:spcBef>
+                          <a:spcPts val="0"/>
+                        </a:spcBef>
+                        <a:spcAft>
+                          <a:spcPts val="0"/>
+                        </a:spcAft>
+                        <a:buFontTx/>
+                        <a:buNone/>
+                      </a:pPr>
+                      <a:r>
+                        <a:rPr lang="ko-KR" altLang="en-US" sz="1400" kern="1200">
+                          <a:solidFill>
+                            <a:srgbClr val="000000"/>
+                          </a:solidFill>
+                          <a:latin typeface="나눔명조" charset="0"/>
+                          <a:ea typeface="나눔명조" charset="0"/>
+                        </a:rPr>
+                        <a:t>                                                                                                               </a:t>
+                      </a:r>
+                      <a:r>
+                        <a:rPr sz="1000" kern="1200">
+                          <a:solidFill>
+                            <a:srgbClr val="000000"/>
+                          </a:solidFill>
+                          <a:latin typeface="나눔명조" charset="0"/>
+                          <a:ea typeface="나눔명조" charset="0"/>
+                        </a:rPr>
+                        <a:t>                            </a:t>
+                      </a:r>
+                      <a:endParaRPr lang="ko-KR" altLang="en-US" sz="1400" kern="1200">
+                        <a:solidFill>
+                          <a:srgbClr val="000000"/>
+                        </a:solidFill>
+                        <a:latin typeface="나눔명조" charset="0"/>
+                        <a:ea typeface="나눔명조" charset="0"/>
                       </a:endParaRPr>
                     </a:p>
                   </a:txBody>
-                  <a:tcPr>
+                  <a:tcPr marL="91440" marR="91440" marT="45720" marB="45720" anchor="t">
                     <a:lnL w="12700" cap="flat" cmpd="sng" algn="ctr">
                       <a:solidFill>
-                        <a:schemeClr val="tx1"/>
+                        <a:srgbClr val="000000">
+                          <a:alpha val="100000"/>
+                        </a:srgbClr>
                       </a:solidFill>
                       <a:prstDash val="solid"/>
                       <a:round/>
@@ -5744,7 +6309,9 @@
                     </a:lnL>
                     <a:lnR w="12700" cap="flat" cmpd="sng" algn="ctr">
                       <a:solidFill>
-                        <a:schemeClr val="tx1"/>
+                        <a:srgbClr val="000000">
+                          <a:alpha val="100000"/>
+                        </a:srgbClr>
                       </a:solidFill>
                       <a:prstDash val="solid"/>
                       <a:round/>
@@ -5753,7 +6320,9 @@
                     </a:lnR>
                     <a:lnT w="12700" cap="flat" cmpd="sng" algn="ctr">
                       <a:solidFill>
-                        <a:schemeClr val="tx1"/>
+                        <a:srgbClr val="000000">
+                          <a:alpha val="100000"/>
+                        </a:srgbClr>
                       </a:solidFill>
                       <a:prstDash val="solid"/>
                       <a:round/>
@@ -5762,7 +6331,9 @@
                     </a:lnT>
                     <a:lnB w="12700" cap="flat" cmpd="sng" algn="ctr">
                       <a:solidFill>
-                        <a:schemeClr val="tx1"/>
+                        <a:srgbClr val="000000">
+                          <a:alpha val="100000"/>
+                        </a:srgbClr>
                       </a:solidFill>
                       <a:prstDash val="solid"/>
                       <a:round/>
@@ -5778,20 +6349,19 @@
       </p:graphicFrame>
       <p:cxnSp>
         <p:nvCxnSpPr>
-          <p:cNvPr id="10" name="직선 화살표 연결선 9"/>
+          <p:cNvPr id="5" name="직선 화살표 연결선 4"/>
           <p:cNvCxnSpPr/>
           <p:nvPr/>
         </p:nvCxnSpPr>
         <p:spPr>
-          <a:xfrm flipV="1">
-            <a:off x="1547664" y="4509120"/>
-            <a:ext cx="0" cy="1152128"/>
+          <a:xfrm rot="0" flipV="1">
+            <a:off x="1858645" y="3261360"/>
+            <a:ext cx="1905" cy="1260475"/>
           </a:xfrm>
-          <a:prstGeom prst="straightConnector1">
-            <a:avLst/>
-          </a:prstGeom>
-          <a:ln>
-            <a:tailEnd type="arrow"/>
+          <a:prstGeom prst="straightConnector1"/>
+          <a:ln w="9525" cap="flat" cmpd="sng">
+            <a:prstDash/>
+            <a:tailEnd type="arrow" w="med" len="med"/>
           </a:ln>
         </p:spPr>
         <p:style>
@@ -5811,20 +6381,19 @@
       </p:cxnSp>
       <p:cxnSp>
         <p:nvCxnSpPr>
-          <p:cNvPr id="12" name="직선 화살표 연결선 11"/>
+          <p:cNvPr id="6" name="직선 화살표 연결선 5"/>
           <p:cNvCxnSpPr/>
           <p:nvPr/>
         </p:nvCxnSpPr>
         <p:spPr>
-          <a:xfrm>
-            <a:off x="1547664" y="5661248"/>
-            <a:ext cx="4320480" cy="0"/>
+          <a:xfrm rot="0">
+            <a:off x="1859915" y="4518025"/>
+            <a:ext cx="4321175" cy="635"/>
           </a:xfrm>
-          <a:prstGeom prst="straightConnector1">
-            <a:avLst/>
-          </a:prstGeom>
-          <a:ln>
-            <a:tailEnd type="arrow"/>
+          <a:prstGeom prst="straightConnector1"/>
+          <a:ln w="9525" cap="flat" cmpd="sng">
+            <a:prstDash/>
+            <a:tailEnd type="arrow" w="med" len="med"/>
           </a:ln>
         </p:spPr>
         <p:style>
@@ -5842,16 +6411,161 @@
           </a:fontRef>
         </p:style>
       </p:cxnSp>
+      <p:pic>
+        <p:nvPicPr>
+          <p:cNvPr id="7" name="그림 6" descr="C:/Users/tiger/AppData/Roaming/PolarisOffice/ETemp/2828_14721096/fImage61341025426.png"/>
+          <p:cNvPicPr>
+            <a:picLocks noChangeAspect="1"/>
+          </p:cNvPicPr>
+          <p:nvPr/>
+        </p:nvPicPr>
+        <p:blipFill rotWithShape="1">
+          <a:blip r:embed="rId2" cstate="print">
+            <a:extLst>
+              <a:ext uri="{28A0092B-C50C-407E-A947-70E740481C1C}">
+                <a14:useLocalDpi xmlns:a14="http://schemas.microsoft.com/office/drawing/2010/main" val="0"/>
+              </a:ext>
+            </a:extLst>
+          </a:blip>
+          <a:srcRect l="68071" t="36000" r="21706" b="33950"/>
+          <a:stretch>
+            <a:fillRect/>
+          </a:stretch>
+        </p:blipFill>
+        <p:spPr>
+          <a:xfrm rot="0">
+            <a:off x="4344670" y="3406140"/>
+            <a:ext cx="508635" cy="540385"/>
+          </a:xfrm>
+          <a:prstGeom prst="rect"/>
+          <a:noFill/>
+        </p:spPr>
+      </p:pic>
+      <p:pic>
+        <p:nvPicPr>
+          <p:cNvPr id="8" name="그림 7" descr="C:/Users/tiger/AppData/Roaming/PolarisOffice/ETemp/2828_14721096/fImage3559103839.jpeg"/>
+          <p:cNvPicPr>
+            <a:picLocks noChangeAspect="1"/>
+          </p:cNvPicPr>
+          <p:nvPr/>
+        </p:nvPicPr>
+        <p:blipFill rotWithShape="1">
+          <a:blip r:embed="rId3" cstate="print">
+            <a:extLst>
+              <a:ext uri="{28A0092B-C50C-407E-A947-70E740481C1C}">
+                <a14:useLocalDpi xmlns:a14="http://schemas.microsoft.com/office/drawing/2010/main" val="0"/>
+              </a:ext>
+            </a:extLst>
+          </a:blip>
+          <a:srcRect l="32114" t="26152" r="33333" b="31472"/>
+          <a:stretch>
+            <a:fillRect/>
+          </a:stretch>
+        </p:blipFill>
+        <p:spPr>
+          <a:xfrm rot="0">
+            <a:off x="5573395" y="3946525"/>
+            <a:ext cx="488315" cy="476885"/>
+          </a:xfrm>
+          <a:prstGeom prst="rect"/>
+          <a:noFill/>
+        </p:spPr>
+      </p:pic>
+      <p:pic>
+        <p:nvPicPr>
+          <p:cNvPr id="9" name="그림 8" descr="C:/Users/tiger/AppData/Roaming/PolarisOffice/ETemp/2828_14721096/fImage197001048909.jpeg"/>
+          <p:cNvPicPr>
+            <a:picLocks noChangeAspect="1"/>
+          </p:cNvPicPr>
+          <p:nvPr/>
+        </p:nvPicPr>
+        <p:blipFill rotWithShape="1">
+          <a:blip r:embed="rId4" cstate="print">
+            <a:extLst>
+              <a:ext uri="{28A0092B-C50C-407E-A947-70E740481C1C}">
+                <a14:useLocalDpi xmlns:a14="http://schemas.microsoft.com/office/drawing/2010/main" val="0"/>
+              </a:ext>
+            </a:extLst>
+          </a:blip>
+          <a:stretch>
+            <a:fillRect/>
+          </a:stretch>
+        </p:blipFill>
+        <p:spPr>
+          <a:xfrm rot="0">
+            <a:off x="4281170" y="3947795"/>
+            <a:ext cx="688975" cy="476250"/>
+          </a:xfrm>
+          <a:prstGeom prst="rect"/>
+          <a:noFill/>
+        </p:spPr>
+      </p:pic>
+      <p:sp>
+        <p:nvSpPr>
+          <p:cNvPr id="10" name="텍스트 상자 9"/>
+          <p:cNvSpPr txBox="1">
+            <a:spLocks/>
+          </p:cNvSpPr>
+          <p:nvPr/>
+        </p:nvSpPr>
+        <p:spPr>
+          <a:xfrm rot="0">
+            <a:off x="5451475" y="4462780"/>
+            <a:ext cx="1270635" cy="308610"/>
+          </a:xfrm>
+          <a:prstGeom prst="rect"/>
+          <a:noFill/>
+          <a:ln w="0">
+            <a:noFill/>
+            <a:prstDash/>
+          </a:ln>
+        </p:spPr>
+        <p:txBody>
+          <a:bodyPr wrap="square" lIns="89535" tIns="46355" rIns="89535" bIns="46355" vert="horz" anchor="t">
+            <a:spAutoFit/>
+          </a:bodyPr>
+          <a:lstStyle/>
+          <a:p>
+            <a:pPr marL="0" indent="0" algn="l" defTabSz="914400" eaLnBrk="1" latinLnBrk="1" hangingPunct="1">
+              <a:lnSpc>
+                <a:spcPct val="100000"/>
+              </a:lnSpc>
+              <a:spcBef>
+                <a:spcPts val="0"/>
+              </a:spcBef>
+              <a:spcAft>
+                <a:spcPts val="0"/>
+              </a:spcAft>
+              <a:buFontTx/>
+              <a:buNone/>
+            </a:pPr>
+            <a:r>
+              <a:rPr sz="1400">
+                <a:latin typeface="나눔명조" charset="0"/>
+                <a:ea typeface="나눔명조" charset="0"/>
+              </a:rPr>
+              <a:t>인지도</a:t>
+            </a:r>
+            <a:endParaRPr lang="ko-KR" altLang="en-US" sz="1400">
+              <a:latin typeface="나눔명조" charset="0"/>
+              <a:ea typeface="나눔명조" charset="0"/>
+            </a:endParaRPr>
+          </a:p>
+        </p:txBody>
+      </p:sp>
     </p:spTree>
-    <p:extLst>
-      <p:ext uri="{BB962C8B-B14F-4D97-AF65-F5344CB8AC3E}">
-        <p14:creationId xmlns:p14="http://schemas.microsoft.com/office/powerpoint/2010/main" val="2057524534"/>
-      </p:ext>
-    </p:extLst>
   </p:cSld>
   <p:clrMapOvr>
     <a:masterClrMapping/>
   </p:clrMapOvr>
+  <mc:AlternateContent xmlns:mc="http://schemas.openxmlformats.org/markup-compatibility/2006">
+    <mc:Choice xmlns:p14="http://schemas.microsoft.com/office/powerpoint/2010/main" Requires="p14">
+      <p:transition spd="slow" p14:dur="2000"/>
+    </mc:Choice>
+    <mc:Fallback>
+      <p:transition spd="slow"/>
+    </mc:Fallback>
+  </mc:AlternateContent>
 </p:sld>
 </file>
 

--- a/파워포인트/환경 분석.pptx
+++ b/파워포인트/환경 분석.pptx
@@ -1,15 +1,16 @@
 
 <file path=ppt/presentation.xml><?xml version="1.0" encoding="utf-8"?>
-<p:presentation xmlns:a="http://schemas.openxmlformats.org/drawingml/2006/main" xmlns:r="http://schemas.openxmlformats.org/officeDocument/2006/relationships" xmlns:p="http://schemas.openxmlformats.org/presentationml/2006/main" xmlns:p14="http://schemas.microsoft.com/office/powerpoint/2010/main" saveSubsetFonts="1">
+<p:presentation xmlns:a="http://schemas.openxmlformats.org/drawingml/2006/main" xmlns:r="http://schemas.openxmlformats.org/officeDocument/2006/relationships" xmlns:p="http://schemas.openxmlformats.org/presentationml/2006/main" saveSubsetFonts="1">
   <p:sldMasterIdLst>
-    <p:sldMasterId id="2147483665" r:id="rId13"/>
+    <p:sldMasterId id="2147483665" r:id="rId1"/>
   </p:sldMasterIdLst>
   <p:sldIdLst>
-    <p:sldId id="256" r:id="rId15"/>
-    <p:sldId id="257" r:id="rId16"/>
-    <p:sldId id="258" r:id="rId17"/>
+    <p:sldId id="256" r:id="rId2"/>
+    <p:sldId id="257" r:id="rId3"/>
+    <p:sldId id="258" r:id="rId4"/>
+    <p:sldId id="259" r:id="rId5"/>
   </p:sldIdLst>
-  <p:sldSz cx="9144000" cy="6858000"/>
+  <p:sldSz cx="9144000" cy="6858000" type="screen4x3"/>
   <p:notesSz cx="6858000" cy="9144000"/>
   <p:defaultTextStyle>
     <a:defPPr>
@@ -108,7 +109,7 @@
   </p:defaultTextStyle>
   <p:extLst>
     <p:ext uri="{EFAFB233-063F-42B5-8137-9DF3F51BA10A}">
-      <p15:sldGuideLst xmlns:p15="http://schemas.microsoft.com/office/powerpoint/2012/main">
+      <p15:sldGuideLst xmlns:p15="http://schemas.microsoft.com/office/powerpoint/2012/main" xmlns:p14="http://schemas.microsoft.com/office/powerpoint/2010/main" xmlns="">
         <p15:guide id="0" orient="horz" pos="2159" userDrawn="1">
           <p15:clr>
             <a:srgbClr val="A4A3A4"/>
@@ -3062,14 +3063,14 @@
           <p:nvPr>
             <p:extLst>
               <p:ext uri="{D42A27DB-BD31-4B8C-83A1-F6EECF244321}">
-                <p14:modId xmlns:p14="http://schemas.microsoft.com/office/powerpoint/2010/main" val="1429228819"/>
+                <p14:modId xmlns:p14="http://schemas.microsoft.com/office/powerpoint/2010/main" val="1324167315"/>
               </p:ext>
             </p:extLst>
           </p:nvPr>
         </p:nvGraphicFramePr>
         <p:xfrm>
-          <a:off x="35496" y="32008"/>
-          <a:ext cx="6264696" cy="3108960"/>
+          <a:off x="35496" y="32009"/>
+          <a:ext cx="6264696" cy="2865120"/>
         </p:xfrm>
         <a:graphic>
           <a:graphicData uri="http://schemas.openxmlformats.org/drawingml/2006/table">
@@ -3081,7 +3082,7 @@
                 <a:gridCol w="3164219"/>
                 <a:gridCol w="3100477"/>
               </a:tblGrid>
-              <a:tr h="1514976">
+              <a:tr h="966646">
                 <a:tc>
                   <a:txBody>
                     <a:bodyPr/>
@@ -3127,33 +3128,30 @@
                         <a:buAutoNum type="arabicPeriod"/>
                       </a:pPr>
                       <a:r>
-                        <a:rPr lang="ko-KR" altLang="en-US" sz="1600" b="1" baseline="0" dirty="0" smtClean="0">
-                          <a:latin typeface="나눔명조" panose="02020603020101020101" pitchFamily="18" charset="-127"/>
-                          <a:ea typeface="나눔명조" panose="02020603020101020101" pitchFamily="18" charset="-127"/>
-                        </a:rPr>
-                        <a:t>흥행 시리즈 </a:t>
-                      </a:r>
-                      <a:r>
-                        <a:rPr lang="en-US" altLang="ko-KR" sz="1600" b="1" baseline="0" dirty="0" smtClean="0">
-                          <a:latin typeface="나눔명조" panose="02020603020101020101" pitchFamily="18" charset="-127"/>
-                          <a:ea typeface="나눔명조" panose="02020603020101020101" pitchFamily="18" charset="-127"/>
-                        </a:rPr>
-                        <a:t>‘</a:t>
-                      </a:r>
-                      <a:r>
-                        <a:rPr lang="ko-KR" altLang="en-US" sz="1600" b="1" baseline="0" dirty="0" err="1" smtClean="0">
-                          <a:latin typeface="나눔명조" panose="02020603020101020101" pitchFamily="18" charset="-127"/>
-                          <a:ea typeface="나눔명조" panose="02020603020101020101" pitchFamily="18" charset="-127"/>
-                        </a:rPr>
-                        <a:t>리니지</a:t>
-                      </a:r>
-                      <a:r>
-                        <a:rPr lang="en-US" altLang="ko-KR" sz="1600" b="1" baseline="0" dirty="0" smtClean="0">
-                          <a:latin typeface="나눔명조" panose="02020603020101020101" pitchFamily="18" charset="-127"/>
-                          <a:ea typeface="나눔명조" panose="02020603020101020101" pitchFamily="18" charset="-127"/>
-                        </a:rPr>
-                        <a:t>’</a:t>
-                      </a:r>
+                        <a:rPr lang="ko-KR" altLang="en-US" sz="1600" b="1" dirty="0" smtClean="0">
+                          <a:latin typeface="나눔명조" panose="02020603020101020101" pitchFamily="18" charset="-127"/>
+                          <a:ea typeface="나눔명조" panose="02020603020101020101" pitchFamily="18" charset="-127"/>
+                        </a:rPr>
+                        <a:t>높은 </a:t>
+                      </a:r>
+                      <a:r>
+                        <a:rPr lang="en-US" altLang="ko-KR" sz="1600" b="1" dirty="0" smtClean="0">
+                          <a:latin typeface="나눔명조" panose="02020603020101020101" pitchFamily="18" charset="-127"/>
+                          <a:ea typeface="나눔명조" panose="02020603020101020101" pitchFamily="18" charset="-127"/>
+                        </a:rPr>
+                        <a:t>R&amp;D</a:t>
+                      </a:r>
+                      <a:r>
+                        <a:rPr lang="ko-KR" altLang="en-US" sz="1600" b="1" dirty="0" smtClean="0">
+                          <a:latin typeface="나눔명조" panose="02020603020101020101" pitchFamily="18" charset="-127"/>
+                          <a:ea typeface="나눔명조" panose="02020603020101020101" pitchFamily="18" charset="-127"/>
+                        </a:rPr>
+                        <a:t> 능력 보유</a:t>
+                      </a:r>
+                      <a:endParaRPr lang="en-US" altLang="ko-KR" sz="1600" b="1" dirty="0" smtClean="0">
+                        <a:latin typeface="나눔명조" panose="02020603020101020101" pitchFamily="18" charset="-127"/>
+                        <a:ea typeface="나눔명조" panose="02020603020101020101" pitchFamily="18" charset="-127"/>
+                      </a:endParaRPr>
                     </a:p>
                     <a:p>
                       <a:pPr marL="342900" indent="-342900" latinLnBrk="1">
@@ -3164,7 +3162,7 @@
                           <a:latin typeface="나눔명조" panose="02020603020101020101" pitchFamily="18" charset="-127"/>
                           <a:ea typeface="나눔명조" panose="02020603020101020101" pitchFamily="18" charset="-127"/>
                         </a:rPr>
-                        <a:t>높은 인지도</a:t>
+                        <a:t>흥행 시리즈로 인한 높은 인지도</a:t>
                       </a:r>
                       <a:endParaRPr lang="en-US" altLang="ko-KR" sz="1600" b="1" baseline="0" dirty="0" smtClean="0">
                         <a:latin typeface="나눔명조" panose="02020603020101020101" pitchFamily="18" charset="-127"/>
@@ -3253,57 +3251,20 @@
                         <a:buAutoNum type="arabicPeriod"/>
                       </a:pPr>
                       <a:r>
-                        <a:rPr lang="en-US" altLang="ko-KR" sz="1600" b="1" baseline="0" dirty="0" smtClean="0">
-                          <a:latin typeface="나눔명조" panose="02020603020101020101" pitchFamily="18" charset="-127"/>
-                          <a:ea typeface="나눔명조" panose="02020603020101020101" pitchFamily="18" charset="-127"/>
-                        </a:rPr>
-                        <a:t>MMORPG</a:t>
+                        <a:rPr lang="ko-KR" altLang="en-US" sz="1600" b="1" baseline="0" dirty="0" err="1" smtClean="0">
+                          <a:latin typeface="나눔명조" panose="02020603020101020101" pitchFamily="18" charset="-127"/>
+                          <a:ea typeface="나눔명조" panose="02020603020101020101" pitchFamily="18" charset="-127"/>
+                        </a:rPr>
+                        <a:t>롤플레잉</a:t>
                       </a:r>
                       <a:r>
                         <a:rPr lang="ko-KR" altLang="en-US" sz="1600" b="1" baseline="0" dirty="0" smtClean="0">
                           <a:latin typeface="나눔명조" panose="02020603020101020101" pitchFamily="18" charset="-127"/>
                           <a:ea typeface="나눔명조" panose="02020603020101020101" pitchFamily="18" charset="-127"/>
                         </a:rPr>
-                        <a:t>에 국한된 투자</a:t>
+                        <a:t> 장르에 종속된 투자</a:t>
                       </a:r>
                       <a:endParaRPr lang="en-US" altLang="ko-KR" sz="1600" b="1" baseline="0" dirty="0" smtClean="0">
-                        <a:latin typeface="나눔명조" panose="02020603020101020101" pitchFamily="18" charset="-127"/>
-                        <a:ea typeface="나눔명조" panose="02020603020101020101" pitchFamily="18" charset="-127"/>
-                      </a:endParaRPr>
-                    </a:p>
-                    <a:p>
-                      <a:pPr marL="342900" indent="-342900" latinLnBrk="1">
-                        <a:buAutoNum type="arabicPeriod"/>
-                      </a:pPr>
-                      <a:r>
-                        <a:rPr lang="en-US" altLang="ko-KR" sz="1600" b="1" baseline="0" dirty="0" smtClean="0">
-                          <a:latin typeface="나눔명조" panose="02020603020101020101" pitchFamily="18" charset="-127"/>
-                          <a:ea typeface="나눔명조" panose="02020603020101020101" pitchFamily="18" charset="-127"/>
-                        </a:rPr>
-                        <a:t>IP</a:t>
-                      </a:r>
-                      <a:r>
-                        <a:rPr lang="ko-KR" altLang="en-US" sz="1600" b="1" baseline="0" dirty="0" smtClean="0">
-                          <a:latin typeface="나눔명조" panose="02020603020101020101" pitchFamily="18" charset="-127"/>
-                          <a:ea typeface="나눔명조" panose="02020603020101020101" pitchFamily="18" charset="-127"/>
-                        </a:rPr>
-                        <a:t>에 대한 과도한</a:t>
-                      </a:r>
-                      <a:r>
-                        <a:rPr lang="en-US" altLang="ko-KR" sz="1600" b="1" baseline="0" dirty="0" smtClean="0">
-                          <a:latin typeface="나눔명조" panose="02020603020101020101" pitchFamily="18" charset="-127"/>
-                          <a:ea typeface="나눔명조" panose="02020603020101020101" pitchFamily="18" charset="-127"/>
-                        </a:rPr>
-                        <a:t> </a:t>
-                      </a:r>
-                      <a:r>
-                        <a:rPr lang="ko-KR" altLang="en-US" sz="1600" b="1" baseline="0" dirty="0" smtClean="0">
-                          <a:latin typeface="나눔명조" panose="02020603020101020101" pitchFamily="18" charset="-127"/>
-                          <a:ea typeface="나눔명조" panose="02020603020101020101" pitchFamily="18" charset="-127"/>
-                        </a:rPr>
-                        <a:t>의존성</a:t>
-                      </a:r>
-                      <a:endParaRPr lang="en-US" altLang="ko-KR" sz="1600" b="1" dirty="0" smtClean="0">
                         <a:latin typeface="나눔명조" panose="02020603020101020101" pitchFamily="18" charset="-127"/>
                         <a:ea typeface="나눔명조" panose="02020603020101020101" pitchFamily="18" charset="-127"/>
                       </a:endParaRPr>
@@ -3358,7 +3319,7 @@
                   </a:tcPr>
                 </a:tc>
               </a:tr>
-              <a:tr h="1514976">
+              <a:tr h="815015">
                 <a:tc>
                   <a:txBody>
                     <a:bodyPr/>
@@ -3382,25 +3343,18 @@
                         <a:buAutoNum type="arabicPeriod"/>
                       </a:pPr>
                       <a:r>
-                        <a:rPr lang="ko-KR" altLang="en-US" sz="1600" b="1" dirty="0" smtClean="0">
-                          <a:latin typeface="나눔명조" panose="02020603020101020101" pitchFamily="18" charset="-127"/>
-                          <a:ea typeface="나눔명조" panose="02020603020101020101" pitchFamily="18" charset="-127"/>
-                        </a:rPr>
-                        <a:t>게임 시장의</a:t>
-                      </a:r>
-                      <a:r>
                         <a:rPr lang="ko-KR" altLang="en-US" sz="1600" b="1" baseline="0" dirty="0" smtClean="0">
                           <a:latin typeface="나눔명조" panose="02020603020101020101" pitchFamily="18" charset="-127"/>
                           <a:ea typeface="나눔명조" panose="02020603020101020101" pitchFamily="18" charset="-127"/>
                         </a:rPr>
-                        <a:t> 지속적</a:t>
-                      </a:r>
-                      <a:r>
-                        <a:rPr lang="ko-KR" altLang="en-US" sz="1600" b="1" dirty="0" smtClean="0">
-                          <a:latin typeface="나눔명조" panose="02020603020101020101" pitchFamily="18" charset="-127"/>
-                          <a:ea typeface="나눔명조" panose="02020603020101020101" pitchFamily="18" charset="-127"/>
-                        </a:rPr>
-                        <a:t> 성장세</a:t>
+                        <a:t>확대되고 있는 게임 </a:t>
+                      </a:r>
+                      <a:r>
+                        <a:rPr lang="ko-KR" altLang="en-US" sz="1600" b="1" baseline="0" dirty="0" err="1" smtClean="0">
+                          <a:latin typeface="나눔명조" panose="02020603020101020101" pitchFamily="18" charset="-127"/>
+                          <a:ea typeface="나눔명조" panose="02020603020101020101" pitchFamily="18" charset="-127"/>
+                        </a:rPr>
+                        <a:t>유저층</a:t>
                       </a:r>
                       <a:endParaRPr lang="en-US" altLang="ko-KR" sz="1600" b="1" dirty="0" smtClean="0">
                         <a:latin typeface="나눔명조" panose="02020603020101020101" pitchFamily="18" charset="-127"/>
@@ -3412,25 +3366,18 @@
                         <a:buAutoNum type="arabicPeriod"/>
                       </a:pPr>
                       <a:r>
+                        <a:rPr lang="ko-KR" altLang="en-US" sz="1600" b="1" dirty="0" err="1" smtClean="0">
+                          <a:latin typeface="나눔명조" panose="02020603020101020101" pitchFamily="18" charset="-127"/>
+                          <a:ea typeface="나눔명조" panose="02020603020101020101" pitchFamily="18" charset="-127"/>
+                        </a:rPr>
+                        <a:t>모바일</a:t>
+                      </a:r>
+                      <a:r>
                         <a:rPr lang="ko-KR" altLang="en-US" sz="1600" b="1" dirty="0" smtClean="0">
                           <a:latin typeface="나눔명조" panose="02020603020101020101" pitchFamily="18" charset="-127"/>
                           <a:ea typeface="나눔명조" panose="02020603020101020101" pitchFamily="18" charset="-127"/>
                         </a:rPr>
-                        <a:t>게임을 즐기는 고객층의</a:t>
-                      </a:r>
-                      <a:r>
-                        <a:rPr lang="ko-KR" altLang="en-US" sz="1600" b="1" baseline="0" dirty="0" smtClean="0">
-                          <a:latin typeface="나눔명조" panose="02020603020101020101" pitchFamily="18" charset="-127"/>
-                          <a:ea typeface="나눔명조" panose="02020603020101020101" pitchFamily="18" charset="-127"/>
-                        </a:rPr>
-                        <a:t> </a:t>
-                      </a:r>
-                      <a:r>
-                        <a:rPr lang="ko-KR" altLang="en-US" sz="1600" b="1" dirty="0" smtClean="0">
-                          <a:latin typeface="나눔명조" panose="02020603020101020101" pitchFamily="18" charset="-127"/>
-                          <a:ea typeface="나눔명조" panose="02020603020101020101" pitchFamily="18" charset="-127"/>
-                        </a:rPr>
-                        <a:t>확대</a:t>
+                        <a:t> 게임 시장의 비중 확대</a:t>
                       </a:r>
                       <a:endParaRPr lang="en-US" altLang="ko-KR" sz="1600" b="1" dirty="0" smtClean="0">
                         <a:latin typeface="나눔명조" panose="02020603020101020101" pitchFamily="18" charset="-127"/>
@@ -3438,38 +3385,8 @@
                       </a:endParaRPr>
                     </a:p>
                     <a:p>
-                      <a:pPr marL="342900" indent="-342900" latinLnBrk="1">
-                        <a:buAutoNum type="arabicPeriod"/>
-                      </a:pPr>
-                      <a:r>
-                        <a:rPr lang="ko-KR" altLang="en-US" sz="1600" b="1" dirty="0" smtClean="0">
-                          <a:latin typeface="나눔명조" panose="02020603020101020101" pitchFamily="18" charset="-127"/>
-                          <a:ea typeface="나눔명조" panose="02020603020101020101" pitchFamily="18" charset="-127"/>
-                        </a:rPr>
-                        <a:t>높은 </a:t>
-                      </a:r>
-                      <a:r>
-                        <a:rPr lang="en-US" altLang="ko-KR" sz="1600" b="1" dirty="0" smtClean="0">
-                          <a:latin typeface="나눔명조" panose="02020603020101020101" pitchFamily="18" charset="-127"/>
-                          <a:ea typeface="나눔명조" panose="02020603020101020101" pitchFamily="18" charset="-127"/>
-                        </a:rPr>
-                        <a:t>R&amp;D</a:t>
-                      </a:r>
-                      <a:r>
-                        <a:rPr lang="ko-KR" altLang="en-US" sz="1600" b="1" dirty="0" smtClean="0">
-                          <a:latin typeface="나눔명조" panose="02020603020101020101" pitchFamily="18" charset="-127"/>
-                          <a:ea typeface="나눔명조" panose="02020603020101020101" pitchFamily="18" charset="-127"/>
-                        </a:rPr>
-                        <a:t> 능력 보유</a:t>
-                      </a:r>
-                      <a:endParaRPr lang="en-US" altLang="ko-KR" sz="1600" b="1" dirty="0" smtClean="0">
-                        <a:latin typeface="나눔명조" panose="02020603020101020101" pitchFamily="18" charset="-127"/>
-                        <a:ea typeface="나눔명조" panose="02020603020101020101" pitchFamily="18" charset="-127"/>
-                      </a:endParaRPr>
-                    </a:p>
-                    <a:p>
-                      <a:pPr marL="342900" indent="-342900" latinLnBrk="1">
-                        <a:buAutoNum type="arabicPeriod"/>
+                      <a:pPr marL="0" indent="0" latinLnBrk="1">
+                        <a:buNone/>
                       </a:pPr>
                       <a:endParaRPr lang="en-US" altLang="ko-KR" sz="1600" b="1" dirty="0" smtClean="0">
                         <a:latin typeface="나눔명조" panose="02020603020101020101" pitchFamily="18" charset="-127"/>
@@ -3543,16 +3460,67 @@
                           <a:latin typeface="나눔명조" panose="02020603020101020101" pitchFamily="18" charset="-127"/>
                           <a:ea typeface="나눔명조" panose="02020603020101020101" pitchFamily="18" charset="-127"/>
                         </a:rPr>
-                        <a:t>점차적인 경쟁사들의</a:t>
+                        <a:t>경쟁사들과의</a:t>
                       </a:r>
                       <a:r>
                         <a:rPr lang="ko-KR" altLang="en-US" sz="1600" b="1" baseline="0" dirty="0" smtClean="0">
                           <a:latin typeface="나눔명조" panose="02020603020101020101" pitchFamily="18" charset="-127"/>
                           <a:ea typeface="나눔명조" panose="02020603020101020101" pitchFamily="18" charset="-127"/>
                         </a:rPr>
-                        <a:t> 위협</a:t>
+                        <a:t> 치열한 경쟁</a:t>
                       </a:r>
                       <a:endParaRPr lang="en-US" altLang="ko-KR" sz="1600" b="1" baseline="0" dirty="0" smtClean="0">
+                        <a:latin typeface="나눔명조" panose="02020603020101020101" pitchFamily="18" charset="-127"/>
+                        <a:ea typeface="나눔명조" panose="02020603020101020101" pitchFamily="18" charset="-127"/>
+                      </a:endParaRPr>
+                    </a:p>
+                    <a:p>
+                      <a:pPr marL="342900" marR="0" indent="-342900" algn="l" defTabSz="914400" rtl="0" eaLnBrk="1" fontAlgn="auto" latinLnBrk="1" hangingPunct="1">
+                        <a:lnSpc>
+                          <a:spcPct val="100000"/>
+                        </a:lnSpc>
+                        <a:spcBef>
+                          <a:spcPts val="0"/>
+                        </a:spcBef>
+                        <a:spcAft>
+                          <a:spcPts val="0"/>
+                        </a:spcAft>
+                        <a:buClrTx/>
+                        <a:buSzTx/>
+                        <a:buFontTx/>
+                        <a:buAutoNum type="arabicPeriod"/>
+                        <a:tabLst/>
+                        <a:defRPr/>
+                      </a:pPr>
+                      <a:r>
+                        <a:rPr lang="en-US" altLang="ko-KR" sz="1600" b="1" baseline="0" dirty="0" smtClean="0">
+                          <a:latin typeface="나눔명조" panose="02020603020101020101" pitchFamily="18" charset="-127"/>
+                          <a:ea typeface="나눔명조" panose="02020603020101020101" pitchFamily="18" charset="-127"/>
+                        </a:rPr>
+                        <a:t>IP</a:t>
+                      </a:r>
+                      <a:r>
+                        <a:rPr lang="ko-KR" altLang="en-US" sz="1600" b="1" baseline="0" dirty="0" smtClean="0">
+                          <a:latin typeface="나눔명조" panose="02020603020101020101" pitchFamily="18" charset="-127"/>
+                          <a:ea typeface="나눔명조" panose="02020603020101020101" pitchFamily="18" charset="-127"/>
+                        </a:rPr>
+                        <a:t>에 대한 과도한</a:t>
+                      </a:r>
+                      <a:r>
+                        <a:rPr lang="en-US" altLang="ko-KR" sz="1600" b="1" baseline="0" dirty="0" smtClean="0">
+                          <a:latin typeface="나눔명조" panose="02020603020101020101" pitchFamily="18" charset="-127"/>
+                          <a:ea typeface="나눔명조" panose="02020603020101020101" pitchFamily="18" charset="-127"/>
+                        </a:rPr>
+                        <a:t> </a:t>
+                      </a:r>
+                      <a:r>
+                        <a:rPr lang="ko-KR" altLang="en-US" sz="1600" b="1" baseline="0" dirty="0" smtClean="0">
+                          <a:latin typeface="나눔명조" panose="02020603020101020101" pitchFamily="18" charset="-127"/>
+                          <a:ea typeface="나눔명조" panose="02020603020101020101" pitchFamily="18" charset="-127"/>
+                        </a:rPr>
+                        <a:t>의존성</a:t>
+                      </a:r>
+                      <a:endParaRPr lang="en-US" altLang="ko-KR" sz="1600" b="1" dirty="0" smtClean="0">
                         <a:latin typeface="나눔명조" panose="02020603020101020101" pitchFamily="18" charset="-127"/>
                         <a:ea typeface="나눔명조" panose="02020603020101020101" pitchFamily="18" charset="-127"/>
                       </a:endParaRPr>
@@ -3561,35 +3529,7 @@
                       <a:pPr marL="342900" indent="-342900" latinLnBrk="1">
                         <a:buAutoNum type="arabicPeriod"/>
                       </a:pPr>
-                      <a:r>
-                        <a:rPr lang="ko-KR" altLang="en-US" sz="1600" b="1" baseline="0" dirty="0" smtClean="0">
-                          <a:latin typeface="나눔명조" panose="02020603020101020101" pitchFamily="18" charset="-127"/>
-                          <a:ea typeface="나눔명조" panose="02020603020101020101" pitchFamily="18" charset="-127"/>
-                        </a:rPr>
-                        <a:t>유명 </a:t>
-                      </a:r>
-                      <a:r>
-                        <a:rPr lang="en-US" altLang="ko-KR" sz="1600" b="1" baseline="0" dirty="0" smtClean="0">
-                          <a:latin typeface="나눔명조" panose="02020603020101020101" pitchFamily="18" charset="-127"/>
-                          <a:ea typeface="나눔명조" panose="02020603020101020101" pitchFamily="18" charset="-127"/>
-                        </a:rPr>
-                        <a:t>IP </a:t>
-                      </a:r>
-                      <a:r>
-                        <a:rPr lang="ko-KR" altLang="en-US" sz="1600" b="1" baseline="0" dirty="0" smtClean="0">
-                          <a:latin typeface="나눔명조" panose="02020603020101020101" pitchFamily="18" charset="-127"/>
-                          <a:ea typeface="나눔명조" panose="02020603020101020101" pitchFamily="18" charset="-127"/>
-                        </a:rPr>
-                        <a:t>붕괴 시 마땅한 대책이 없음</a:t>
-                      </a:r>
-                      <a:r>
-                        <a:rPr lang="en-US" altLang="ko-KR" sz="1600" b="1" baseline="0" dirty="0" smtClean="0">
-                          <a:latin typeface="나눔명조" panose="02020603020101020101" pitchFamily="18" charset="-127"/>
-                          <a:ea typeface="나눔명조" panose="02020603020101020101" pitchFamily="18" charset="-127"/>
-                        </a:rPr>
-                        <a:t>.</a:t>
-                      </a:r>
-                      <a:endParaRPr lang="en-US" altLang="ko-KR" sz="1600" b="1" dirty="0" smtClean="0">
+                      <a:endParaRPr lang="en-US" altLang="ko-KR" sz="1600" b="1" baseline="0" dirty="0" smtClean="0">
                         <a:latin typeface="나눔명조" panose="02020603020101020101" pitchFamily="18" charset="-127"/>
                         <a:ea typeface="나눔명조" panose="02020603020101020101" pitchFamily="18" charset="-127"/>
                       </a:endParaRPr>
@@ -3832,7 +3772,7 @@
           <p:nvPr>
             <p:extLst>
               <p:ext uri="{D42A27DB-BD31-4B8C-83A1-F6EECF244321}">
-                <p14:modId xmlns:p14="http://schemas.microsoft.com/office/powerpoint/2010/main" val="1987660393"/>
+                <p14:modId xmlns:p14="http://schemas.microsoft.com/office/powerpoint/2010/main" val="1285917929"/>
               </p:ext>
             </p:extLst>
           </p:nvPr>
@@ -3932,25 +3872,39 @@
                         <a:buAutoNum type="arabicPeriod"/>
                       </a:pPr>
                       <a:r>
+                        <a:rPr lang="en-US" altLang="ko-KR" sz="1400" b="1" i="0" baseline="0" dirty="0" smtClean="0">
+                          <a:latin typeface="나눔명조" panose="02020603020101020101" pitchFamily="18" charset="-127"/>
+                          <a:ea typeface="나눔명조" panose="02020603020101020101" pitchFamily="18" charset="-127"/>
+                        </a:rPr>
+                        <a:t>R&amp;D </a:t>
+                      </a:r>
+                      <a:r>
                         <a:rPr lang="ko-KR" altLang="en-US" sz="1400" b="1" i="0" baseline="0" dirty="0" smtClean="0">
                           <a:latin typeface="나눔명조" panose="02020603020101020101" pitchFamily="18" charset="-127"/>
                           <a:ea typeface="나눔명조" panose="02020603020101020101" pitchFamily="18" charset="-127"/>
                         </a:rPr>
-                        <a:t>높은 인지도와 </a:t>
-                      </a:r>
-                      <a:r>
-                        <a:rPr lang="en-US" altLang="ko-KR" sz="1400" b="1" i="0" baseline="0" dirty="0" smtClean="0">
-                          <a:latin typeface="나눔명조" panose="02020603020101020101" pitchFamily="18" charset="-127"/>
-                          <a:ea typeface="나눔명조" panose="02020603020101020101" pitchFamily="18" charset="-127"/>
-                        </a:rPr>
-                        <a:t>R&amp;D </a:t>
+                        <a:t>능력을 </a:t>
                       </a:r>
                       <a:r>
                         <a:rPr lang="ko-KR" altLang="en-US" sz="1400" b="1" i="0" baseline="0" dirty="0" smtClean="0">
                           <a:latin typeface="나눔명조" panose="02020603020101020101" pitchFamily="18" charset="-127"/>
                           <a:ea typeface="나눔명조" panose="02020603020101020101" pitchFamily="18" charset="-127"/>
                         </a:rPr>
-                        <a:t>능력을 결합하여 새로운 게임을 개발한다</a:t>
+                        <a:t>이용하여 </a:t>
+                      </a:r>
+                      <a:r>
+                        <a:rPr lang="ko-KR" altLang="en-US" sz="1400" b="1" i="0" baseline="0" dirty="0" smtClean="0">
+                          <a:latin typeface="나눔명조" panose="02020603020101020101" pitchFamily="18" charset="-127"/>
+                          <a:ea typeface="나눔명조" panose="02020603020101020101" pitchFamily="18" charset="-127"/>
+                        </a:rPr>
+                        <a:t>새로운 </a:t>
+                      </a:r>
+                      <a:r>
+                        <a:rPr lang="ko-KR" altLang="en-US" sz="1400" b="1" i="0" baseline="0" dirty="0" smtClean="0">
+                          <a:latin typeface="나눔명조" panose="02020603020101020101" pitchFamily="18" charset="-127"/>
+                          <a:ea typeface="나눔명조" panose="02020603020101020101" pitchFamily="18" charset="-127"/>
+                        </a:rPr>
+                        <a:t>장르의 게임을 시도해 본다</a:t>
                       </a:r>
                       <a:r>
                         <a:rPr lang="en-US" altLang="ko-KR" sz="1400" b="1" i="0" baseline="0" dirty="0" smtClean="0">
@@ -3984,7 +3938,28 @@
                           <a:latin typeface="나눔명조" panose="02020603020101020101" pitchFamily="18" charset="-127"/>
                           <a:ea typeface="나눔명조" panose="02020603020101020101" pitchFamily="18" charset="-127"/>
                         </a:rPr>
-                        <a:t>높은 인지도를 이용하여 확대된 고객층을 겨냥한 마케팅을   실시한다</a:t>
+                        <a:t>높은 인지도를 이용하여 </a:t>
+                      </a:r>
+                      <a:r>
+                        <a:rPr lang="ko-KR" altLang="en-US" sz="1400" b="1" i="0" baseline="0" dirty="0" smtClean="0">
+                          <a:latin typeface="나눔명조" panose="02020603020101020101" pitchFamily="18" charset="-127"/>
+                          <a:ea typeface="나눔명조" panose="02020603020101020101" pitchFamily="18" charset="-127"/>
+                        </a:rPr>
+                        <a:t>새로운 고객을 </a:t>
+                      </a:r>
+                      <a:r>
+                        <a:rPr lang="ko-KR" altLang="en-US" sz="1400" b="1" i="0" baseline="0" dirty="0" smtClean="0">
+                          <a:latin typeface="나눔명조" panose="02020603020101020101" pitchFamily="18" charset="-127"/>
+                          <a:ea typeface="나눔명조" panose="02020603020101020101" pitchFamily="18" charset="-127"/>
+                        </a:rPr>
+                        <a:t>겨냥한 마케팅을 </a:t>
+                      </a:r>
+                      <a:r>
+                        <a:rPr lang="ko-KR" altLang="en-US" sz="1400" b="1" i="0" baseline="0" dirty="0" smtClean="0">
+                          <a:latin typeface="나눔명조" panose="02020603020101020101" pitchFamily="18" charset="-127"/>
+                          <a:ea typeface="나눔명조" panose="02020603020101020101" pitchFamily="18" charset="-127"/>
+                        </a:rPr>
+                        <a:t>실시한다</a:t>
                       </a:r>
                       <a:r>
                         <a:rPr lang="en-US" altLang="ko-KR" sz="1400" b="1" i="0" baseline="0" dirty="0" smtClean="0">
@@ -4116,61 +4091,65 @@
                         <a:buAutoNum type="arabicPeriod"/>
                       </a:pPr>
                       <a:r>
+                        <a:rPr lang="ko-KR" altLang="en-US" sz="1400" b="1" i="0" dirty="0" err="1" smtClean="0">
+                          <a:latin typeface="나눔명조" panose="02020603020101020101" pitchFamily="18" charset="-127"/>
+                          <a:ea typeface="나눔명조" panose="02020603020101020101" pitchFamily="18" charset="-127"/>
+                        </a:rPr>
+                        <a:t>모바일</a:t>
+                      </a:r>
+                      <a:r>
+                        <a:rPr lang="ko-KR" altLang="en-US" sz="1400" b="1" i="0" dirty="0" smtClean="0">
+                          <a:latin typeface="나눔명조" panose="02020603020101020101" pitchFamily="18" charset="-127"/>
+                          <a:ea typeface="나눔명조" panose="02020603020101020101" pitchFamily="18" charset="-127"/>
+                        </a:rPr>
+                        <a:t> 게임 시장의 비중 확대를 발판 삼아</a:t>
+                      </a:r>
+                      <a:r>
                         <a:rPr lang="en-US" altLang="ko-KR" sz="1400" b="1" i="0" dirty="0" smtClean="0">
                           <a:latin typeface="나눔명조" panose="02020603020101020101" pitchFamily="18" charset="-127"/>
                           <a:ea typeface="나눔명조" panose="02020603020101020101" pitchFamily="18" charset="-127"/>
                         </a:rPr>
-                        <a:t>R&amp;D</a:t>
+                        <a:t>, </a:t>
+                      </a:r>
+                      <a:r>
+                        <a:rPr lang="ko-KR" altLang="en-US" sz="1400" b="1" i="0" dirty="0" smtClean="0">
+                          <a:latin typeface="나눔명조" panose="02020603020101020101" pitchFamily="18" charset="-127"/>
+                          <a:ea typeface="나눔명조" panose="02020603020101020101" pitchFamily="18" charset="-127"/>
+                        </a:rPr>
+                        <a:t>다양한 장르의 </a:t>
+                      </a:r>
+                      <a:r>
+                        <a:rPr lang="ko-KR" altLang="en-US" sz="1400" b="1" i="0" dirty="0" err="1" smtClean="0">
+                          <a:latin typeface="나눔명조" panose="02020603020101020101" pitchFamily="18" charset="-127"/>
+                          <a:ea typeface="나눔명조" panose="02020603020101020101" pitchFamily="18" charset="-127"/>
+                        </a:rPr>
+                        <a:t>모바일</a:t>
+                      </a:r>
+                      <a:r>
+                        <a:rPr lang="ko-KR" altLang="en-US" sz="1400" b="1" i="0" dirty="0" smtClean="0">
+                          <a:latin typeface="나눔명조" panose="02020603020101020101" pitchFamily="18" charset="-127"/>
+                          <a:ea typeface="나눔명조" panose="02020603020101020101" pitchFamily="18" charset="-127"/>
+                        </a:rPr>
+                        <a:t> 게임</a:t>
+                      </a:r>
+                      <a:r>
+                        <a:rPr lang="ko-KR" altLang="en-US" sz="1400" b="1" i="0" baseline="0" dirty="0" smtClean="0">
+                          <a:latin typeface="나눔명조" panose="02020603020101020101" pitchFamily="18" charset="-127"/>
+                          <a:ea typeface="나눔명조" panose="02020603020101020101" pitchFamily="18" charset="-127"/>
+                        </a:rPr>
+                        <a:t>에 투자를 시도한다</a:t>
                       </a:r>
                       <a:r>
                         <a:rPr lang="en-US" altLang="ko-KR" sz="1400" b="1" i="0" baseline="0" dirty="0" smtClean="0">
                           <a:latin typeface="나눔명조" panose="02020603020101020101" pitchFamily="18" charset="-127"/>
                           <a:ea typeface="나눔명조" panose="02020603020101020101" pitchFamily="18" charset="-127"/>
                         </a:rPr>
-                        <a:t> </a:t>
-                      </a:r>
-                      <a:r>
-                        <a:rPr lang="ko-KR" altLang="en-US" sz="1400" b="1" i="0" baseline="0" dirty="0" smtClean="0">
-                          <a:latin typeface="나눔명조" panose="02020603020101020101" pitchFamily="18" charset="-127"/>
-                          <a:ea typeface="나눔명조" panose="02020603020101020101" pitchFamily="18" charset="-127"/>
-                        </a:rPr>
-                        <a:t>능력을 기반으로 </a:t>
-                      </a:r>
-                      <a:r>
-                        <a:rPr lang="en-US" altLang="ko-KR" sz="1400" b="1" i="0" baseline="0" dirty="0" smtClean="0">
-                          <a:latin typeface="나눔명조" panose="02020603020101020101" pitchFamily="18" charset="-127"/>
-                          <a:ea typeface="나눔명조" panose="02020603020101020101" pitchFamily="18" charset="-127"/>
-                        </a:rPr>
-                        <a:t>IP</a:t>
-                      </a:r>
-                      <a:r>
-                        <a:rPr lang="ko-KR" altLang="en-US" sz="1400" b="1" i="0" baseline="0" dirty="0" smtClean="0">
-                          <a:latin typeface="나눔명조" panose="02020603020101020101" pitchFamily="18" charset="-127"/>
-                          <a:ea typeface="나눔명조" panose="02020603020101020101" pitchFamily="18" charset="-127"/>
-                        </a:rPr>
-                        <a:t> 의존도를 낮추고 </a:t>
-                      </a:r>
-                      <a:r>
-                        <a:rPr lang="en-US" altLang="ko-KR" sz="1400" b="1" i="0" baseline="0" dirty="0" smtClean="0">
-                          <a:latin typeface="나눔명조" panose="02020603020101020101" pitchFamily="18" charset="-127"/>
-                          <a:ea typeface="나눔명조" panose="02020603020101020101" pitchFamily="18" charset="-127"/>
-                        </a:rPr>
-                        <a:t>MMORPG</a:t>
-                      </a:r>
-                      <a:r>
-                        <a:rPr lang="ko-KR" altLang="en-US" sz="1400" b="1" i="0" baseline="0" dirty="0" smtClean="0">
-                          <a:latin typeface="나눔명조" panose="02020603020101020101" pitchFamily="18" charset="-127"/>
-                          <a:ea typeface="나눔명조" panose="02020603020101020101" pitchFamily="18" charset="-127"/>
-                        </a:rPr>
-                        <a:t>의 틀에서 벗어난다</a:t>
-                      </a:r>
-                      <a:r>
-                        <a:rPr lang="en-US" altLang="ko-KR" sz="1400" b="1" i="0" baseline="0" dirty="0" smtClean="0">
-                          <a:latin typeface="나눔명조" panose="02020603020101020101" pitchFamily="18" charset="-127"/>
-                          <a:ea typeface="나눔명조" panose="02020603020101020101" pitchFamily="18" charset="-127"/>
-                        </a:rPr>
                         <a:t>.</a:t>
                       </a:r>
+                      <a:endParaRPr lang="en-US" altLang="ko-KR" sz="1400" b="1" i="0" dirty="0" smtClean="0">
+                        <a:latin typeface="나눔명조" panose="02020603020101020101" pitchFamily="18" charset="-127"/>
+                        <a:ea typeface="나눔명조" panose="02020603020101020101" pitchFamily="18" charset="-127"/>
+                      </a:endParaRPr>
                     </a:p>
                     <a:p>
                       <a:pPr marL="342900" indent="-342900" latinLnBrk="1">
@@ -4196,7 +4175,14 @@
                           <a:latin typeface="나눔명조" panose="02020603020101020101" pitchFamily="18" charset="-127"/>
                           <a:ea typeface="나눔명조" panose="02020603020101020101" pitchFamily="18" charset="-127"/>
                         </a:rPr>
-                        <a:t>과도한 결제 유도 시스템을 줄이고 새로운 고객층을 확보한다</a:t>
+                        <a:t>과도한 결제 유도 시스템을 </a:t>
+                      </a:r>
+                      <a:r>
+                        <a:rPr lang="ko-KR" altLang="en-US" sz="1400" b="1" i="0" baseline="0" dirty="0" smtClean="0">
+                          <a:latin typeface="나눔명조" panose="02020603020101020101" pitchFamily="18" charset="-127"/>
+                          <a:ea typeface="나눔명조" panose="02020603020101020101" pitchFamily="18" charset="-127"/>
+                        </a:rPr>
+                        <a:t>줄여 게임의 진입 장벽을 낮춘 후 새로운 유저를 유치한다</a:t>
                       </a:r>
                       <a:r>
                         <a:rPr lang="en-US" altLang="ko-KR" sz="1400" b="1" i="0" baseline="0" dirty="0" smtClean="0">
@@ -4336,15 +4322,33 @@
                           <a:latin typeface="나눔명조" panose="02020603020101020101" pitchFamily="18" charset="-127"/>
                           <a:ea typeface="나눔명조" panose="02020603020101020101" pitchFamily="18" charset="-127"/>
                         </a:rPr>
-                        <a:t>오랜 시간 다져진 고객층을 겨냥한 마케팅으로 경쟁사들로부터 고객층을 두텁게 한다</a:t>
+                        <a:t>경쟁사는 보유하고 있지 않은 </a:t>
                       </a:r>
                       <a:r>
                         <a:rPr lang="en-US" altLang="ko-KR" sz="1400" b="1" i="0" baseline="0" dirty="0" smtClean="0">
                           <a:latin typeface="나눔명조" panose="02020603020101020101" pitchFamily="18" charset="-127"/>
                           <a:ea typeface="나눔명조" panose="02020603020101020101" pitchFamily="18" charset="-127"/>
                         </a:rPr>
+                        <a:t>R&amp;D </a:t>
+                      </a:r>
+                      <a:r>
+                        <a:rPr lang="ko-KR" altLang="en-US" sz="1400" b="1" i="0" baseline="0" dirty="0" smtClean="0">
+                          <a:latin typeface="나눔명조" panose="02020603020101020101" pitchFamily="18" charset="-127"/>
+                          <a:ea typeface="나눔명조" panose="02020603020101020101" pitchFamily="18" charset="-127"/>
+                        </a:rPr>
+                        <a:t>능력을 활용하여 경쟁력을 확보한다</a:t>
+                      </a:r>
+                      <a:r>
+                        <a:rPr lang="en-US" altLang="ko-KR" sz="1400" b="1" i="0" baseline="0" dirty="0" smtClean="0">
+                          <a:latin typeface="나눔명조" panose="02020603020101020101" pitchFamily="18" charset="-127"/>
+                          <a:ea typeface="나눔명조" panose="02020603020101020101" pitchFamily="18" charset="-127"/>
+                        </a:rPr>
                         <a:t>.</a:t>
                       </a:r>
+                      <a:endParaRPr lang="en-US" altLang="ko-KR" sz="1400" b="1" i="0" baseline="0" dirty="0" smtClean="0">
+                        <a:latin typeface="나눔명조" panose="02020603020101020101" pitchFamily="18" charset="-127"/>
+                        <a:ea typeface="나눔명조" panose="02020603020101020101" pitchFamily="18" charset="-127"/>
+                      </a:endParaRPr>
                     </a:p>
                     <a:p>
                       <a:pPr marL="0" indent="0" latinLnBrk="1">
@@ -4353,6 +4357,13 @@
                         </a:lnSpc>
                         <a:buNone/>
                       </a:pPr>
+                      <a:r>
+                        <a:rPr lang="en-US" altLang="ko-KR" sz="200" b="1" i="0" baseline="0" dirty="0" smtClean="0">
+                          <a:latin typeface="나눔명조" panose="02020603020101020101" pitchFamily="18" charset="-127"/>
+                          <a:ea typeface="나눔명조" panose="02020603020101020101" pitchFamily="18" charset="-127"/>
+                        </a:rPr>
+                        <a:t> </a:t>
+                      </a:r>
                       <a:endParaRPr lang="en-US" altLang="ko-KR" sz="200" b="1" i="0" baseline="0" dirty="0" smtClean="0">
                         <a:latin typeface="나눔명조" panose="02020603020101020101" pitchFamily="18" charset="-127"/>
                         <a:ea typeface="나눔명조" panose="02020603020101020101" pitchFamily="18" charset="-127"/>
@@ -4370,7 +4381,7 @@
                           <a:latin typeface="나눔명조" panose="02020603020101020101" pitchFamily="18" charset="-127"/>
                           <a:ea typeface="나눔명조" panose="02020603020101020101" pitchFamily="18" charset="-127"/>
                         </a:rPr>
-                        <a:t>높은 인지도를 이용한 전략적 마케팅으로 신규 고객층에 대한 경쟁력을 확보한다</a:t>
+                        <a:t>오랜 시간 다져진 고객층을 통해 고정된 유저 층을 형성한다</a:t>
                       </a:r>
                       <a:r>
                         <a:rPr lang="en-US" altLang="ko-KR" sz="1400" b="1" i="0" baseline="0" dirty="0" smtClean="0">
@@ -4662,7 +4673,7 @@
 </file>
 
 <file path=ppt/slides/slide2.xml><?xml version="1.0" encoding="utf-8"?>
-<p:sld xmlns:a="http://schemas.openxmlformats.org/drawingml/2006/main" xmlns:r="http://schemas.openxmlformats.org/officeDocument/2006/relationships" xmlns:p="http://schemas.openxmlformats.org/presentationml/2006/main" xmlns:p14="http://schemas.microsoft.com/office/powerpoint/2010/main">
+<p:sld xmlns:a="http://schemas.openxmlformats.org/drawingml/2006/main" xmlns:r="http://schemas.openxmlformats.org/officeDocument/2006/relationships" xmlns:p="http://schemas.openxmlformats.org/presentationml/2006/main">
   <p:cSld>
     <p:spTree>
       <p:nvGrpSpPr>
@@ -4687,14 +4698,14 @@
           <p:nvPr>
             <p:extLst>
               <p:ext uri="{D42A27DB-BD31-4B8C-83A1-F6EECF244321}">
-                <p14:modId xmlns:p14="http://schemas.microsoft.com/office/powerpoint/2010/main" val="3604934309"/>
+                <p14:modId xmlns:p14="http://schemas.microsoft.com/office/powerpoint/2010/main" val="1746089647"/>
               </p:ext>
             </p:extLst>
           </p:nvPr>
         </p:nvGraphicFramePr>
         <p:xfrm>
           <a:off x="35496" y="32008"/>
-          <a:ext cx="6264696" cy="3029952"/>
+          <a:ext cx="6264696" cy="2743200"/>
         </p:xfrm>
         <a:graphic>
           <a:graphicData uri="http://schemas.openxmlformats.org/drawingml/2006/table">
@@ -4706,7 +4717,7 @@
                 <a:gridCol w="3164219"/>
                 <a:gridCol w="3100477"/>
               </a:tblGrid>
-              <a:tr h="1514976">
+              <a:tr h="1338456">
                 <a:tc>
                   <a:txBody>
                     <a:bodyPr/>
@@ -4767,7 +4778,14 @@
                           <a:latin typeface="나눔명조" panose="02020603020101020101" pitchFamily="18" charset="-127"/>
                           <a:ea typeface="나눔명조" panose="02020603020101020101" pitchFamily="18" charset="-127"/>
                         </a:rPr>
-                        <a:t>이 문제로 거론되고 있음</a:t>
+                        <a:t>이 문제로 거론되고 </a:t>
+                      </a:r>
+                      <a:r>
+                        <a:rPr lang="ko-KR" altLang="en-US" sz="1200" b="1" dirty="0" smtClean="0">
+                          <a:latin typeface="나눔명조" panose="02020603020101020101" pitchFamily="18" charset="-127"/>
+                          <a:ea typeface="나눔명조" panose="02020603020101020101" pitchFamily="18" charset="-127"/>
+                        </a:rPr>
+                        <a:t>있다</a:t>
                       </a:r>
                       <a:r>
                         <a:rPr lang="en-US" altLang="ko-KR" sz="1200" b="1" dirty="0" smtClean="0">
@@ -4788,7 +4806,14 @@
                           <a:latin typeface="나눔명조" panose="02020603020101020101" pitchFamily="18" charset="-127"/>
                           <a:ea typeface="나눔명조" panose="02020603020101020101" pitchFamily="18" charset="-127"/>
                         </a:rPr>
-                        <a:t>이에 대한 정부의 규제적 압박이 있을 수도 있음</a:t>
+                        <a:t>이에 대한 정부의 규제적 압박이 있을 수도 </a:t>
+                      </a:r>
+                      <a:r>
+                        <a:rPr lang="ko-KR" altLang="en-US" sz="1200" b="1" dirty="0" smtClean="0">
+                          <a:latin typeface="나눔명조" panose="02020603020101020101" pitchFamily="18" charset="-127"/>
+                          <a:ea typeface="나눔명조" panose="02020603020101020101" pitchFamily="18" charset="-127"/>
+                        </a:rPr>
+                        <a:t>있다</a:t>
                       </a:r>
                       <a:r>
                         <a:rPr lang="en-US" altLang="ko-KR" sz="1200" b="1" dirty="0" smtClean="0">
@@ -4878,7 +4903,14 @@
                           <a:latin typeface="나눔명조" panose="02020603020101020101" pitchFamily="18" charset="-127"/>
                           <a:ea typeface="나눔명조" panose="02020603020101020101" pitchFamily="18" charset="-127"/>
                         </a:rPr>
-                        <a:t>게임 산업은 경기 불황과 관계 없이 지속적으로 성장하는 경향이 있음</a:t>
+                        <a:t>게임 산업은 경기 불황과 관계 없이 지속적으로 성장하는 경향이 </a:t>
+                      </a:r>
+                      <a:r>
+                        <a:rPr lang="ko-KR" altLang="en-US" sz="1200" b="1" dirty="0" smtClean="0">
+                          <a:latin typeface="나눔명조" panose="02020603020101020101" pitchFamily="18" charset="-127"/>
+                          <a:ea typeface="나눔명조" panose="02020603020101020101" pitchFamily="18" charset="-127"/>
+                        </a:rPr>
+                        <a:t>있다</a:t>
                       </a:r>
                       <a:r>
                         <a:rPr lang="en-US" altLang="ko-KR" sz="1200" b="1" dirty="0" smtClean="0">
@@ -4906,7 +4938,28 @@
                           <a:latin typeface="나눔명조" panose="02020603020101020101" pitchFamily="18" charset="-127"/>
                           <a:ea typeface="나눔명조" panose="02020603020101020101" pitchFamily="18" charset="-127"/>
                         </a:rPr>
-                        <a:t>년 금융 위기 당시에도 게임 시장은 고도 성장을 유지한 바 있음</a:t>
+                        <a:t>년 </a:t>
+                      </a:r>
+                      <a:r>
+                        <a:rPr lang="ko-KR" altLang="en-US" sz="1200" b="1" baseline="0" dirty="0" smtClean="0">
+                          <a:latin typeface="나눔명조" panose="02020603020101020101" pitchFamily="18" charset="-127"/>
+                          <a:ea typeface="나눔명조" panose="02020603020101020101" pitchFamily="18" charset="-127"/>
+                        </a:rPr>
+                        <a:t>글로벌 금융 </a:t>
+                      </a:r>
+                      <a:r>
+                        <a:rPr lang="ko-KR" altLang="en-US" sz="1200" b="1" baseline="0" dirty="0" smtClean="0">
+                          <a:latin typeface="나눔명조" panose="02020603020101020101" pitchFamily="18" charset="-127"/>
+                          <a:ea typeface="나눔명조" panose="02020603020101020101" pitchFamily="18" charset="-127"/>
+                        </a:rPr>
+                        <a:t>위기 당시에도 게임 시장은 고도 성장을 유지한 바 </a:t>
+                      </a:r>
+                      <a:r>
+                        <a:rPr lang="ko-KR" altLang="en-US" sz="1200" b="1" baseline="0" dirty="0" smtClean="0">
+                          <a:latin typeface="나눔명조" panose="02020603020101020101" pitchFamily="18" charset="-127"/>
+                          <a:ea typeface="나눔명조" panose="02020603020101020101" pitchFamily="18" charset="-127"/>
+                        </a:rPr>
+                        <a:t>있다</a:t>
                       </a:r>
                       <a:r>
                         <a:rPr lang="en-US" altLang="ko-KR" sz="1200" b="1" baseline="0" dirty="0" smtClean="0">
@@ -4915,6 +4968,10 @@
                         </a:rPr>
                         <a:t>.</a:t>
                       </a:r>
+                      <a:endParaRPr lang="en-US" altLang="ko-KR" sz="1200" b="1" baseline="0" dirty="0" smtClean="0">
+                        <a:latin typeface="나눔명조" panose="02020603020101020101" pitchFamily="18" charset="-127"/>
+                        <a:ea typeface="나눔명조" panose="02020603020101020101" pitchFamily="18" charset="-127"/>
+                      </a:endParaRPr>
                     </a:p>
                   </a:txBody>
                   <a:tcPr>
@@ -4957,7 +5014,7 @@
                   </a:tcPr>
                 </a:tc>
               </a:tr>
-              <a:tr h="1514976">
+              <a:tr h="1338456">
                 <a:tc>
                   <a:txBody>
                     <a:bodyPr/>
@@ -5010,7 +5067,14 @@
                           <a:latin typeface="나눔명조" panose="02020603020101020101" pitchFamily="18" charset="-127"/>
                           <a:ea typeface="나눔명조" panose="02020603020101020101" pitchFamily="18" charset="-127"/>
                         </a:rPr>
-                        <a:t>점점 그 연령층과 대상이 확대되고 있음</a:t>
+                        <a:t>점점 그 연령층과 대상이 확대되고 </a:t>
+                      </a:r>
+                      <a:r>
+                        <a:rPr lang="ko-KR" altLang="en-US" sz="1200" b="1" dirty="0" smtClean="0">
+                          <a:latin typeface="나눔명조" panose="02020603020101020101" pitchFamily="18" charset="-127"/>
+                          <a:ea typeface="나눔명조" panose="02020603020101020101" pitchFamily="18" charset="-127"/>
+                        </a:rPr>
+                        <a:t>있다</a:t>
                       </a:r>
                       <a:r>
                         <a:rPr lang="en-US" altLang="ko-KR" sz="1200" b="1" dirty="0" smtClean="0">
@@ -5019,6 +5083,10 @@
                         </a:rPr>
                         <a:t>.</a:t>
                       </a:r>
+                      <a:endParaRPr lang="en-US" altLang="ko-KR" sz="1200" b="1" dirty="0" smtClean="0">
+                        <a:latin typeface="나눔명조" panose="02020603020101020101" pitchFamily="18" charset="-127"/>
+                        <a:ea typeface="나눔명조" panose="02020603020101020101" pitchFamily="18" charset="-127"/>
+                      </a:endParaRPr>
                     </a:p>
                     <a:p>
                       <a:pPr marL="0" indent="0" latinLnBrk="1">
@@ -5036,7 +5104,14 @@
                           <a:latin typeface="나눔명조" panose="02020603020101020101" pitchFamily="18" charset="-127"/>
                           <a:ea typeface="나눔명조" panose="02020603020101020101" pitchFamily="18" charset="-127"/>
                         </a:rPr>
-                        <a:t> 산업의 수요와 규모는 꾸준히 상승하고 있음</a:t>
+                        <a:t> 산업의 수요와 규모는 꾸준히 상승하고 </a:t>
+                      </a:r>
+                      <a:r>
+                        <a:rPr lang="ko-KR" altLang="en-US" sz="1200" b="1" baseline="0" dirty="0" smtClean="0">
+                          <a:latin typeface="나눔명조" panose="02020603020101020101" pitchFamily="18" charset="-127"/>
+                          <a:ea typeface="나눔명조" panose="02020603020101020101" pitchFamily="18" charset="-127"/>
+                        </a:rPr>
+                        <a:t>있다</a:t>
                       </a:r>
                       <a:r>
                         <a:rPr lang="en-US" altLang="ko-KR" sz="1200" b="1" baseline="0" dirty="0" smtClean="0">
@@ -5171,7 +5246,14 @@
                           <a:latin typeface="나눔명조" panose="02020603020101020101" pitchFamily="18" charset="-127"/>
                           <a:ea typeface="나눔명조" panose="02020603020101020101" pitchFamily="18" charset="-127"/>
                         </a:rPr>
-                        <a:t>를 꾸려 기술 경쟁력을 확보해 나가고 있다</a:t>
+                        <a:t>를 꾸려 기술 경쟁력을 확보해 나가고 </a:t>
+                      </a:r>
+                      <a:r>
+                        <a:rPr lang="ko-KR" altLang="en-US" sz="1200" b="1" baseline="0" dirty="0" smtClean="0">
+                          <a:latin typeface="나눔명조" panose="02020603020101020101" pitchFamily="18" charset="-127"/>
+                          <a:ea typeface="나눔명조" panose="02020603020101020101" pitchFamily="18" charset="-127"/>
+                        </a:rPr>
+                        <a:t>있다</a:t>
                       </a:r>
                       <a:r>
                         <a:rPr lang="en-US" altLang="ko-KR" sz="1200" b="1" baseline="0" dirty="0" smtClean="0">
@@ -5322,7 +5404,7 @@
         </p:nvSpPr>
         <p:spPr>
           <a:xfrm>
-            <a:off x="35560" y="1567180"/>
+            <a:off x="35560" y="1404958"/>
             <a:ext cx="1728470" cy="492760"/>
           </a:xfrm>
           <a:prstGeom prst="rect">
@@ -5364,7 +5446,7 @@
         </p:nvSpPr>
         <p:spPr>
           <a:xfrm>
-            <a:off x="3203575" y="1567180"/>
+            <a:off x="3203575" y="1412776"/>
             <a:ext cx="3024505" cy="492760"/>
           </a:xfrm>
           <a:prstGeom prst="rect">
@@ -5408,11 +5490,11 @@
   <p:clrMapOvr>
     <a:masterClrMapping/>
   </p:clrMapOvr>
-  <mc:AlternateContent xmlns:mc="http://schemas.openxmlformats.org/markup-compatibility/2006">
-    <mc:Choice xmlns:p14="http://schemas.microsoft.com/office/powerpoint/2010/main" Requires="p14">
+  <mc:AlternateContent xmlns:mc="http://schemas.openxmlformats.org/markup-compatibility/2006" xmlns:p14="http://schemas.microsoft.com/office/powerpoint/2010/main">
+    <mc:Choice Requires="p14">
       <p:transition spd="slow" p14:dur="2000"/>
     </mc:Choice>
-    <mc:Fallback>
+    <mc:Fallback xmlns="">
       <p:transition spd="slow"/>
     </mc:Fallback>
   </mc:AlternateContent>
@@ -5449,11 +5531,17 @@
           <p:cNvGraphicFramePr>
             <a:graphicFrameLocks noGrp="1"/>
           </p:cNvGraphicFramePr>
-          <p:nvPr/>
+          <p:nvPr>
+            <p:extLst>
+              <p:ext uri="{D42A27DB-BD31-4B8C-83A1-F6EECF244321}">
+                <p14:modId xmlns:p14="http://schemas.microsoft.com/office/powerpoint/2010/main" val="3156597554"/>
+              </p:ext>
+            </p:extLst>
+          </p:nvPr>
         </p:nvGraphicFramePr>
         <p:xfrm>
           <a:off x="224155" y="134620"/>
-          <a:ext cx="6284595" cy="4639310"/>
+          <a:ext cx="6284595" cy="5527433"/>
         </p:xfrm>
         <a:graphic>
           <a:graphicData uri="http://schemas.openxmlformats.org/drawingml/2006/table">
@@ -5465,7 +5553,7 @@
                 <a:gridCol w="1363980"/>
                 <a:gridCol w="4920615"/>
               </a:tblGrid>
-              <a:tr h="1877060">
+              <a:tr h="2502292">
                 <a:tc>
                   <a:txBody>
                     <a:bodyPr/>
@@ -5485,7 +5573,7 @@
                         <a:buNone/>
                       </a:pPr>
                       <a:r>
-                        <a:rPr lang="en-US" altLang="ko-KR" sz="3600" kern="1200">
+                        <a:rPr lang="en-US" altLang="ko-KR" sz="3600" kern="1200" dirty="0">
                           <a:solidFill>
                             <a:srgbClr val="FF3300"/>
                           </a:solidFill>
@@ -5495,7 +5583,7 @@
                         <a:t>S</a:t>
                       </a:r>
                       <a:r>
-                        <a:rPr lang="en-US" altLang="ko-KR" sz="1200" kern="1200">
+                        <a:rPr lang="en-US" altLang="ko-KR" sz="1200" kern="1200" dirty="0">
                           <a:solidFill>
                             <a:srgbClr val="000000"/>
                           </a:solidFill>
@@ -5504,7 +5592,7 @@
                         </a:rPr>
                         <a:t>egmentation</a:t>
                       </a:r>
-                      <a:endParaRPr lang="ko-KR" altLang="en-US" sz="1200" kern="1200">
+                      <a:endParaRPr lang="ko-KR" altLang="en-US" sz="1200" kern="1200" dirty="0">
                         <a:solidFill>
                           <a:srgbClr val="000000"/>
                         </a:solidFill>
@@ -5513,7 +5601,7 @@
                       </a:endParaRPr>
                     </a:p>
                   </a:txBody>
-                  <a:tcPr marL="91440" marR="91440" marT="45720" marB="45720" anchor="ctr">
+                  <a:tcPr anchor="ctr">
                     <a:lnL w="12700" cap="flat" cmpd="sng" algn="ctr">
                       <a:solidFill>
                         <a:srgbClr val="000000">
@@ -5579,17 +5667,134 @@
                         <a:buNone/>
                       </a:pPr>
                       <a:r>
-                        <a:rPr sz="1400" kern="1200">
+                        <a:rPr lang="en-US" sz="1400" kern="1200" dirty="0" smtClean="0">
                           <a:solidFill>
                             <a:srgbClr val="0611F2"/>
                           </a:solidFill>
                           <a:latin typeface="나눔명조" charset="0"/>
                           <a:ea typeface="나눔명조" charset="0"/>
                         </a:rPr>
+                        <a:t>10</a:t>
+                      </a:r>
+                      <a:r>
+                        <a:rPr lang="ko-KR" altLang="en-US" sz="1400" kern="1200" dirty="0" smtClean="0">
+                          <a:solidFill>
+                            <a:srgbClr val="0611F2"/>
+                          </a:solidFill>
+                          <a:latin typeface="나눔명조" charset="0"/>
+                          <a:ea typeface="나눔명조" charset="0"/>
+                        </a:rPr>
+                        <a:t>대 </a:t>
+                      </a:r>
+                      <a:r>
+                        <a:rPr lang="en-US" altLang="ko-KR" sz="1400" kern="1200" dirty="0" smtClean="0">
+                          <a:solidFill>
+                            <a:schemeClr val="tx1"/>
+                          </a:solidFill>
+                          <a:latin typeface="나눔명조" charset="0"/>
+                          <a:ea typeface="나눔명조" charset="0"/>
+                        </a:rPr>
+                        <a:t>–</a:t>
+                      </a:r>
+                      <a:r>
+                        <a:rPr lang="en-US" altLang="ko-KR" sz="1400" kern="1200" baseline="0" dirty="0" smtClean="0">
+                          <a:solidFill>
+                            <a:schemeClr val="tx1"/>
+                          </a:solidFill>
+                          <a:latin typeface="나눔명조" charset="0"/>
+                          <a:ea typeface="나눔명조" charset="0"/>
+                        </a:rPr>
+                        <a:t> </a:t>
+                      </a:r>
+                      <a:r>
+                        <a:rPr lang="ko-KR" altLang="en-US" sz="1400" kern="1200" baseline="0" dirty="0" smtClean="0">
+                          <a:solidFill>
+                            <a:schemeClr val="tx1"/>
+                          </a:solidFill>
+                          <a:latin typeface="나눔명조" charset="0"/>
+                          <a:ea typeface="나눔명조" charset="0"/>
+                        </a:rPr>
+                        <a:t>게임을 즐길 여유가 가장 많은 나이대로</a:t>
+                      </a:r>
+                      <a:r>
+                        <a:rPr lang="en-US" altLang="ko-KR" sz="1400" kern="1200" baseline="0" dirty="0" smtClean="0">
+                          <a:solidFill>
+                            <a:schemeClr val="tx1"/>
+                          </a:solidFill>
+                          <a:latin typeface="나눔명조" charset="0"/>
+                          <a:ea typeface="나눔명조" charset="0"/>
+                        </a:rPr>
+                        <a:t>, </a:t>
+                      </a:r>
+                      <a:r>
+                        <a:rPr lang="ko-KR" altLang="en-US" sz="1400" kern="1200" baseline="0" dirty="0" smtClean="0">
+                          <a:solidFill>
+                            <a:schemeClr val="tx1"/>
+                          </a:solidFill>
+                          <a:latin typeface="나눔명조" charset="0"/>
+                          <a:ea typeface="나눔명조" charset="0"/>
+                        </a:rPr>
+                        <a:t>경제적 여유는 비교적 없지만 아예 없는 것은 아니다</a:t>
+                      </a:r>
+                      <a:r>
+                        <a:rPr lang="en-US" altLang="ko-KR" sz="1400" kern="1200" baseline="0" dirty="0" smtClean="0">
+                          <a:solidFill>
+                            <a:schemeClr val="tx1"/>
+                          </a:solidFill>
+                          <a:latin typeface="나눔명조" charset="0"/>
+                          <a:ea typeface="나눔명조" charset="0"/>
+                        </a:rPr>
+                        <a:t>.</a:t>
+                      </a:r>
+                    </a:p>
+                    <a:p>
+                      <a:pPr marL="0" indent="0" algn="l" defTabSz="914400" eaLnBrk="1" latinLnBrk="1" hangingPunct="1">
+                        <a:lnSpc>
+                          <a:spcPct val="100000"/>
+                        </a:lnSpc>
+                        <a:spcBef>
+                          <a:spcPts val="0"/>
+                        </a:spcBef>
+                        <a:spcAft>
+                          <a:spcPts val="0"/>
+                        </a:spcAft>
+                        <a:buFontTx/>
+                        <a:buNone/>
+                      </a:pPr>
+                      <a:endParaRPr lang="en-US" altLang="ko-KR" sz="400" kern="1200" baseline="0" dirty="0" smtClean="0">
+                        <a:solidFill>
+                          <a:schemeClr val="tx1"/>
+                        </a:solidFill>
+                        <a:latin typeface="나눔명조" charset="0"/>
+                        <a:ea typeface="나눔명조" charset="0"/>
+                      </a:endParaRPr>
+                    </a:p>
+                    <a:p>
+                      <a:pPr marL="0" indent="0" algn="l" defTabSz="914400" eaLnBrk="1" latinLnBrk="1" hangingPunct="1">
+                        <a:lnSpc>
+                          <a:spcPct val="100000"/>
+                        </a:lnSpc>
+                        <a:spcBef>
+                          <a:spcPts val="0"/>
+                        </a:spcBef>
+                        <a:spcAft>
+                          <a:spcPts val="0"/>
+                        </a:spcAft>
+                        <a:buFontTx/>
+                        <a:buNone/>
+                      </a:pPr>
+                      <a:r>
+                        <a:rPr sz="1400" kern="1200" dirty="0" smtClean="0">
+                          <a:solidFill>
+                            <a:srgbClr val="0611F2"/>
+                          </a:solidFill>
+                          <a:latin typeface="나눔명조" charset="0"/>
+                          <a:ea typeface="나눔명조" charset="0"/>
+                        </a:rPr>
                         <a:t>20</a:t>
                       </a:r>
                       <a:r>
-                        <a:rPr sz="1400" kern="1200">
+                        <a:rPr sz="1400" kern="1200" dirty="0">
                           <a:solidFill>
                             <a:srgbClr val="0611F2"/>
                           </a:solidFill>
@@ -5599,16 +5804,81 @@
                         <a:t>대</a:t>
                       </a:r>
                       <a:r>
-                        <a:rPr lang="ko-KR" altLang="en-US" sz="1400" kern="1200">
+                        <a:rPr lang="ko-KR" altLang="en-US" sz="1400" kern="1200" dirty="0">
                           <a:solidFill>
                             <a:srgbClr val="000000"/>
                           </a:solidFill>
                           <a:latin typeface="나눔명조" charset="0"/>
                           <a:ea typeface="나눔명조" charset="0"/>
                         </a:rPr>
-                        <a:t> - 게임을 가장 많이 즐기는 연령대지만 게임에 결제할 자본력이 없음</a:t>
-                      </a:r>
-                      <a:endParaRPr lang="ko-KR" altLang="en-US" sz="1400" kern="1200">
+                        <a:t> </a:t>
+                      </a:r>
+                      <a:r>
+                        <a:rPr lang="en-US" altLang="ko-KR" sz="1400" kern="1200" dirty="0" smtClean="0">
+                          <a:solidFill>
+                            <a:srgbClr val="000000"/>
+                          </a:solidFill>
+                          <a:latin typeface="나눔명조" charset="0"/>
+                          <a:ea typeface="나눔명조" charset="0"/>
+                        </a:rPr>
+                        <a:t>–</a:t>
+                      </a:r>
+                      <a:r>
+                        <a:rPr lang="ko-KR" altLang="en-US" sz="1400" kern="1200" dirty="0" smtClean="0">
+                          <a:solidFill>
+                            <a:srgbClr val="000000"/>
+                          </a:solidFill>
+                          <a:latin typeface="나눔명조" charset="0"/>
+                          <a:ea typeface="나눔명조" charset="0"/>
+                        </a:rPr>
+                        <a:t> 나름대로 게임도 즐길 여유도 있고</a:t>
+                      </a:r>
+                      <a:r>
+                        <a:rPr lang="en-US" altLang="ko-KR" sz="1400" kern="1200" dirty="0" smtClean="0">
+                          <a:solidFill>
+                            <a:srgbClr val="000000"/>
+                          </a:solidFill>
+                          <a:latin typeface="나눔명조" charset="0"/>
+                          <a:ea typeface="나눔명조" charset="0"/>
+                        </a:rPr>
+                        <a:t>, </a:t>
+                      </a:r>
+                      <a:r>
+                        <a:rPr lang="ko-KR" altLang="en-US" sz="1400" kern="1200" dirty="0" smtClean="0">
+                          <a:solidFill>
+                            <a:srgbClr val="000000"/>
+                          </a:solidFill>
+                          <a:latin typeface="나눔명조" charset="0"/>
+                          <a:ea typeface="나눔명조" charset="0"/>
+                        </a:rPr>
+                        <a:t>불안정적이지만 경제적 여유가 있다</a:t>
+                      </a:r>
+                      <a:r>
+                        <a:rPr lang="en-US" altLang="ko-KR" sz="1400" kern="1200" dirty="0" smtClean="0">
+                          <a:solidFill>
+                            <a:srgbClr val="000000"/>
+                          </a:solidFill>
+                          <a:latin typeface="나눔명조" charset="0"/>
+                          <a:ea typeface="나눔명조" charset="0"/>
+                        </a:rPr>
+                        <a:t>.</a:t>
+                      </a:r>
+                    </a:p>
+                    <a:p>
+                      <a:pPr marL="0" indent="0" algn="l" defTabSz="914400" eaLnBrk="1" latinLnBrk="1" hangingPunct="1">
+                        <a:lnSpc>
+                          <a:spcPct val="100000"/>
+                        </a:lnSpc>
+                        <a:spcBef>
+                          <a:spcPts val="0"/>
+                        </a:spcBef>
+                        <a:spcAft>
+                          <a:spcPts val="0"/>
+                        </a:spcAft>
+                        <a:buFontTx/>
+                        <a:buNone/>
+                      </a:pPr>
+                      <a:endParaRPr lang="ko-KR" altLang="en-US" sz="400" kern="1200" dirty="0">
                         <a:solidFill>
                           <a:srgbClr val="000000"/>
                         </a:solidFill>
@@ -5631,7 +5901,7 @@
                         <a:buNone/>
                       </a:pPr>
                       <a:r>
-                        <a:rPr sz="1400" kern="1200">
+                        <a:rPr sz="1400" kern="1200" dirty="0">
                           <a:solidFill>
                             <a:srgbClr val="0611F2"/>
                           </a:solidFill>
@@ -5641,16 +5911,131 @@
                         <a:t>30대</a:t>
                       </a:r>
                       <a:r>
-                        <a:rPr lang="ko-KR" altLang="en-US" sz="1400" kern="1200">
+                        <a:rPr lang="ko-KR" altLang="en-US" sz="1400" kern="1200" dirty="0">
                           <a:solidFill>
                             <a:srgbClr val="000000"/>
                           </a:solidFill>
                           <a:latin typeface="나눔명조" charset="0"/>
                           <a:ea typeface="나눔명조" charset="0"/>
                         </a:rPr>
-                        <a:t> - 안정된 수입이 있는 연령대로 게임에 결제할 자본력이 있지만 게임을 즐길 여유가 별로 없음</a:t>
-                      </a:r>
-                      <a:endParaRPr lang="ko-KR" altLang="en-US" sz="1400" kern="1200">
+                        <a:t> - 안정된 수입이 있는 </a:t>
+                      </a:r>
+                      <a:r>
+                        <a:rPr lang="ko-KR" altLang="en-US" sz="1400" kern="1200" dirty="0" smtClean="0">
+                          <a:solidFill>
+                            <a:srgbClr val="000000"/>
+                          </a:solidFill>
+                          <a:latin typeface="나눔명조" charset="0"/>
+                          <a:ea typeface="나눔명조" charset="0"/>
+                        </a:rPr>
+                        <a:t>연령대로서</a:t>
+                      </a:r>
+                      <a:r>
+                        <a:rPr lang="en-US" altLang="ko-KR" sz="1400" kern="1200" dirty="0" smtClean="0">
+                          <a:solidFill>
+                            <a:srgbClr val="000000"/>
+                          </a:solidFill>
+                          <a:latin typeface="나눔명조" charset="0"/>
+                          <a:ea typeface="나눔명조" charset="0"/>
+                        </a:rPr>
+                        <a:t>,</a:t>
+                      </a:r>
+                      <a:r>
+                        <a:rPr lang="ko-KR" altLang="en-US" sz="1400" kern="1200" dirty="0" smtClean="0">
+                          <a:solidFill>
+                            <a:srgbClr val="000000"/>
+                          </a:solidFill>
+                          <a:latin typeface="나눔명조" charset="0"/>
+                          <a:ea typeface="나눔명조" charset="0"/>
+                        </a:rPr>
+                        <a:t> </a:t>
+                      </a:r>
+                      <a:r>
+                        <a:rPr lang="ko-KR" altLang="en-US" sz="1400" kern="1200" dirty="0">
+                          <a:solidFill>
+                            <a:srgbClr val="000000"/>
+                          </a:solidFill>
+                          <a:latin typeface="나눔명조" charset="0"/>
+                          <a:ea typeface="나눔명조" charset="0"/>
+                        </a:rPr>
+                        <a:t>게임에 결제할 자본력이 </a:t>
+                      </a:r>
+                      <a:r>
+                        <a:rPr lang="ko-KR" altLang="en-US" sz="1400" kern="1200" dirty="0" smtClean="0">
+                          <a:solidFill>
+                            <a:srgbClr val="000000"/>
+                          </a:solidFill>
+                          <a:latin typeface="나눔명조" charset="0"/>
+                          <a:ea typeface="나눔명조" charset="0"/>
+                        </a:rPr>
+                        <a:t>있고 미혼</a:t>
+                      </a:r>
+                      <a:r>
+                        <a:rPr lang="ko-KR" altLang="en-US" sz="1400" kern="1200" baseline="0" dirty="0" smtClean="0">
+                          <a:solidFill>
+                            <a:srgbClr val="000000"/>
+                          </a:solidFill>
+                          <a:latin typeface="나눔명조" charset="0"/>
+                          <a:ea typeface="나눔명조" charset="0"/>
+                        </a:rPr>
+                        <a:t> 비율이 높아 </a:t>
+                      </a:r>
+                      <a:r>
+                        <a:rPr lang="ko-KR" altLang="en-US" sz="1400" kern="1200" dirty="0" smtClean="0">
+                          <a:solidFill>
+                            <a:srgbClr val="000000"/>
+                          </a:solidFill>
+                          <a:latin typeface="나눔명조" charset="0"/>
+                          <a:ea typeface="나눔명조" charset="0"/>
+                        </a:rPr>
+                        <a:t>비교적 게임을 </a:t>
+                      </a:r>
+                      <a:r>
+                        <a:rPr lang="ko-KR" altLang="en-US" sz="1400" kern="1200" dirty="0">
+                          <a:solidFill>
+                            <a:srgbClr val="000000"/>
+                          </a:solidFill>
+                          <a:latin typeface="나눔명조" charset="0"/>
+                          <a:ea typeface="나눔명조" charset="0"/>
+                        </a:rPr>
+                        <a:t>즐길 </a:t>
+                      </a:r>
+                      <a:r>
+                        <a:rPr lang="ko-KR" altLang="en-US" sz="1400" kern="1200" dirty="0" smtClean="0">
+                          <a:solidFill>
+                            <a:srgbClr val="000000"/>
+                          </a:solidFill>
+                          <a:latin typeface="나눔명조" charset="0"/>
+                          <a:ea typeface="나눔명조" charset="0"/>
+                        </a:rPr>
+                        <a:t>여유가 있다</a:t>
+                      </a:r>
+                      <a:r>
+                        <a:rPr lang="en-US" altLang="ko-KR" sz="1400" kern="1200" dirty="0" smtClean="0">
+                          <a:solidFill>
+                            <a:srgbClr val="000000"/>
+                          </a:solidFill>
+                          <a:latin typeface="나눔명조" charset="0"/>
+                          <a:ea typeface="나눔명조" charset="0"/>
+                        </a:rPr>
+                        <a:t>.</a:t>
+                      </a:r>
+                    </a:p>
+                    <a:p>
+                      <a:pPr marL="0" indent="0" algn="l" defTabSz="914400" eaLnBrk="1" latinLnBrk="1" hangingPunct="1">
+                        <a:lnSpc>
+                          <a:spcPct val="100000"/>
+                        </a:lnSpc>
+                        <a:spcBef>
+                          <a:spcPts val="0"/>
+                        </a:spcBef>
+                        <a:spcAft>
+                          <a:spcPts val="0"/>
+                        </a:spcAft>
+                        <a:buFontTx/>
+                        <a:buNone/>
+                      </a:pPr>
+                      <a:endParaRPr lang="ko-KR" altLang="en-US" sz="400" kern="1200" dirty="0">
                         <a:solidFill>
                           <a:srgbClr val="000000"/>
                         </a:solidFill>
@@ -5673,7 +6058,7 @@
                         <a:buNone/>
                       </a:pPr>
                       <a:r>
-                        <a:rPr sz="1400" kern="1200">
+                        <a:rPr sz="1400" kern="1200" dirty="0">
                           <a:solidFill>
                             <a:srgbClr val="0611F2"/>
                           </a:solidFill>
@@ -5683,16 +6068,81 @@
                         <a:t>40대 </a:t>
                       </a:r>
                       <a:r>
-                        <a:rPr lang="ko-KR" altLang="en-US" sz="1400" kern="1200">
+                        <a:rPr lang="en-US" altLang="ko-KR" sz="1400" kern="1200" dirty="0" smtClean="0">
                           <a:solidFill>
                             <a:srgbClr val="000000"/>
                           </a:solidFill>
                           <a:latin typeface="나눔명조" charset="0"/>
                           <a:ea typeface="나눔명조" charset="0"/>
                         </a:rPr>
-                        <a:t>- 가정을 부양해야하는 연령대로 게임을 즐길 수 있는 여유가 없음</a:t>
-                      </a:r>
-                      <a:endParaRPr lang="ko-KR" altLang="en-US" sz="1400" kern="1200">
+                        <a:t>–</a:t>
+                      </a:r>
+                      <a:r>
+                        <a:rPr lang="en-US" altLang="ko-KR" sz="1400" kern="1200" baseline="0" dirty="0" smtClean="0">
+                          <a:solidFill>
+                            <a:srgbClr val="000000"/>
+                          </a:solidFill>
+                          <a:latin typeface="나눔명조" charset="0"/>
+                          <a:ea typeface="나눔명조" charset="0"/>
+                        </a:rPr>
+                        <a:t> </a:t>
+                      </a:r>
+                      <a:r>
+                        <a:rPr lang="ko-KR" altLang="en-US" sz="1400" kern="1200" baseline="0" dirty="0" smtClean="0">
+                          <a:solidFill>
+                            <a:srgbClr val="000000"/>
+                          </a:solidFill>
+                          <a:latin typeface="나눔명조" charset="0"/>
+                          <a:ea typeface="나눔명조" charset="0"/>
+                        </a:rPr>
+                        <a:t>게임을 할 여유가 비교적 많지는 않지만</a:t>
+                      </a:r>
+                      <a:r>
+                        <a:rPr lang="en-US" altLang="ko-KR" sz="1400" kern="1200" baseline="0" dirty="0" smtClean="0">
+                          <a:solidFill>
+                            <a:srgbClr val="000000"/>
+                          </a:solidFill>
+                          <a:latin typeface="나눔명조" charset="0"/>
+                          <a:ea typeface="나눔명조" charset="0"/>
+                        </a:rPr>
+                        <a:t>,</a:t>
+                      </a:r>
+                      <a:r>
+                        <a:rPr lang="ko-KR" altLang="en-US" sz="1400" kern="1200" baseline="0" dirty="0" smtClean="0">
+                          <a:solidFill>
+                            <a:srgbClr val="000000"/>
+                          </a:solidFill>
+                          <a:latin typeface="나눔명조" charset="0"/>
+                          <a:ea typeface="나눔명조" charset="0"/>
+                        </a:rPr>
+                        <a:t> 게임에 결제할 안정적인 자본력을 갖춘 연령대이다</a:t>
+                      </a:r>
+                      <a:r>
+                        <a:rPr lang="en-US" altLang="ko-KR" sz="1400" kern="1200" baseline="0" dirty="0" smtClean="0">
+                          <a:solidFill>
+                            <a:srgbClr val="000000"/>
+                          </a:solidFill>
+                          <a:latin typeface="나눔명조" charset="0"/>
+                          <a:ea typeface="나눔명조" charset="0"/>
+                        </a:rPr>
+                        <a:t>.</a:t>
+                      </a:r>
+                    </a:p>
+                    <a:p>
+                      <a:pPr marL="0" indent="0" algn="l" defTabSz="914400" eaLnBrk="1" latinLnBrk="1" hangingPunct="1">
+                        <a:lnSpc>
+                          <a:spcPct val="100000"/>
+                        </a:lnSpc>
+                        <a:spcBef>
+                          <a:spcPts val="0"/>
+                        </a:spcBef>
+                        <a:spcAft>
+                          <a:spcPts val="0"/>
+                        </a:spcAft>
+                        <a:buFontTx/>
+                        <a:buNone/>
+                      </a:pPr>
+                      <a:endParaRPr lang="ko-KR" altLang="en-US" sz="400" kern="1200" dirty="0">
                         <a:solidFill>
                           <a:srgbClr val="000000"/>
                         </a:solidFill>
@@ -5715,26 +6165,236 @@
                         <a:buNone/>
                       </a:pPr>
                       <a:r>
-                        <a:rPr sz="1400" kern="1200">
+                        <a:rPr sz="1400" kern="1200" dirty="0">
                           <a:solidFill>
                             <a:srgbClr val="0611F2"/>
                           </a:solidFill>
                           <a:latin typeface="나눔명조" charset="0"/>
                           <a:ea typeface="나눔명조" charset="0"/>
                         </a:rPr>
-                        <a:t>50대 이상 </a:t>
-                      </a:r>
-                      <a:r>
-                        <a:rPr sz="1400" kern="1200">
+                        <a:t>50대 </a:t>
+                      </a:r>
+                      <a:r>
+                        <a:rPr sz="1400" kern="1200" dirty="0" err="1">
+                          <a:solidFill>
+                            <a:srgbClr val="0611F2"/>
+                          </a:solidFill>
+                          <a:latin typeface="나눔명조" charset="0"/>
+                          <a:ea typeface="나눔명조" charset="0"/>
+                        </a:rPr>
+                        <a:t>이상</a:t>
+                      </a:r>
+                      <a:r>
+                        <a:rPr sz="1400" kern="1200" dirty="0">
+                          <a:solidFill>
+                            <a:srgbClr val="0611F2"/>
+                          </a:solidFill>
+                          <a:latin typeface="나눔명조" charset="0"/>
+                          <a:ea typeface="나눔명조" charset="0"/>
+                        </a:rPr>
+                        <a:t> </a:t>
+                      </a:r>
+                      <a:r>
+                        <a:rPr sz="1400" kern="1200" dirty="0">
                           <a:solidFill>
                             <a:schemeClr val="tx1"/>
                           </a:solidFill>
                           <a:latin typeface="나눔명조" charset="0"/>
                           <a:ea typeface="나눔명조" charset="0"/>
                         </a:rPr>
-                        <a:t>- 온라인 게임에 별로 익숙하지 않고 게임에 흥미를 가지지 않음</a:t>
-                      </a:r>
-                      <a:endParaRPr lang="ko-KR" altLang="en-US" sz="1400" kern="1200">
+                        <a:t>- </a:t>
+                      </a:r>
+                      <a:r>
+                        <a:rPr sz="1400" kern="1200" dirty="0" err="1">
+                          <a:solidFill>
+                            <a:schemeClr val="tx1"/>
+                          </a:solidFill>
+                          <a:latin typeface="나눔명조" charset="0"/>
+                          <a:ea typeface="나눔명조" charset="0"/>
+                        </a:rPr>
+                        <a:t>온라인</a:t>
+                      </a:r>
+                      <a:r>
+                        <a:rPr sz="1400" kern="1200" dirty="0">
+                          <a:solidFill>
+                            <a:schemeClr val="tx1"/>
+                          </a:solidFill>
+                          <a:latin typeface="나눔명조" charset="0"/>
+                          <a:ea typeface="나눔명조" charset="0"/>
+                        </a:rPr>
+                        <a:t> </a:t>
+                      </a:r>
+                      <a:r>
+                        <a:rPr sz="1400" kern="1200" dirty="0" err="1">
+                          <a:solidFill>
+                            <a:schemeClr val="tx1"/>
+                          </a:solidFill>
+                          <a:latin typeface="나눔명조" charset="0"/>
+                          <a:ea typeface="나눔명조" charset="0"/>
+                        </a:rPr>
+                        <a:t>게임에</a:t>
+                      </a:r>
+                      <a:r>
+                        <a:rPr sz="1400" kern="1200" dirty="0">
+                          <a:solidFill>
+                            <a:schemeClr val="tx1"/>
+                          </a:solidFill>
+                          <a:latin typeface="나눔명조" charset="0"/>
+                          <a:ea typeface="나눔명조" charset="0"/>
+                        </a:rPr>
+                        <a:t> </a:t>
+                      </a:r>
+                      <a:r>
+                        <a:rPr sz="1400" kern="1200" dirty="0" err="1" smtClean="0">
+                          <a:solidFill>
+                            <a:schemeClr val="tx1"/>
+                          </a:solidFill>
+                          <a:latin typeface="나눔명조" charset="0"/>
+                          <a:ea typeface="나눔명조" charset="0"/>
+                        </a:rPr>
+                        <a:t>별로</a:t>
+                      </a:r>
+                      <a:r>
+                        <a:rPr lang="en-US" sz="1400" kern="1200" baseline="0" dirty="0" smtClean="0">
+                          <a:solidFill>
+                            <a:schemeClr val="tx1"/>
+                          </a:solidFill>
+                          <a:latin typeface="나눔명조" charset="0"/>
+                          <a:ea typeface="나눔명조" charset="0"/>
+                        </a:rPr>
+                        <a:t> </a:t>
+                      </a:r>
+                      <a:r>
+                        <a:rPr sz="1400" kern="1200" dirty="0" err="1" smtClean="0">
+                          <a:solidFill>
+                            <a:schemeClr val="tx1"/>
+                          </a:solidFill>
+                          <a:latin typeface="나눔명조" charset="0"/>
+                          <a:ea typeface="나눔명조" charset="0"/>
+                        </a:rPr>
+                        <a:t>익숙하지</a:t>
+                      </a:r>
+                      <a:r>
+                        <a:rPr sz="1400" kern="1200" dirty="0" smtClean="0">
+                          <a:solidFill>
+                            <a:schemeClr val="tx1"/>
+                          </a:solidFill>
+                          <a:latin typeface="나눔명조" charset="0"/>
+                          <a:ea typeface="나눔명조" charset="0"/>
+                        </a:rPr>
+                        <a:t> </a:t>
+                      </a:r>
+                      <a:r>
+                        <a:rPr sz="1400" kern="1200" dirty="0" err="1">
+                          <a:solidFill>
+                            <a:schemeClr val="tx1"/>
+                          </a:solidFill>
+                          <a:latin typeface="나눔명조" charset="0"/>
+                          <a:ea typeface="나눔명조" charset="0"/>
+                        </a:rPr>
+                        <a:t>않고</a:t>
+                      </a:r>
+                      <a:r>
+                        <a:rPr sz="1400" kern="1200" dirty="0">
+                          <a:solidFill>
+                            <a:schemeClr val="tx1"/>
+                          </a:solidFill>
+                          <a:latin typeface="나눔명조" charset="0"/>
+                          <a:ea typeface="나눔명조" charset="0"/>
+                        </a:rPr>
+                        <a:t> </a:t>
+                      </a:r>
+                      <a:r>
+                        <a:rPr sz="1400" kern="1200" dirty="0" err="1">
+                          <a:solidFill>
+                            <a:schemeClr val="tx1"/>
+                          </a:solidFill>
+                          <a:latin typeface="나눔명조" charset="0"/>
+                          <a:ea typeface="나눔명조" charset="0"/>
+                        </a:rPr>
+                        <a:t>게임에</a:t>
+                      </a:r>
+                      <a:r>
+                        <a:rPr sz="1400" kern="1200" dirty="0">
+                          <a:solidFill>
+                            <a:schemeClr val="tx1"/>
+                          </a:solidFill>
+                          <a:latin typeface="나눔명조" charset="0"/>
+                          <a:ea typeface="나눔명조" charset="0"/>
+                        </a:rPr>
+                        <a:t> </a:t>
+                      </a:r>
+                      <a:r>
+                        <a:rPr sz="1400" kern="1200" dirty="0" err="1">
+                          <a:solidFill>
+                            <a:schemeClr val="tx1"/>
+                          </a:solidFill>
+                          <a:latin typeface="나눔명조" charset="0"/>
+                          <a:ea typeface="나눔명조" charset="0"/>
+                        </a:rPr>
+                        <a:t>흥미를</a:t>
+                      </a:r>
+                      <a:r>
+                        <a:rPr sz="1400" kern="1200" dirty="0">
+                          <a:solidFill>
+                            <a:schemeClr val="tx1"/>
+                          </a:solidFill>
+                          <a:latin typeface="나눔명조" charset="0"/>
+                          <a:ea typeface="나눔명조" charset="0"/>
+                        </a:rPr>
+                        <a:t> </a:t>
+                      </a:r>
+                      <a:r>
+                        <a:rPr sz="1400" kern="1200" dirty="0" err="1">
+                          <a:solidFill>
+                            <a:schemeClr val="tx1"/>
+                          </a:solidFill>
+                          <a:latin typeface="나눔명조" charset="0"/>
+                          <a:ea typeface="나눔명조" charset="0"/>
+                        </a:rPr>
+                        <a:t>가지지</a:t>
+                      </a:r>
+                      <a:r>
+                        <a:rPr sz="1400" kern="1200" dirty="0">
+                          <a:solidFill>
+                            <a:schemeClr val="tx1"/>
+                          </a:solidFill>
+                          <a:latin typeface="나눔명조" charset="0"/>
+                          <a:ea typeface="나눔명조" charset="0"/>
+                        </a:rPr>
+                        <a:t> </a:t>
+                      </a:r>
+                      <a:r>
+                        <a:rPr sz="1400" kern="1200" dirty="0" smtClean="0">
+                          <a:solidFill>
+                            <a:schemeClr val="tx1"/>
+                          </a:solidFill>
+                          <a:latin typeface="나눔명조" charset="0"/>
+                          <a:ea typeface="나눔명조" charset="0"/>
+                        </a:rPr>
+                        <a:t>않</a:t>
+                      </a:r>
+                      <a:r>
+                        <a:rPr lang="ko-KR" altLang="en-US" sz="1400" kern="1200" dirty="0" smtClean="0">
+                          <a:solidFill>
+                            <a:schemeClr val="tx1"/>
+                          </a:solidFill>
+                          <a:latin typeface="나눔명조" charset="0"/>
+                          <a:ea typeface="나눔명조" charset="0"/>
+                        </a:rPr>
+                        <a:t>는다</a:t>
+                      </a:r>
+                      <a:r>
+                        <a:rPr lang="en-US" altLang="ko-KR" sz="1400" kern="1200" dirty="0" smtClean="0">
+                          <a:solidFill>
+                            <a:schemeClr val="tx1"/>
+                          </a:solidFill>
+                          <a:latin typeface="나눔명조" charset="0"/>
+                          <a:ea typeface="나눔명조" charset="0"/>
+                        </a:rPr>
+                        <a:t>.</a:t>
+                      </a:r>
+                      <a:endParaRPr lang="ko-KR" altLang="en-US" sz="1400" kern="1200" dirty="0">
                         <a:solidFill>
                           <a:srgbClr val="0611F2"/>
                         </a:solidFill>
@@ -5743,7 +6403,7 @@
                       </a:endParaRPr>
                     </a:p>
                   </a:txBody>
-                  <a:tcPr marL="91440" marR="91440" marT="45720" marB="45720" anchor="t">
+                  <a:tcPr>
                     <a:lnL w="12700" cap="flat" cmpd="sng" algn="ctr">
                       <a:solidFill>
                         <a:srgbClr val="000000">
@@ -5791,7 +6451,7 @@
                   </a:tcPr>
                 </a:tc>
               </a:tr>
-              <a:tr h="1167765">
+              <a:tr h="1296144">
                 <a:tc>
                   <a:txBody>
                     <a:bodyPr/>
@@ -5839,7 +6499,7 @@
                       </a:endParaRPr>
                     </a:p>
                   </a:txBody>
-                  <a:tcPr marL="91440" marR="91440" marT="45720" marB="45720" anchor="ctr">
+                  <a:tcPr anchor="ctr">
                     <a:lnL w="12700" cap="flat" cmpd="sng" algn="ctr">
                       <a:solidFill>
                         <a:srgbClr val="000000">
@@ -5905,26 +6565,116 @@
                         <a:buNone/>
                       </a:pPr>
                       <a:r>
-                        <a:rPr sz="1400" kern="1200">
+                        <a:rPr sz="1400" kern="1200" dirty="0" smtClean="0">
                           <a:solidFill>
                             <a:srgbClr val="0611F2"/>
                           </a:solidFill>
                           <a:latin typeface="나눔명조" charset="0"/>
                           <a:ea typeface="나눔명조" charset="0"/>
                         </a:rPr>
-                        <a:t>20대</a:t>
-                      </a:r>
-                      <a:r>
-                        <a:rPr lang="ko-KR" altLang="en-US" sz="1400" kern="1200">
+                        <a:t>20</a:t>
+                      </a:r>
+                      <a:r>
+                        <a:rPr sz="1400" kern="1200" dirty="0">
+                          <a:solidFill>
+                            <a:srgbClr val="0611F2"/>
+                          </a:solidFill>
+                          <a:latin typeface="나눔명조" charset="0"/>
+                          <a:ea typeface="나눔명조" charset="0"/>
+                        </a:rPr>
+                        <a:t>대</a:t>
+                      </a:r>
+                      <a:r>
+                        <a:rPr lang="ko-KR" altLang="en-US" sz="1400" kern="1200" dirty="0">
                           <a:solidFill>
                             <a:srgbClr val="000000"/>
                           </a:solidFill>
                           <a:latin typeface="나눔명조" charset="0"/>
                           <a:ea typeface="나눔명조" charset="0"/>
                         </a:rPr>
-                        <a:t> - 게임에 결제할 자본력이 없지만 게임 이용률이 가장 높은 연령대로서, 30대가 될 때까지 잡아놓으면 좋은 ‘옥석’이다.</a:t>
-                      </a:r>
-                      <a:endParaRPr lang="ko-KR" altLang="en-US" sz="1400" kern="1200">
+                        <a:t> </a:t>
+                      </a:r>
+                      <a:r>
+                        <a:rPr lang="en-US" altLang="ko-KR" sz="1400" kern="1200" dirty="0" smtClean="0">
+                          <a:solidFill>
+                            <a:srgbClr val="000000"/>
+                          </a:solidFill>
+                          <a:latin typeface="나눔명조" charset="0"/>
+                          <a:ea typeface="나눔명조" charset="0"/>
+                        </a:rPr>
+                        <a:t>–</a:t>
+                      </a:r>
+                      <a:r>
+                        <a:rPr lang="ko-KR" altLang="en-US" sz="1400" kern="1200" dirty="0" smtClean="0">
+                          <a:solidFill>
+                            <a:srgbClr val="000000"/>
+                          </a:solidFill>
+                          <a:latin typeface="나눔명조" charset="0"/>
+                          <a:ea typeface="나눔명조" charset="0"/>
+                        </a:rPr>
+                        <a:t> 게임을 즐길만한 여유도 있고</a:t>
+                      </a:r>
+                      <a:r>
+                        <a:rPr lang="en-US" altLang="ko-KR" sz="1400" kern="1200" dirty="0" smtClean="0">
+                          <a:solidFill>
+                            <a:srgbClr val="000000"/>
+                          </a:solidFill>
+                          <a:latin typeface="나눔명조" charset="0"/>
+                          <a:ea typeface="나눔명조" charset="0"/>
+                        </a:rPr>
+                        <a:t>, </a:t>
+                      </a:r>
+                      <a:r>
+                        <a:rPr lang="ko-KR" altLang="en-US" sz="1400" kern="1200" dirty="0" smtClean="0">
+                          <a:solidFill>
+                            <a:srgbClr val="000000"/>
+                          </a:solidFill>
+                          <a:latin typeface="나눔명조" charset="0"/>
+                          <a:ea typeface="나눔명조" charset="0"/>
+                        </a:rPr>
+                        <a:t>어느</a:t>
+                      </a:r>
+                      <a:r>
+                        <a:rPr lang="ko-KR" altLang="en-US" sz="1400" kern="1200" baseline="0" dirty="0" smtClean="0">
+                          <a:solidFill>
+                            <a:srgbClr val="000000"/>
+                          </a:solidFill>
+                          <a:latin typeface="나눔명조" charset="0"/>
+                          <a:ea typeface="나눔명조" charset="0"/>
+                        </a:rPr>
+                        <a:t> 정도 경제적으로 자립하기 시작하는 연령대로서</a:t>
+                      </a:r>
+                      <a:r>
+                        <a:rPr lang="en-US" altLang="ko-KR" sz="1400" kern="1200" baseline="0" dirty="0" smtClean="0">
+                          <a:solidFill>
+                            <a:srgbClr val="000000"/>
+                          </a:solidFill>
+                          <a:latin typeface="나눔명조" charset="0"/>
+                          <a:ea typeface="나눔명조" charset="0"/>
+                        </a:rPr>
+                        <a:t> </a:t>
+                      </a:r>
+                      <a:r>
+                        <a:rPr lang="ko-KR" altLang="en-US" sz="1400" kern="1200" baseline="0" dirty="0" smtClean="0">
+                          <a:solidFill>
+                            <a:srgbClr val="000000"/>
+                          </a:solidFill>
+                          <a:latin typeface="나눔명조" charset="0"/>
+                          <a:ea typeface="나눔명조" charset="0"/>
+                        </a:rPr>
+                        <a:t>공략하기 적절한 연령대임</a:t>
+                      </a:r>
+                      <a:r>
+                        <a:rPr lang="en-US" altLang="ko-KR" sz="1400" kern="1200" baseline="0" dirty="0" smtClean="0">
+                          <a:solidFill>
+                            <a:srgbClr val="000000"/>
+                          </a:solidFill>
+                          <a:latin typeface="나눔명조" charset="0"/>
+                          <a:ea typeface="나눔명조" charset="0"/>
+                        </a:rPr>
+                        <a:t>.</a:t>
+                      </a:r>
+                      <a:endParaRPr lang="en-US" altLang="ko-KR" sz="1400" kern="1200" dirty="0" smtClean="0">
                         <a:solidFill>
                           <a:srgbClr val="000000"/>
                         </a:solidFill>
@@ -5946,27 +6696,129 @@
                         <a:buFontTx/>
                         <a:buNone/>
                       </a:pPr>
-                      <a:r>
-                        <a:rPr sz="1400" kern="1200">
+                      <a:endParaRPr lang="ko-KR" altLang="en-US" sz="400" kern="1200" dirty="0">
+                        <a:solidFill>
+                          <a:srgbClr val="000000"/>
+                        </a:solidFill>
+                        <a:latin typeface="나눔명조" charset="0"/>
+                        <a:ea typeface="나눔명조" charset="0"/>
+                      </a:endParaRPr>
+                    </a:p>
+                    <a:p>
+                      <a:pPr marL="0" indent="0" algn="l" defTabSz="914400" eaLnBrk="1" latinLnBrk="1" hangingPunct="1">
+                        <a:lnSpc>
+                          <a:spcPct val="100000"/>
+                        </a:lnSpc>
+                        <a:spcBef>
+                          <a:spcPts val="0"/>
+                        </a:spcBef>
+                        <a:spcAft>
+                          <a:spcPts val="0"/>
+                        </a:spcAft>
+                        <a:buFontTx/>
+                        <a:buNone/>
+                      </a:pPr>
+                      <a:r>
+                        <a:rPr sz="1400" kern="1200" dirty="0">
                           <a:solidFill>
                             <a:srgbClr val="0611F2"/>
                           </a:solidFill>
                           <a:latin typeface="나눔명조" charset="0"/>
                           <a:ea typeface="나눔명조" charset="0"/>
                         </a:rPr>
-                        <a:t>30대~</a:t>
-                      </a:r>
-                      <a:r>
-                        <a:rPr lang="ko-KR" altLang="en-US" sz="1400" kern="1200">
+                        <a:t>30</a:t>
+                      </a:r>
+                      <a:r>
+                        <a:rPr sz="1400" kern="1200" dirty="0" smtClean="0">
+                          <a:solidFill>
+                            <a:srgbClr val="0611F2"/>
+                          </a:solidFill>
+                          <a:latin typeface="나눔명조" charset="0"/>
+                          <a:ea typeface="나눔명조" charset="0"/>
+                        </a:rPr>
+                        <a:t>대</a:t>
+                      </a:r>
+                      <a:r>
+                        <a:rPr lang="en-US" sz="1400" kern="1200" dirty="0" smtClean="0">
+                          <a:solidFill>
+                            <a:srgbClr val="0611F2"/>
+                          </a:solidFill>
+                          <a:latin typeface="나눔명조" charset="0"/>
+                          <a:ea typeface="나눔명조" charset="0"/>
+                        </a:rPr>
+                        <a:t>~</a:t>
+                      </a:r>
+                      <a:r>
+                        <a:rPr lang="ko-KR" altLang="en-US" sz="1400" kern="1200" dirty="0" smtClean="0">
                           <a:solidFill>
                             <a:srgbClr val="000000"/>
                           </a:solidFill>
                           <a:latin typeface="나눔명조" charset="0"/>
                           <a:ea typeface="나눔명조" charset="0"/>
                         </a:rPr>
-                        <a:t> - MMORPG 장르 게임을 가장 많이 즐기는 연령층으로서, MMORPG에 전폭 투자한 엔씨소프트가 타겟팅하기 좋은 대상이다. </a:t>
-                      </a:r>
-                      <a:endParaRPr lang="ko-KR" altLang="en-US" sz="1400" kern="1200">
+                        <a:t> </a:t>
+                      </a:r>
+                      <a:r>
+                        <a:rPr lang="ko-KR" altLang="en-US" sz="1400" kern="1200" dirty="0">
+                          <a:solidFill>
+                            <a:srgbClr val="000000"/>
+                          </a:solidFill>
+                          <a:latin typeface="나눔명조" charset="0"/>
+                          <a:ea typeface="나눔명조" charset="0"/>
+                        </a:rPr>
+                        <a:t>- MMORPG 장르 게임을 </a:t>
+                      </a:r>
+                      <a:r>
+                        <a:rPr lang="ko-KR" altLang="en-US" sz="1400" kern="1200" dirty="0" smtClean="0">
+                          <a:solidFill>
+                            <a:srgbClr val="000000"/>
+                          </a:solidFill>
+                          <a:latin typeface="나눔명조" charset="0"/>
+                          <a:ea typeface="나눔명조" charset="0"/>
+                        </a:rPr>
+                        <a:t>가장 많이 </a:t>
+                      </a:r>
+                      <a:r>
+                        <a:rPr lang="ko-KR" altLang="en-US" sz="1400" kern="1200" dirty="0">
+                          <a:solidFill>
+                            <a:srgbClr val="000000"/>
+                          </a:solidFill>
+                          <a:latin typeface="나눔명조" charset="0"/>
+                          <a:ea typeface="나눔명조" charset="0"/>
+                        </a:rPr>
+                        <a:t>즐기는 연령층으로서, </a:t>
+                      </a:r>
+                      <a:r>
+                        <a:rPr lang="ko-KR" altLang="en-US" sz="1400" kern="1200" dirty="0" smtClean="0">
+                          <a:solidFill>
+                            <a:srgbClr val="000000"/>
+                          </a:solidFill>
+                          <a:latin typeface="나눔명조" charset="0"/>
+                          <a:ea typeface="나눔명조" charset="0"/>
+                        </a:rPr>
+                        <a:t> 경제적 여유가 있는 연령대이므로</a:t>
+                      </a:r>
+                      <a:r>
+                        <a:rPr lang="ko-KR" altLang="en-US" sz="1400" kern="1200" baseline="0" dirty="0" smtClean="0">
+                          <a:solidFill>
+                            <a:srgbClr val="000000"/>
+                          </a:solidFill>
+                          <a:latin typeface="나눔명조" charset="0"/>
+                          <a:ea typeface="나눔명조" charset="0"/>
+                        </a:rPr>
+                        <a:t> 게임의 매출을 책임지기에 적절한 연령대이다</a:t>
+                      </a:r>
+                      <a:r>
+                        <a:rPr lang="en-US" altLang="ko-KR" sz="1400" kern="1200" baseline="0" dirty="0" smtClean="0">
+                          <a:solidFill>
+                            <a:srgbClr val="000000"/>
+                          </a:solidFill>
+                          <a:latin typeface="나눔명조" charset="0"/>
+                          <a:ea typeface="나눔명조" charset="0"/>
+                        </a:rPr>
+                        <a:t>.</a:t>
+                      </a:r>
+                      <a:endParaRPr lang="en-US" altLang="ko-KR" sz="400" kern="1200" dirty="0" smtClean="0">
                         <a:solidFill>
                           <a:srgbClr val="000000"/>
                         </a:solidFill>
@@ -5975,7 +6827,7 @@
                       </a:endParaRPr>
                     </a:p>
                   </a:txBody>
-                  <a:tcPr marL="91440" marR="91440" marT="45720" marB="45720" anchor="ctr">
+                  <a:tcPr anchor="ctr">
                     <a:lnL w="12700" cap="flat" cmpd="sng" algn="ctr">
                       <a:solidFill>
                         <a:srgbClr val="000000">
@@ -6023,7 +6875,7 @@
                   </a:tcPr>
                 </a:tc>
               </a:tr>
-              <a:tr h="1594485">
+              <a:tr h="1728997">
                 <a:tc>
                   <a:txBody>
                     <a:bodyPr/>
@@ -6071,7 +6923,7 @@
                       </a:endParaRPr>
                     </a:p>
                   </a:txBody>
-                  <a:tcPr marL="91440" marR="91440" marT="45720" marB="45720" anchor="ctr">
+                  <a:tcPr anchor="ctr">
                     <a:lnL w="12700" cap="flat" cmpd="sng" algn="ctr">
                       <a:solidFill>
                         <a:srgbClr val="000000">
@@ -6137,26 +6989,51 @@
                         <a:buNone/>
                       </a:pPr>
                       <a:r>
-                        <a:rPr lang="ko-KR" altLang="en-US" sz="1400" kern="1200">
+                        <a:rPr lang="ko-KR" altLang="en-US" sz="1400" kern="1200" dirty="0">
                           <a:solidFill>
                             <a:srgbClr val="000000"/>
                           </a:solidFill>
                           <a:latin typeface="나눔명조" charset="0"/>
                           <a:ea typeface="나눔명조" charset="0"/>
                         </a:rPr>
-                        <a:t>      R&amp;D </a:t>
-                      </a:r>
-                      <a:r>
-                        <a:rPr lang="ko-KR" altLang="en-US" sz="1400" kern="1200">
+                        <a:t>   </a:t>
+                      </a:r>
+                      <a:r>
+                        <a:rPr lang="ko-KR" altLang="en-US" sz="1400" kern="1200" dirty="0" smtClean="0">
                           <a:solidFill>
                             <a:srgbClr val="000000"/>
                           </a:solidFill>
                           <a:latin typeface="나눔명조" charset="0"/>
                           <a:ea typeface="나눔명조" charset="0"/>
                         </a:rPr>
+                        <a:t> R&amp;D </a:t>
+                      </a:r>
+                      <a:r>
+                        <a:rPr lang="ko-KR" altLang="en-US" sz="1400" kern="1200" dirty="0">
+                          <a:solidFill>
+                            <a:srgbClr val="000000"/>
+                          </a:solidFill>
+                          <a:latin typeface="나눔명조" charset="0"/>
+                          <a:ea typeface="나눔명조" charset="0"/>
+                        </a:rPr>
                         <a:t>능력</a:t>
                       </a:r>
-                      <a:endParaRPr lang="ko-KR" altLang="en-US" sz="1400" kern="1200">
+                    </a:p>
+                    <a:p>
+                      <a:pPr marL="0" indent="0" algn="l" defTabSz="914400" eaLnBrk="1" latinLnBrk="1" hangingPunct="1">
+                        <a:lnSpc>
+                          <a:spcPct val="100000"/>
+                        </a:lnSpc>
+                        <a:spcBef>
+                          <a:spcPts val="0"/>
+                        </a:spcBef>
+                        <a:spcAft>
+                          <a:spcPts val="0"/>
+                        </a:spcAft>
+                        <a:buFontTx/>
+                        <a:buNone/>
+                      </a:pPr>
+                      <a:endParaRPr lang="ko-KR" altLang="en-US" sz="1400" kern="1200" dirty="0">
                         <a:solidFill>
                           <a:srgbClr val="000000"/>
                         </a:solidFill>
@@ -6178,7 +7055,7 @@
                         <a:buFontTx/>
                         <a:buNone/>
                       </a:pPr>
-                      <a:endParaRPr lang="ko-KR" altLang="en-US" sz="1400" kern="1200">
+                      <a:endParaRPr lang="ko-KR" altLang="en-US" sz="1400" kern="1200" dirty="0">
                         <a:solidFill>
                           <a:srgbClr val="000000"/>
                         </a:solidFill>
@@ -6200,7 +7077,7 @@
                         <a:buFontTx/>
                         <a:buNone/>
                       </a:pPr>
-                      <a:endParaRPr lang="ko-KR" altLang="en-US" sz="1400" kern="1200">
+                      <a:endParaRPr lang="ko-KR" altLang="en-US" sz="1400" kern="1200" dirty="0">
                         <a:solidFill>
                           <a:srgbClr val="000000"/>
                         </a:solidFill>
@@ -6222,7 +7099,7 @@
                         <a:buFontTx/>
                         <a:buNone/>
                       </a:pPr>
-                      <a:endParaRPr lang="ko-KR" altLang="en-US" sz="1400" kern="1200">
+                      <a:endParaRPr lang="ko-KR" altLang="en-US" sz="1400" kern="1200" dirty="0">
                         <a:solidFill>
                           <a:srgbClr val="000000"/>
                         </a:solidFill>
@@ -6244,30 +7121,8 @@
                         <a:buFontTx/>
                         <a:buNone/>
                       </a:pPr>
-                      <a:endParaRPr lang="ko-KR" altLang="en-US" sz="1400" kern="1200">
-                        <a:solidFill>
-                          <a:srgbClr val="000000"/>
-                        </a:solidFill>
-                        <a:latin typeface="나눔명조" charset="0"/>
-                        <a:ea typeface="나눔명조" charset="0"/>
-                      </a:endParaRPr>
-                    </a:p>
-                    <a:p>
-                      <a:pPr marL="0" indent="0" algn="l" defTabSz="914400" eaLnBrk="1" latinLnBrk="1" hangingPunct="1">
-                        <a:lnSpc>
-                          <a:spcPct val="100000"/>
-                        </a:lnSpc>
-                        <a:spcBef>
-                          <a:spcPts val="0"/>
-                        </a:spcBef>
-                        <a:spcAft>
-                          <a:spcPts val="0"/>
-                        </a:spcAft>
-                        <a:buFontTx/>
-                        <a:buNone/>
-                      </a:pPr>
-                      <a:r>
-                        <a:rPr lang="ko-KR" altLang="en-US" sz="1400" kern="1200">
+                      <a:r>
+                        <a:rPr lang="ko-KR" altLang="en-US" sz="1400" kern="1200" dirty="0">
                           <a:solidFill>
                             <a:srgbClr val="000000"/>
                           </a:solidFill>
@@ -6277,7 +7132,7 @@
                         <a:t>                                                                                                               </a:t>
                       </a:r>
                       <a:r>
-                        <a:rPr sz="1000" kern="1200">
+                        <a:rPr sz="1000" kern="1200" dirty="0">
                           <a:solidFill>
                             <a:srgbClr val="000000"/>
                           </a:solidFill>
@@ -6286,7 +7141,7 @@
                         </a:rPr>
                         <a:t>                            </a:t>
                       </a:r>
-                      <a:endParaRPr lang="ko-KR" altLang="en-US" sz="1400" kern="1200">
+                      <a:endParaRPr lang="ko-KR" altLang="en-US" sz="1400" kern="1200" dirty="0">
                         <a:solidFill>
                           <a:srgbClr val="000000"/>
                         </a:solidFill>
@@ -6295,7 +7150,7 @@
                       </a:endParaRPr>
                     </a:p>
                   </a:txBody>
-                  <a:tcPr marL="91440" marR="91440" marT="45720" marB="45720" anchor="t">
+                  <a:tcPr>
                     <a:lnL w="12700" cap="flat" cmpd="sng" algn="ctr">
                       <a:solidFill>
                         <a:srgbClr val="000000">
@@ -6354,11 +7209,13 @@
           <p:nvPr/>
         </p:nvCxnSpPr>
         <p:spPr>
-          <a:xfrm rot="0" flipV="1">
-            <a:off x="1858645" y="3261360"/>
-            <a:ext cx="1905" cy="1260475"/>
+          <a:xfrm flipH="1" flipV="1">
+            <a:off x="1724759" y="4044408"/>
+            <a:ext cx="1270" cy="1472824"/>
           </a:xfrm>
-          <a:prstGeom prst="straightConnector1"/>
+          <a:prstGeom prst="straightConnector1">
+            <a:avLst/>
+          </a:prstGeom>
           <a:ln w="9525" cap="flat" cmpd="sng">
             <a:prstDash/>
             <a:tailEnd type="arrow" w="med" len="med"/>
@@ -6386,11 +7243,13 @@
           <p:nvPr/>
         </p:nvCxnSpPr>
         <p:spPr>
-          <a:xfrm rot="0">
-            <a:off x="1859915" y="4518025"/>
+          <a:xfrm>
+            <a:off x="1726029" y="5516597"/>
             <a:ext cx="4321175" cy="635"/>
           </a:xfrm>
-          <a:prstGeom prst="straightConnector1"/>
+          <a:prstGeom prst="straightConnector1">
+            <a:avLst/>
+          </a:prstGeom>
           <a:ln w="9525" cap="flat" cmpd="sng">
             <a:prstDash/>
             <a:tailEnd type="arrow" w="med" len="med"/>
@@ -6433,11 +7292,13 @@
           </a:stretch>
         </p:blipFill>
         <p:spPr>
-          <a:xfrm rot="0">
-            <a:off x="4344670" y="3406140"/>
+          <a:xfrm>
+            <a:off x="4210784" y="4188423"/>
             <a:ext cx="508635" cy="540385"/>
           </a:xfrm>
-          <a:prstGeom prst="rect"/>
+          <a:prstGeom prst="rect">
+            <a:avLst/>
+          </a:prstGeom>
           <a:noFill/>
         </p:spPr>
       </p:pic>
@@ -6463,11 +7324,13 @@
           </a:stretch>
         </p:blipFill>
         <p:spPr>
-          <a:xfrm rot="0">
-            <a:off x="5573395" y="3946525"/>
+          <a:xfrm>
+            <a:off x="5439509" y="4745918"/>
             <a:ext cx="488315" cy="476885"/>
           </a:xfrm>
-          <a:prstGeom prst="rect"/>
+          <a:prstGeom prst="rect">
+            <a:avLst/>
+          </a:prstGeom>
           <a:noFill/>
         </p:spPr>
       </p:pic>
@@ -6492,11 +7355,13 @@
           </a:stretch>
         </p:blipFill>
         <p:spPr>
-          <a:xfrm rot="0">
-            <a:off x="4281170" y="3947795"/>
+          <a:xfrm>
+            <a:off x="4147284" y="4730078"/>
             <a:ext cx="688975" cy="476250"/>
           </a:xfrm>
-          <a:prstGeom prst="rect"/>
+          <a:prstGeom prst="rect">
+            <a:avLst/>
+          </a:prstGeom>
           <a:noFill/>
         </p:spPr>
       </p:pic>
@@ -6509,11 +7374,13 @@
           <p:nvPr/>
         </p:nvSpPr>
         <p:spPr>
-          <a:xfrm rot="0">
-            <a:off x="5451475" y="4462780"/>
+          <a:xfrm>
+            <a:off x="5317589" y="5196535"/>
             <a:ext cx="1270635" cy="308610"/>
           </a:xfrm>
-          <a:prstGeom prst="rect"/>
+          <a:prstGeom prst="rect">
+            <a:avLst/>
+          </a:prstGeom>
           <a:noFill/>
           <a:ln w="0">
             <a:noFill/>
@@ -6521,7 +7388,7 @@
           </a:ln>
         </p:spPr>
         <p:txBody>
-          <a:bodyPr wrap="square" lIns="89535" tIns="46355" rIns="89535" bIns="46355" vert="horz" anchor="t">
+          <a:bodyPr vert="horz" wrap="square" lIns="89535" tIns="46355" rIns="89535" bIns="46355" anchor="t">
             <a:spAutoFit/>
           </a:bodyPr>
           <a:lstStyle/>
@@ -6540,13 +7407,13 @@
               <a:buNone/>
             </a:pPr>
             <a:r>
-              <a:rPr sz="1400">
+              <a:rPr sz="1400" dirty="0" err="1">
                 <a:latin typeface="나눔명조" charset="0"/>
                 <a:ea typeface="나눔명조" charset="0"/>
               </a:rPr>
               <a:t>인지도</a:t>
             </a:r>
-            <a:endParaRPr lang="ko-KR" altLang="en-US" sz="1400">
+            <a:endParaRPr lang="ko-KR" altLang="en-US" sz="1400" dirty="0">
               <a:latin typeface="나눔명조" charset="0"/>
               <a:ea typeface="나눔명조" charset="0"/>
             </a:endParaRPr>
@@ -6558,14 +7425,964 @@
   <p:clrMapOvr>
     <a:masterClrMapping/>
   </p:clrMapOvr>
-  <mc:AlternateContent xmlns:mc="http://schemas.openxmlformats.org/markup-compatibility/2006">
-    <mc:Choice xmlns:p14="http://schemas.microsoft.com/office/powerpoint/2010/main" Requires="p14">
+  <mc:AlternateContent xmlns:mc="http://schemas.openxmlformats.org/markup-compatibility/2006" xmlns:p14="http://schemas.microsoft.com/office/powerpoint/2010/main">
+    <mc:Choice Requires="p14">
       <p:transition spd="slow" p14:dur="2000"/>
     </mc:Choice>
-    <mc:Fallback>
+    <mc:Fallback xmlns="">
       <p:transition spd="slow"/>
     </mc:Fallback>
   </mc:AlternateContent>
+</p:sld>
+</file>
+
+<file path=ppt/slides/slide4.xml><?xml version="1.0" encoding="utf-8"?>
+<p:sld xmlns:a="http://schemas.openxmlformats.org/drawingml/2006/main" xmlns:r="http://schemas.openxmlformats.org/officeDocument/2006/relationships" xmlns:p="http://schemas.openxmlformats.org/presentationml/2006/main">
+  <p:cSld>
+    <p:spTree>
+      <p:nvGrpSpPr>
+        <p:cNvPr id="1" name=""/>
+        <p:cNvGrpSpPr/>
+        <p:nvPr/>
+      </p:nvGrpSpPr>
+      <p:grpSpPr>
+        <a:xfrm>
+          <a:off x="0" y="0"/>
+          <a:ext cx="0" cy="0"/>
+          <a:chOff x="0" y="0"/>
+          <a:chExt cx="0" cy="0"/>
+        </a:xfrm>
+      </p:grpSpPr>
+      <p:pic>
+        <p:nvPicPr>
+          <p:cNvPr id="1027" name="Picture 3"/>
+          <p:cNvPicPr>
+            <a:picLocks noChangeAspect="1" noChangeArrowheads="1"/>
+          </p:cNvPicPr>
+          <p:nvPr/>
+        </p:nvPicPr>
+        <p:blipFill rotWithShape="1">
+          <a:blip r:embed="rId2">
+            <a:extLst>
+              <a:ext uri="{28A0092B-C50C-407E-A947-70E740481C1C}">
+                <a14:useLocalDpi xmlns:a14="http://schemas.microsoft.com/office/drawing/2010/main" val="0"/>
+              </a:ext>
+            </a:extLst>
+          </a:blip>
+          <a:srcRect l="24448" t="35908" r="39660" b="35309"/>
+          <a:stretch/>
+        </p:blipFill>
+        <p:spPr bwMode="auto">
+          <a:xfrm>
+            <a:off x="107504" y="105336"/>
+            <a:ext cx="8964488" cy="4043744"/>
+          </a:xfrm>
+          <a:prstGeom prst="rect">
+            <a:avLst/>
+          </a:prstGeom>
+          <a:noFill/>
+          <a:ln>
+            <a:noFill/>
+          </a:ln>
+          <a:extLst>
+            <a:ext uri="{909E8E84-426E-40DD-AFC4-6F175D3DCCD1}">
+              <a14:hiddenFill xmlns:a14="http://schemas.microsoft.com/office/drawing/2010/main">
+                <a:solidFill>
+                  <a:schemeClr val="accent1"/>
+                </a:solidFill>
+              </a14:hiddenFill>
+            </a:ext>
+            <a:ext uri="{91240B29-F687-4F45-9708-019B960494DF}">
+              <a14:hiddenLine xmlns:a14="http://schemas.microsoft.com/office/drawing/2010/main" w="9525">
+                <a:solidFill>
+                  <a:schemeClr val="tx1"/>
+                </a:solidFill>
+                <a:miter lim="800000"/>
+                <a:headEnd/>
+                <a:tailEnd/>
+              </a14:hiddenLine>
+            </a:ext>
+          </a:extLst>
+        </p:spPr>
+      </p:pic>
+      <p:cxnSp>
+        <p:nvCxnSpPr>
+          <p:cNvPr id="17" name="직선 화살표 연결선 16"/>
+          <p:cNvCxnSpPr/>
+          <p:nvPr/>
+        </p:nvCxnSpPr>
+        <p:spPr>
+          <a:xfrm>
+            <a:off x="3131840" y="1142746"/>
+            <a:ext cx="1296144" cy="984462"/>
+          </a:xfrm>
+          <a:prstGeom prst="straightConnector1">
+            <a:avLst/>
+          </a:prstGeom>
+          <a:ln w="38100">
+            <a:solidFill>
+              <a:srgbClr val="0000FF"/>
+            </a:solidFill>
+            <a:tailEnd type="arrow"/>
+          </a:ln>
+        </p:spPr>
+        <p:style>
+          <a:lnRef idx="1">
+            <a:schemeClr val="accent1"/>
+          </a:lnRef>
+          <a:fillRef idx="0">
+            <a:schemeClr val="accent1"/>
+          </a:fillRef>
+          <a:effectRef idx="0">
+            <a:schemeClr val="accent1"/>
+          </a:effectRef>
+          <a:fontRef idx="minor">
+            <a:schemeClr val="tx1"/>
+          </a:fontRef>
+        </p:style>
+      </p:cxnSp>
+      <p:cxnSp>
+        <p:nvCxnSpPr>
+          <p:cNvPr id="19" name="직선 화살표 연결선 18"/>
+          <p:cNvCxnSpPr/>
+          <p:nvPr/>
+        </p:nvCxnSpPr>
+        <p:spPr>
+          <a:xfrm flipV="1">
+            <a:off x="4283968" y="1095669"/>
+            <a:ext cx="1584176" cy="1031539"/>
+          </a:xfrm>
+          <a:prstGeom prst="straightConnector1">
+            <a:avLst/>
+          </a:prstGeom>
+          <a:ln w="38100">
+            <a:solidFill>
+              <a:srgbClr val="FF3300"/>
+            </a:solidFill>
+            <a:tailEnd type="arrow"/>
+          </a:ln>
+        </p:spPr>
+        <p:style>
+          <a:lnRef idx="1">
+            <a:schemeClr val="accent1"/>
+          </a:lnRef>
+          <a:fillRef idx="0">
+            <a:schemeClr val="accent1"/>
+          </a:fillRef>
+          <a:effectRef idx="0">
+            <a:schemeClr val="accent1"/>
+          </a:effectRef>
+          <a:fontRef idx="minor">
+            <a:schemeClr val="tx1"/>
+          </a:fontRef>
+        </p:style>
+      </p:cxnSp>
+      <p:cxnSp>
+        <p:nvCxnSpPr>
+          <p:cNvPr id="44" name="직선 화살표 연결선 43"/>
+          <p:cNvCxnSpPr/>
+          <p:nvPr/>
+        </p:nvCxnSpPr>
+        <p:spPr>
+          <a:xfrm flipV="1">
+            <a:off x="6859353" y="908720"/>
+            <a:ext cx="1169031" cy="234026"/>
+          </a:xfrm>
+          <a:prstGeom prst="straightConnector1">
+            <a:avLst/>
+          </a:prstGeom>
+          <a:ln w="38100">
+            <a:solidFill>
+              <a:srgbClr val="FF3300"/>
+            </a:solidFill>
+            <a:tailEnd type="arrow"/>
+          </a:ln>
+        </p:spPr>
+        <p:style>
+          <a:lnRef idx="1">
+            <a:schemeClr val="accent1"/>
+          </a:lnRef>
+          <a:fillRef idx="0">
+            <a:schemeClr val="accent1"/>
+          </a:fillRef>
+          <a:effectRef idx="0">
+            <a:schemeClr val="accent1"/>
+          </a:effectRef>
+          <a:fontRef idx="minor">
+            <a:schemeClr val="tx1"/>
+          </a:fontRef>
+        </p:style>
+      </p:cxnSp>
+      <p:cxnSp>
+        <p:nvCxnSpPr>
+          <p:cNvPr id="50" name="직선 화살표 연결선 49"/>
+          <p:cNvCxnSpPr/>
+          <p:nvPr/>
+        </p:nvCxnSpPr>
+        <p:spPr>
+          <a:xfrm>
+            <a:off x="5868144" y="1142746"/>
+            <a:ext cx="720080" cy="414046"/>
+          </a:xfrm>
+          <a:prstGeom prst="straightConnector1">
+            <a:avLst/>
+          </a:prstGeom>
+          <a:ln w="38100">
+            <a:solidFill>
+              <a:srgbClr val="0000FF"/>
+            </a:solidFill>
+            <a:tailEnd type="arrow"/>
+          </a:ln>
+        </p:spPr>
+        <p:style>
+          <a:lnRef idx="1">
+            <a:schemeClr val="accent1"/>
+          </a:lnRef>
+          <a:fillRef idx="0">
+            <a:schemeClr val="accent1"/>
+          </a:fillRef>
+          <a:effectRef idx="0">
+            <a:schemeClr val="accent1"/>
+          </a:effectRef>
+          <a:fontRef idx="minor">
+            <a:schemeClr val="tx1"/>
+          </a:fontRef>
+        </p:style>
+      </p:cxnSp>
+      <p:cxnSp>
+        <p:nvCxnSpPr>
+          <p:cNvPr id="52" name="직선 화살표 연결선 51"/>
+          <p:cNvCxnSpPr/>
+          <p:nvPr/>
+        </p:nvCxnSpPr>
+        <p:spPr>
+          <a:xfrm flipV="1">
+            <a:off x="6571321" y="1095669"/>
+            <a:ext cx="288032" cy="481091"/>
+          </a:xfrm>
+          <a:prstGeom prst="straightConnector1">
+            <a:avLst/>
+          </a:prstGeom>
+          <a:ln w="38100">
+            <a:solidFill>
+              <a:srgbClr val="FF3300"/>
+            </a:solidFill>
+            <a:tailEnd type="arrow"/>
+          </a:ln>
+        </p:spPr>
+        <p:style>
+          <a:lnRef idx="1">
+            <a:schemeClr val="accent1"/>
+          </a:lnRef>
+          <a:fillRef idx="0">
+            <a:schemeClr val="accent1"/>
+          </a:fillRef>
+          <a:effectRef idx="0">
+            <a:schemeClr val="accent1"/>
+          </a:effectRef>
+          <a:fontRef idx="minor">
+            <a:schemeClr val="tx1"/>
+          </a:fontRef>
+        </p:style>
+      </p:cxnSp>
+      <p:sp>
+        <p:nvSpPr>
+          <p:cNvPr id="1048" name="타원 1047"/>
+          <p:cNvSpPr/>
+          <p:nvPr/>
+        </p:nvSpPr>
+        <p:spPr>
+          <a:xfrm>
+            <a:off x="7740352" y="692696"/>
+            <a:ext cx="432048" cy="432048"/>
+          </a:xfrm>
+          <a:prstGeom prst="ellipse">
+            <a:avLst/>
+          </a:prstGeom>
+          <a:noFill/>
+          <a:ln>
+            <a:solidFill>
+              <a:schemeClr val="tx1"/>
+            </a:solidFill>
+          </a:ln>
+        </p:spPr>
+        <p:style>
+          <a:lnRef idx="2">
+            <a:schemeClr val="accent1">
+              <a:shade val="50000"/>
+            </a:schemeClr>
+          </a:lnRef>
+          <a:fillRef idx="1">
+            <a:schemeClr val="accent1"/>
+          </a:fillRef>
+          <a:effectRef idx="0">
+            <a:schemeClr val="accent1"/>
+          </a:effectRef>
+          <a:fontRef idx="minor">
+            <a:schemeClr val="lt1"/>
+          </a:fontRef>
+        </p:style>
+        <p:txBody>
+          <a:bodyPr rtlCol="0" anchor="ctr"/>
+          <a:lstStyle/>
+          <a:p>
+            <a:pPr algn="ctr"/>
+            <a:endParaRPr lang="ko-KR" altLang="en-US"/>
+          </a:p>
+        </p:txBody>
+      </p:sp>
+      <p:sp>
+        <p:nvSpPr>
+          <p:cNvPr id="63" name="타원 62"/>
+          <p:cNvSpPr/>
+          <p:nvPr/>
+        </p:nvSpPr>
+        <p:spPr>
+          <a:xfrm>
+            <a:off x="1700451" y="4293096"/>
+            <a:ext cx="576064" cy="576064"/>
+          </a:xfrm>
+          <a:prstGeom prst="ellipse">
+            <a:avLst/>
+          </a:prstGeom>
+          <a:noFill/>
+          <a:ln>
+            <a:solidFill>
+              <a:schemeClr val="tx1"/>
+            </a:solidFill>
+          </a:ln>
+        </p:spPr>
+        <p:style>
+          <a:lnRef idx="2">
+            <a:schemeClr val="accent1">
+              <a:shade val="50000"/>
+            </a:schemeClr>
+          </a:lnRef>
+          <a:fillRef idx="1">
+            <a:schemeClr val="accent1"/>
+          </a:fillRef>
+          <a:effectRef idx="0">
+            <a:schemeClr val="accent1"/>
+          </a:effectRef>
+          <a:fontRef idx="minor">
+            <a:schemeClr val="lt1"/>
+          </a:fontRef>
+        </p:style>
+        <p:txBody>
+          <a:bodyPr rtlCol="0" anchor="ctr"/>
+          <a:lstStyle/>
+          <a:p>
+            <a:pPr algn="ctr"/>
+            <a:endParaRPr lang="ko-KR" altLang="en-US"/>
+          </a:p>
+        </p:txBody>
+      </p:sp>
+      <p:sp>
+        <p:nvSpPr>
+          <p:cNvPr id="64" name="TextBox 63"/>
+          <p:cNvSpPr txBox="1"/>
+          <p:nvPr/>
+        </p:nvSpPr>
+        <p:spPr>
+          <a:xfrm>
+            <a:off x="6480212" y="251356"/>
+            <a:ext cx="2520280" cy="369332"/>
+          </a:xfrm>
+          <a:prstGeom prst="rect">
+            <a:avLst/>
+          </a:prstGeom>
+          <a:noFill/>
+        </p:spPr>
+        <p:txBody>
+          <a:bodyPr wrap="square" rtlCol="0">
+            <a:spAutoFit/>
+          </a:bodyPr>
+          <a:lstStyle/>
+          <a:p>
+            <a:r>
+              <a:rPr lang="ko-KR" altLang="en-US" b="1" dirty="0" smtClean="0">
+                <a:latin typeface="나눔명조" panose="02020603020101020101" pitchFamily="18" charset="-127"/>
+                <a:ea typeface="나눔명조" panose="02020603020101020101" pitchFamily="18" charset="-127"/>
+              </a:rPr>
+              <a:t>역대 최고가 경신</a:t>
+            </a:r>
+            <a:endParaRPr lang="ko-KR" altLang="en-US" b="1" dirty="0">
+              <a:latin typeface="나눔명조" panose="02020603020101020101" pitchFamily="18" charset="-127"/>
+              <a:ea typeface="나눔명조" panose="02020603020101020101" pitchFamily="18" charset="-127"/>
+            </a:endParaRPr>
+          </a:p>
+        </p:txBody>
+      </p:sp>
+      <p:sp>
+        <p:nvSpPr>
+          <p:cNvPr id="66" name="TextBox 65"/>
+          <p:cNvSpPr txBox="1"/>
+          <p:nvPr/>
+        </p:nvSpPr>
+        <p:spPr>
+          <a:xfrm>
+            <a:off x="1951474" y="1006045"/>
+            <a:ext cx="2520280" cy="369332"/>
+          </a:xfrm>
+          <a:prstGeom prst="rect">
+            <a:avLst/>
+          </a:prstGeom>
+          <a:noFill/>
+        </p:spPr>
+        <p:txBody>
+          <a:bodyPr wrap="square" rtlCol="0">
+            <a:spAutoFit/>
+          </a:bodyPr>
+          <a:lstStyle/>
+          <a:p>
+            <a:r>
+              <a:rPr lang="ko-KR" altLang="en-US" b="1" dirty="0" smtClean="0">
+                <a:latin typeface="나눔명조" panose="02020603020101020101" pitchFamily="18" charset="-127"/>
+                <a:ea typeface="나눔명조" panose="02020603020101020101" pitchFamily="18" charset="-127"/>
+              </a:rPr>
+              <a:t>상승 </a:t>
+            </a:r>
+            <a:r>
+              <a:rPr lang="en-US" altLang="ko-KR" b="1" dirty="0" smtClean="0">
+                <a:latin typeface="나눔명조" panose="02020603020101020101" pitchFamily="18" charset="-127"/>
+                <a:ea typeface="나눔명조" panose="02020603020101020101" pitchFamily="18" charset="-127"/>
+              </a:rPr>
+              <a:t>1.</a:t>
+            </a:r>
+            <a:endParaRPr lang="ko-KR" altLang="en-US" b="1" dirty="0">
+              <a:latin typeface="나눔명조" panose="02020603020101020101" pitchFamily="18" charset="-127"/>
+              <a:ea typeface="나눔명조" panose="02020603020101020101" pitchFamily="18" charset="-127"/>
+            </a:endParaRPr>
+          </a:p>
+        </p:txBody>
+      </p:sp>
+      <p:sp>
+        <p:nvSpPr>
+          <p:cNvPr id="67" name="TextBox 66"/>
+          <p:cNvSpPr txBox="1"/>
+          <p:nvPr/>
+        </p:nvSpPr>
+        <p:spPr>
+          <a:xfrm>
+            <a:off x="3455876" y="1006045"/>
+            <a:ext cx="2520280" cy="369332"/>
+          </a:xfrm>
+          <a:prstGeom prst="rect">
+            <a:avLst/>
+          </a:prstGeom>
+          <a:noFill/>
+        </p:spPr>
+        <p:txBody>
+          <a:bodyPr wrap="square" rtlCol="0">
+            <a:spAutoFit/>
+          </a:bodyPr>
+          <a:lstStyle/>
+          <a:p>
+            <a:r>
+              <a:rPr lang="ko-KR" altLang="en-US" b="1" dirty="0" smtClean="0">
+                <a:latin typeface="나눔명조" panose="02020603020101020101" pitchFamily="18" charset="-127"/>
+                <a:ea typeface="나눔명조" panose="02020603020101020101" pitchFamily="18" charset="-127"/>
+              </a:rPr>
+              <a:t>하락 </a:t>
+            </a:r>
+            <a:r>
+              <a:rPr lang="en-US" altLang="ko-KR" b="1" dirty="0" smtClean="0">
+                <a:latin typeface="나눔명조" panose="02020603020101020101" pitchFamily="18" charset="-127"/>
+                <a:ea typeface="나눔명조" panose="02020603020101020101" pitchFamily="18" charset="-127"/>
+              </a:rPr>
+              <a:t>1.</a:t>
+            </a:r>
+            <a:endParaRPr lang="ko-KR" altLang="en-US" b="1" dirty="0">
+              <a:latin typeface="나눔명조" panose="02020603020101020101" pitchFamily="18" charset="-127"/>
+              <a:ea typeface="나눔명조" panose="02020603020101020101" pitchFamily="18" charset="-127"/>
+            </a:endParaRPr>
+          </a:p>
+        </p:txBody>
+      </p:sp>
+      <p:sp>
+        <p:nvSpPr>
+          <p:cNvPr id="68" name="TextBox 67"/>
+          <p:cNvSpPr txBox="1"/>
+          <p:nvPr/>
+        </p:nvSpPr>
+        <p:spPr>
+          <a:xfrm>
+            <a:off x="4716016" y="1006045"/>
+            <a:ext cx="2520280" cy="369332"/>
+          </a:xfrm>
+          <a:prstGeom prst="rect">
+            <a:avLst/>
+          </a:prstGeom>
+          <a:noFill/>
+        </p:spPr>
+        <p:txBody>
+          <a:bodyPr wrap="square" rtlCol="0">
+            <a:spAutoFit/>
+          </a:bodyPr>
+          <a:lstStyle/>
+          <a:p>
+            <a:r>
+              <a:rPr lang="ko-KR" altLang="en-US" b="1" dirty="0" smtClean="0">
+                <a:latin typeface="나눔명조" panose="02020603020101020101" pitchFamily="18" charset="-127"/>
+                <a:ea typeface="나눔명조" panose="02020603020101020101" pitchFamily="18" charset="-127"/>
+              </a:rPr>
+              <a:t>상승 </a:t>
+            </a:r>
+            <a:r>
+              <a:rPr lang="en-US" altLang="ko-KR" b="1" dirty="0">
+                <a:latin typeface="나눔명조" panose="02020603020101020101" pitchFamily="18" charset="-127"/>
+                <a:ea typeface="나눔명조" panose="02020603020101020101" pitchFamily="18" charset="-127"/>
+              </a:rPr>
+              <a:t>2</a:t>
+            </a:r>
+            <a:r>
+              <a:rPr lang="en-US" altLang="ko-KR" b="1" dirty="0" smtClean="0">
+                <a:latin typeface="나눔명조" panose="02020603020101020101" pitchFamily="18" charset="-127"/>
+                <a:ea typeface="나눔명조" panose="02020603020101020101" pitchFamily="18" charset="-127"/>
+              </a:rPr>
+              <a:t>.</a:t>
+            </a:r>
+            <a:endParaRPr lang="ko-KR" altLang="en-US" b="1" dirty="0">
+              <a:latin typeface="나눔명조" panose="02020603020101020101" pitchFamily="18" charset="-127"/>
+              <a:ea typeface="나눔명조" panose="02020603020101020101" pitchFamily="18" charset="-127"/>
+            </a:endParaRPr>
+          </a:p>
+        </p:txBody>
+      </p:sp>
+      <p:sp>
+        <p:nvSpPr>
+          <p:cNvPr id="69" name="TextBox 68"/>
+          <p:cNvSpPr txBox="1"/>
+          <p:nvPr/>
+        </p:nvSpPr>
+        <p:spPr>
+          <a:xfrm>
+            <a:off x="5660571" y="1520497"/>
+            <a:ext cx="1135225" cy="369332"/>
+          </a:xfrm>
+          <a:prstGeom prst="rect">
+            <a:avLst/>
+          </a:prstGeom>
+          <a:noFill/>
+        </p:spPr>
+        <p:txBody>
+          <a:bodyPr wrap="square" rtlCol="0">
+            <a:spAutoFit/>
+          </a:bodyPr>
+          <a:lstStyle/>
+          <a:p>
+            <a:r>
+              <a:rPr lang="ko-KR" altLang="en-US" b="1" dirty="0" smtClean="0">
+                <a:latin typeface="나눔명조" panose="02020603020101020101" pitchFamily="18" charset="-127"/>
+                <a:ea typeface="나눔명조" panose="02020603020101020101" pitchFamily="18" charset="-127"/>
+              </a:rPr>
+              <a:t>하락 </a:t>
+            </a:r>
+            <a:r>
+              <a:rPr lang="en-US" altLang="ko-KR" b="1" dirty="0">
+                <a:latin typeface="나눔명조" panose="02020603020101020101" pitchFamily="18" charset="-127"/>
+                <a:ea typeface="나눔명조" panose="02020603020101020101" pitchFamily="18" charset="-127"/>
+              </a:rPr>
+              <a:t>2</a:t>
+            </a:r>
+            <a:r>
+              <a:rPr lang="en-US" altLang="ko-KR" b="1" dirty="0" smtClean="0">
+                <a:latin typeface="나눔명조" panose="02020603020101020101" pitchFamily="18" charset="-127"/>
+                <a:ea typeface="나눔명조" panose="02020603020101020101" pitchFamily="18" charset="-127"/>
+              </a:rPr>
+              <a:t>.</a:t>
+            </a:r>
+            <a:endParaRPr lang="ko-KR" altLang="en-US" b="1" dirty="0">
+              <a:latin typeface="나눔명조" panose="02020603020101020101" pitchFamily="18" charset="-127"/>
+              <a:ea typeface="나눔명조" panose="02020603020101020101" pitchFamily="18" charset="-127"/>
+            </a:endParaRPr>
+          </a:p>
+        </p:txBody>
+      </p:sp>
+      <p:sp>
+        <p:nvSpPr>
+          <p:cNvPr id="72" name="TextBox 71"/>
+          <p:cNvSpPr txBox="1"/>
+          <p:nvPr/>
+        </p:nvSpPr>
+        <p:spPr>
+          <a:xfrm>
+            <a:off x="7524328" y="1125038"/>
+            <a:ext cx="2520280" cy="369332"/>
+          </a:xfrm>
+          <a:prstGeom prst="rect">
+            <a:avLst/>
+          </a:prstGeom>
+          <a:noFill/>
+        </p:spPr>
+        <p:txBody>
+          <a:bodyPr wrap="square" rtlCol="0">
+            <a:spAutoFit/>
+          </a:bodyPr>
+          <a:lstStyle/>
+          <a:p>
+            <a:r>
+              <a:rPr lang="ko-KR" altLang="en-US" b="1" dirty="0" smtClean="0">
+                <a:latin typeface="나눔명조" panose="02020603020101020101" pitchFamily="18" charset="-127"/>
+                <a:ea typeface="나눔명조" panose="02020603020101020101" pitchFamily="18" charset="-127"/>
+              </a:rPr>
+              <a:t>상</a:t>
+            </a:r>
+            <a:r>
+              <a:rPr lang="ko-KR" altLang="en-US" b="1" dirty="0">
+                <a:latin typeface="나눔명조" panose="02020603020101020101" pitchFamily="18" charset="-127"/>
+                <a:ea typeface="나눔명조" panose="02020603020101020101" pitchFamily="18" charset="-127"/>
+              </a:rPr>
+              <a:t>승</a:t>
+            </a:r>
+            <a:r>
+              <a:rPr lang="ko-KR" altLang="en-US" b="1" dirty="0" smtClean="0">
+                <a:latin typeface="나눔명조" panose="02020603020101020101" pitchFamily="18" charset="-127"/>
+                <a:ea typeface="나눔명조" panose="02020603020101020101" pitchFamily="18" charset="-127"/>
+              </a:rPr>
+              <a:t> </a:t>
+            </a:r>
+            <a:r>
+              <a:rPr lang="en-US" altLang="ko-KR" b="1" dirty="0" smtClean="0">
+                <a:latin typeface="나눔명조" panose="02020603020101020101" pitchFamily="18" charset="-127"/>
+                <a:ea typeface="나눔명조" panose="02020603020101020101" pitchFamily="18" charset="-127"/>
+              </a:rPr>
+              <a:t>3</a:t>
+            </a:r>
+            <a:r>
+              <a:rPr lang="en-US" altLang="ko-KR" sz="1200" b="1" dirty="0" smtClean="0">
+                <a:latin typeface="나눔명조" panose="02020603020101020101" pitchFamily="18" charset="-127"/>
+                <a:ea typeface="나눔명조" panose="02020603020101020101" pitchFamily="18" charset="-127"/>
+              </a:rPr>
+              <a:t>.</a:t>
+            </a:r>
+            <a:endParaRPr lang="ko-KR" altLang="en-US" sz="1200" b="1" dirty="0">
+              <a:latin typeface="나눔명조" panose="02020603020101020101" pitchFamily="18" charset="-127"/>
+              <a:ea typeface="나눔명조" panose="02020603020101020101" pitchFamily="18" charset="-127"/>
+            </a:endParaRPr>
+          </a:p>
+        </p:txBody>
+      </p:sp>
+      <p:sp>
+        <p:nvSpPr>
+          <p:cNvPr id="75" name="TextBox 74"/>
+          <p:cNvSpPr txBox="1"/>
+          <p:nvPr/>
+        </p:nvSpPr>
+        <p:spPr>
+          <a:xfrm>
+            <a:off x="6444208" y="-254"/>
+            <a:ext cx="2520280" cy="369332"/>
+          </a:xfrm>
+          <a:prstGeom prst="rect">
+            <a:avLst/>
+          </a:prstGeom>
+          <a:noFill/>
+        </p:spPr>
+        <p:txBody>
+          <a:bodyPr wrap="square" rtlCol="0">
+            <a:spAutoFit/>
+          </a:bodyPr>
+          <a:lstStyle/>
+          <a:p>
+            <a:r>
+              <a:rPr lang="en-US" altLang="ko-KR" b="1" dirty="0" smtClean="0">
+                <a:latin typeface="나눔명조" panose="02020603020101020101" pitchFamily="18" charset="-127"/>
+                <a:ea typeface="나눔명조" panose="02020603020101020101" pitchFamily="18" charset="-127"/>
+              </a:rPr>
+              <a:t>‘</a:t>
+            </a:r>
+            <a:r>
+              <a:rPr lang="ko-KR" altLang="en-US" b="1" dirty="0" err="1" smtClean="0">
+                <a:latin typeface="나눔명조" panose="02020603020101020101" pitchFamily="18" charset="-127"/>
+                <a:ea typeface="나눔명조" panose="02020603020101020101" pitchFamily="18" charset="-127"/>
+              </a:rPr>
+              <a:t>리니지</a:t>
+            </a:r>
+            <a:r>
+              <a:rPr lang="en-US" altLang="ko-KR" b="1" dirty="0" smtClean="0">
+                <a:latin typeface="나눔명조" panose="02020603020101020101" pitchFamily="18" charset="-127"/>
+                <a:ea typeface="나눔명조" panose="02020603020101020101" pitchFamily="18" charset="-127"/>
+              </a:rPr>
+              <a:t>2 M’ </a:t>
+            </a:r>
+            <a:r>
+              <a:rPr lang="ko-KR" altLang="en-US" b="1" dirty="0" smtClean="0">
+                <a:latin typeface="나눔명조" panose="02020603020101020101" pitchFamily="18" charset="-127"/>
+                <a:ea typeface="나눔명조" panose="02020603020101020101" pitchFamily="18" charset="-127"/>
+              </a:rPr>
+              <a:t>발표 </a:t>
+            </a:r>
+            <a:endParaRPr lang="ko-KR" altLang="en-US" b="1" dirty="0">
+              <a:latin typeface="나눔명조" panose="02020603020101020101" pitchFamily="18" charset="-127"/>
+              <a:ea typeface="나눔명조" panose="02020603020101020101" pitchFamily="18" charset="-127"/>
+            </a:endParaRPr>
+          </a:p>
+        </p:txBody>
+      </p:sp>
+      <p:cxnSp>
+        <p:nvCxnSpPr>
+          <p:cNvPr id="1055" name="직선 연결선 1054"/>
+          <p:cNvCxnSpPr/>
+          <p:nvPr/>
+        </p:nvCxnSpPr>
+        <p:spPr>
+          <a:xfrm>
+            <a:off x="467544" y="2492896"/>
+            <a:ext cx="0" cy="796280"/>
+          </a:xfrm>
+          <a:prstGeom prst="line">
+            <a:avLst/>
+          </a:prstGeom>
+          <a:ln w="38100"/>
+        </p:spPr>
+        <p:style>
+          <a:lnRef idx="1">
+            <a:schemeClr val="accent1"/>
+          </a:lnRef>
+          <a:fillRef idx="0">
+            <a:schemeClr val="accent1"/>
+          </a:fillRef>
+          <a:effectRef idx="0">
+            <a:schemeClr val="accent1"/>
+          </a:effectRef>
+          <a:fontRef idx="minor">
+            <a:schemeClr val="tx1"/>
+          </a:fontRef>
+        </p:style>
+      </p:cxnSp>
+      <p:cxnSp>
+        <p:nvCxnSpPr>
+          <p:cNvPr id="81" name="직선 연결선 80"/>
+          <p:cNvCxnSpPr/>
+          <p:nvPr/>
+        </p:nvCxnSpPr>
+        <p:spPr>
+          <a:xfrm>
+            <a:off x="1835696" y="1844824"/>
+            <a:ext cx="0" cy="1444352"/>
+          </a:xfrm>
+          <a:prstGeom prst="line">
+            <a:avLst/>
+          </a:prstGeom>
+          <a:ln w="38100"/>
+        </p:spPr>
+        <p:style>
+          <a:lnRef idx="1">
+            <a:schemeClr val="accent1"/>
+          </a:lnRef>
+          <a:fillRef idx="0">
+            <a:schemeClr val="accent1"/>
+          </a:fillRef>
+          <a:effectRef idx="0">
+            <a:schemeClr val="accent1"/>
+          </a:effectRef>
+          <a:fontRef idx="minor">
+            <a:schemeClr val="tx1"/>
+          </a:fontRef>
+        </p:style>
+      </p:cxnSp>
+      <p:cxnSp>
+        <p:nvCxnSpPr>
+          <p:cNvPr id="83" name="직선 연결선 82"/>
+          <p:cNvCxnSpPr/>
+          <p:nvPr/>
+        </p:nvCxnSpPr>
+        <p:spPr>
+          <a:xfrm>
+            <a:off x="1115616" y="2204864"/>
+            <a:ext cx="0" cy="1084312"/>
+          </a:xfrm>
+          <a:prstGeom prst="line">
+            <a:avLst/>
+          </a:prstGeom>
+          <a:ln w="38100"/>
+        </p:spPr>
+        <p:style>
+          <a:lnRef idx="1">
+            <a:schemeClr val="accent1"/>
+          </a:lnRef>
+          <a:fillRef idx="0">
+            <a:schemeClr val="accent1"/>
+          </a:fillRef>
+          <a:effectRef idx="0">
+            <a:schemeClr val="accent1"/>
+          </a:effectRef>
+          <a:fontRef idx="minor">
+            <a:schemeClr val="tx1"/>
+          </a:fontRef>
+        </p:style>
+      </p:cxnSp>
+      <p:cxnSp>
+        <p:nvCxnSpPr>
+          <p:cNvPr id="92" name="직선 연결선 91"/>
+          <p:cNvCxnSpPr/>
+          <p:nvPr/>
+        </p:nvCxnSpPr>
+        <p:spPr>
+          <a:xfrm>
+            <a:off x="2483768" y="1520497"/>
+            <a:ext cx="0" cy="1768679"/>
+          </a:xfrm>
+          <a:prstGeom prst="line">
+            <a:avLst/>
+          </a:prstGeom>
+          <a:ln w="38100"/>
+        </p:spPr>
+        <p:style>
+          <a:lnRef idx="1">
+            <a:schemeClr val="accent1"/>
+          </a:lnRef>
+          <a:fillRef idx="0">
+            <a:schemeClr val="accent1"/>
+          </a:fillRef>
+          <a:effectRef idx="0">
+            <a:schemeClr val="accent1"/>
+          </a:effectRef>
+          <a:fontRef idx="minor">
+            <a:schemeClr val="tx1"/>
+          </a:fontRef>
+        </p:style>
+      </p:cxnSp>
+      <p:cxnSp>
+        <p:nvCxnSpPr>
+          <p:cNvPr id="14" name="직선 화살표 연결선 13"/>
+          <p:cNvCxnSpPr/>
+          <p:nvPr/>
+        </p:nvCxnSpPr>
+        <p:spPr>
+          <a:xfrm flipV="1">
+            <a:off x="109329" y="1142746"/>
+            <a:ext cx="3168352" cy="1494166"/>
+          </a:xfrm>
+          <a:prstGeom prst="straightConnector1">
+            <a:avLst/>
+          </a:prstGeom>
+          <a:ln w="38100">
+            <a:solidFill>
+              <a:srgbClr val="C00000"/>
+            </a:solidFill>
+            <a:tailEnd type="arrow"/>
+          </a:ln>
+        </p:spPr>
+        <p:style>
+          <a:lnRef idx="1">
+            <a:schemeClr val="accent1"/>
+          </a:lnRef>
+          <a:fillRef idx="0">
+            <a:schemeClr val="accent1"/>
+          </a:fillRef>
+          <a:effectRef idx="0">
+            <a:schemeClr val="accent1"/>
+          </a:effectRef>
+          <a:fontRef idx="minor">
+            <a:schemeClr val="tx1"/>
+          </a:fontRef>
+        </p:style>
+      </p:cxnSp>
+      <p:cxnSp>
+        <p:nvCxnSpPr>
+          <p:cNvPr id="97" name="직선 연결선 96"/>
+          <p:cNvCxnSpPr/>
+          <p:nvPr/>
+        </p:nvCxnSpPr>
+        <p:spPr>
+          <a:xfrm>
+            <a:off x="3158158" y="1190711"/>
+            <a:ext cx="0" cy="2098465"/>
+          </a:xfrm>
+          <a:prstGeom prst="line">
+            <a:avLst/>
+          </a:prstGeom>
+          <a:ln w="38100"/>
+        </p:spPr>
+        <p:style>
+          <a:lnRef idx="1">
+            <a:schemeClr val="accent1"/>
+          </a:lnRef>
+          <a:fillRef idx="0">
+            <a:schemeClr val="accent1"/>
+          </a:fillRef>
+          <a:effectRef idx="0">
+            <a:schemeClr val="accent1"/>
+          </a:effectRef>
+          <a:fontRef idx="minor">
+            <a:schemeClr val="tx1"/>
+          </a:fontRef>
+        </p:style>
+      </p:cxnSp>
+      <p:cxnSp>
+        <p:nvCxnSpPr>
+          <p:cNvPr id="99" name="직선 연결선 98"/>
+          <p:cNvCxnSpPr/>
+          <p:nvPr/>
+        </p:nvCxnSpPr>
+        <p:spPr>
+          <a:xfrm>
+            <a:off x="3455876" y="1375377"/>
+            <a:ext cx="0" cy="1913799"/>
+          </a:xfrm>
+          <a:prstGeom prst="line">
+            <a:avLst/>
+          </a:prstGeom>
+          <a:ln w="38100"/>
+        </p:spPr>
+        <p:style>
+          <a:lnRef idx="1">
+            <a:schemeClr val="accent1"/>
+          </a:lnRef>
+          <a:fillRef idx="0">
+            <a:schemeClr val="accent1"/>
+          </a:fillRef>
+          <a:effectRef idx="0">
+            <a:schemeClr val="accent1"/>
+          </a:effectRef>
+          <a:fontRef idx="minor">
+            <a:schemeClr val="tx1"/>
+          </a:fontRef>
+        </p:style>
+      </p:cxnSp>
+      <p:cxnSp>
+        <p:nvCxnSpPr>
+          <p:cNvPr id="106" name="직선 연결선 105"/>
+          <p:cNvCxnSpPr/>
+          <p:nvPr/>
+        </p:nvCxnSpPr>
+        <p:spPr>
+          <a:xfrm>
+            <a:off x="5076056" y="1634977"/>
+            <a:ext cx="0" cy="1662375"/>
+          </a:xfrm>
+          <a:prstGeom prst="line">
+            <a:avLst/>
+          </a:prstGeom>
+          <a:ln w="38100"/>
+        </p:spPr>
+        <p:style>
+          <a:lnRef idx="1">
+            <a:schemeClr val="accent1"/>
+          </a:lnRef>
+          <a:fillRef idx="0">
+            <a:schemeClr val="accent1"/>
+          </a:fillRef>
+          <a:effectRef idx="0">
+            <a:schemeClr val="accent1"/>
+          </a:effectRef>
+          <a:fontRef idx="minor">
+            <a:schemeClr val="tx1"/>
+          </a:fontRef>
+        </p:style>
+      </p:cxnSp>
+    </p:spTree>
+    <p:extLst>
+      <p:ext uri="{BB962C8B-B14F-4D97-AF65-F5344CB8AC3E}">
+        <p14:creationId xmlns:p14="http://schemas.microsoft.com/office/powerpoint/2010/main" val="1744420438"/>
+      </p:ext>
+    </p:extLst>
+  </p:cSld>
+  <p:clrMapOvr>
+    <a:masterClrMapping/>
+  </p:clrMapOvr>
 </p:sld>
 </file>
 
